--- a/Presentation.pptx
+++ b/Presentation.pptx
@@ -14,17 +14,17 @@
     <p:sldId id="372" r:id="rId5"/>
     <p:sldId id="377" r:id="rId6"/>
     <p:sldId id="380" r:id="rId7"/>
-    <p:sldId id="381" r:id="rId8"/>
-    <p:sldId id="382" r:id="rId9"/>
-    <p:sldId id="389" r:id="rId10"/>
-    <p:sldId id="383" r:id="rId11"/>
-    <p:sldId id="386" r:id="rId12"/>
-    <p:sldId id="384" r:id="rId13"/>
+    <p:sldId id="382" r:id="rId8"/>
+    <p:sldId id="389" r:id="rId9"/>
+    <p:sldId id="393" r:id="rId10"/>
+    <p:sldId id="394" r:id="rId11"/>
+    <p:sldId id="384" r:id="rId12"/>
+    <p:sldId id="386" r:id="rId13"/>
     <p:sldId id="390" r:id="rId14"/>
     <p:sldId id="392" r:id="rId15"/>
-    <p:sldId id="391" r:id="rId16"/>
-    <p:sldId id="385" r:id="rId17"/>
-    <p:sldId id="387" r:id="rId18"/>
+    <p:sldId id="395" r:id="rId16"/>
+    <p:sldId id="391" r:id="rId17"/>
+    <p:sldId id="385" r:id="rId18"/>
     <p:sldId id="388" r:id="rId19"/>
   </p:sldIdLst>
   <p:sldSz cx="9906000" cy="6858000" type="A4"/>
@@ -2785,7 +2785,7 @@
           <a:p>
             <a:r>
               <a:rPr lang="en-US" dirty="0" smtClean="0"/>
-              <a:t>Enterprise Data Science – Use Case 2</a:t>
+              <a:t>Enterprise Data Scientist – Use Case 2</a:t>
             </a:r>
           </a:p>
         </p:txBody>
@@ -3642,6 +3642,47 @@
           </a:p>
         </p:txBody>
       </p:sp>
+      <p:pic>
+        <p:nvPicPr>
+          <p:cNvPr id="6145" name="Picture 1" descr="C:\Users\Louis\Documents\GitHub\PMItest\image\classification_models.jpg"/>
+          <p:cNvPicPr>
+            <a:picLocks noChangeAspect="1" noChangeArrowheads="1"/>
+          </p:cNvPicPr>
+          <p:nvPr/>
+        </p:nvPicPr>
+        <p:blipFill>
+          <a:blip r:embed="rId2">
+            <a:extLst>
+              <a:ext uri="{28A0092B-C50C-407E-A947-70E740481C1C}">
+                <a14:useLocalDpi xmlns:a14="http://schemas.microsoft.com/office/drawing/2010/main" val="0"/>
+              </a:ext>
+            </a:extLst>
+          </a:blip>
+          <a:srcRect/>
+          <a:stretch>
+            <a:fillRect/>
+          </a:stretch>
+        </p:blipFill>
+        <p:spPr bwMode="auto">
+          <a:xfrm>
+            <a:off x="1676400" y="1349225"/>
+            <a:ext cx="6756400" cy="4504267"/>
+          </a:xfrm>
+          <a:prstGeom prst="rect">
+            <a:avLst/>
+          </a:prstGeom>
+          <a:noFill/>
+          <a:extLst>
+            <a:ext uri="{909E8E84-426E-40DD-AFC4-6F175D3DCCD1}">
+              <a14:hiddenFill xmlns:a14="http://schemas.microsoft.com/office/drawing/2010/main">
+                <a:solidFill>
+                  <a:srgbClr val="FFFFFF"/>
+                </a:solidFill>
+              </a14:hiddenFill>
+            </a:ext>
+          </a:extLst>
+        </p:spPr>
+      </p:pic>
     </p:spTree>
     <p:extLst>
       <p:ext uri="{BB962C8B-B14F-4D97-AF65-F5344CB8AC3E}">
@@ -3696,15 +3737,7 @@
           <a:p>
             <a:r>
               <a:rPr lang="en-US" dirty="0" smtClean="0"/>
-              <a:t>Classification – </a:t>
-            </a:r>
-            <a:r>
-              <a:rPr lang="en-US" dirty="0" err="1" smtClean="0"/>
-              <a:t>SGDClassifier</a:t>
-            </a:r>
-            <a:r>
-              <a:rPr lang="en-US" dirty="0" smtClean="0"/>
-              <a:t> Elastic-Net penalty (linear SVM loss function)</a:t>
+              <a:t>Classification – Median Threshold: Balanced classes </a:t>
             </a:r>
             <a:endParaRPr lang="en-US" dirty="0"/>
           </a:p>
@@ -3733,218 +3766,92 @@
           </a:p>
         </p:txBody>
       </p:sp>
-      <p:graphicFrame>
-        <p:nvGraphicFramePr>
-          <p:cNvPr id="7" name="Espace réservé du contenu 3"/>
-          <p:cNvGraphicFramePr>
-            <a:graphicFrameLocks/>
-          </p:cNvGraphicFramePr>
-          <p:nvPr>
-            <p:extLst>
-              <p:ext uri="{D42A27DB-BD31-4B8C-83A1-F6EECF244321}">
-                <p14:modId xmlns:p14="http://schemas.microsoft.com/office/powerpoint/2010/main" val="1688415180"/>
-              </p:ext>
-            </p:extLst>
-          </p:nvPr>
-        </p:nvGraphicFramePr>
-        <p:xfrm>
-          <a:off x="457200" y="1447803"/>
-          <a:ext cx="4267200" cy="1112520"/>
-        </p:xfrm>
-        <a:graphic>
-          <a:graphicData uri="http://schemas.openxmlformats.org/drawingml/2006/table">
-            <a:tbl>
-              <a:tblPr firstRow="1" firstCol="1" bandRow="1">
-                <a:tableStyleId>{5C22544A-7EE6-4342-B048-85BDC9FD1C3A}</a:tableStyleId>
-              </a:tblPr>
-              <a:tblGrid>
-                <a:gridCol w="1066800"/>
-                <a:gridCol w="1066800"/>
-                <a:gridCol w="1066800"/>
-                <a:gridCol w="1066800"/>
-              </a:tblGrid>
-              <a:tr h="370840">
-                <a:tc>
-                  <a:txBody>
-                    <a:bodyPr/>
-                    <a:lstStyle/>
-                    <a:p>
-                      <a:endParaRPr lang="fr-CH" dirty="0"/>
-                    </a:p>
-                  </a:txBody>
-                  <a:tcPr/>
-                </a:tc>
-                <a:tc>
-                  <a:txBody>
-                    <a:bodyPr/>
-                    <a:lstStyle/>
-                    <a:p>
-                      <a:r>
-                        <a:rPr lang="fr-CH" dirty="0" err="1" smtClean="0"/>
-                        <a:t>Precision</a:t>
-                      </a:r>
-                      <a:endParaRPr lang="fr-CH" dirty="0"/>
-                    </a:p>
-                  </a:txBody>
-                  <a:tcPr/>
-                </a:tc>
-                <a:tc>
-                  <a:txBody>
-                    <a:bodyPr/>
-                    <a:lstStyle/>
-                    <a:p>
-                      <a:r>
-                        <a:rPr lang="fr-CH" dirty="0" err="1" smtClean="0"/>
-                        <a:t>Recall</a:t>
-                      </a:r>
-                      <a:endParaRPr lang="fr-CH" dirty="0"/>
-                    </a:p>
-                  </a:txBody>
-                  <a:tcPr/>
-                </a:tc>
-                <a:tc>
-                  <a:txBody>
-                    <a:bodyPr/>
-                    <a:lstStyle/>
-                    <a:p>
-                      <a:r>
-                        <a:rPr lang="fr-CH" dirty="0" smtClean="0"/>
-                        <a:t>F1</a:t>
-                      </a:r>
-                      <a:r>
-                        <a:rPr lang="fr-CH" baseline="0" dirty="0" smtClean="0"/>
-                        <a:t> Score</a:t>
-                      </a:r>
-                      <a:endParaRPr lang="fr-CH" dirty="0"/>
-                    </a:p>
-                  </a:txBody>
-                  <a:tcPr/>
-                </a:tc>
-              </a:tr>
-              <a:tr h="370840">
-                <a:tc>
-                  <a:txBody>
-                    <a:bodyPr/>
-                    <a:lstStyle/>
-                    <a:p>
-                      <a:r>
-                        <a:rPr lang="fr-CH" dirty="0" err="1" smtClean="0"/>
-                        <a:t>Failure</a:t>
-                      </a:r>
-                      <a:endParaRPr lang="fr-CH" dirty="0"/>
-                    </a:p>
-                  </a:txBody>
-                  <a:tcPr/>
-                </a:tc>
-                <a:tc>
-                  <a:txBody>
-                    <a:bodyPr/>
-                    <a:lstStyle/>
-                    <a:p>
-                      <a:r>
-                        <a:rPr lang="fr-CH" dirty="0" smtClean="0"/>
-                        <a:t>81%</a:t>
-                      </a:r>
-                      <a:endParaRPr lang="fr-CH" dirty="0"/>
-                    </a:p>
-                  </a:txBody>
-                  <a:tcPr/>
-                </a:tc>
-                <a:tc>
-                  <a:txBody>
-                    <a:bodyPr/>
-                    <a:lstStyle/>
-                    <a:p>
-                      <a:r>
-                        <a:rPr lang="fr-CH" dirty="0" smtClean="0"/>
-                        <a:t>99%</a:t>
-                      </a:r>
-                      <a:endParaRPr lang="fr-CH" dirty="0"/>
-                    </a:p>
-                  </a:txBody>
-                  <a:tcPr/>
-                </a:tc>
-                <a:tc>
-                  <a:txBody>
-                    <a:bodyPr/>
-                    <a:lstStyle/>
-                    <a:p>
-                      <a:r>
-                        <a:rPr lang="fr-CH" dirty="0" smtClean="0"/>
-                        <a:t>89%</a:t>
-                      </a:r>
-                      <a:endParaRPr lang="fr-CH" dirty="0"/>
-                    </a:p>
-                  </a:txBody>
-                  <a:tcPr/>
-                </a:tc>
-              </a:tr>
-              <a:tr h="370840">
-                <a:tc>
-                  <a:txBody>
-                    <a:bodyPr/>
-                    <a:lstStyle/>
-                    <a:p>
-                      <a:r>
-                        <a:rPr lang="fr-CH" dirty="0" err="1" smtClean="0"/>
-                        <a:t>Success</a:t>
-                      </a:r>
-                      <a:endParaRPr lang="fr-CH" dirty="0"/>
-                    </a:p>
-                  </a:txBody>
-                  <a:tcPr/>
-                </a:tc>
-                <a:tc>
-                  <a:txBody>
-                    <a:bodyPr/>
-                    <a:lstStyle/>
-                    <a:p>
-                      <a:r>
-                        <a:rPr lang="fr-CH" dirty="0" smtClean="0"/>
-                        <a:t>70%</a:t>
-                      </a:r>
-                      <a:endParaRPr lang="fr-CH" dirty="0"/>
-                    </a:p>
-                  </a:txBody>
-                  <a:tcPr/>
-                </a:tc>
-                <a:tc>
-                  <a:txBody>
-                    <a:bodyPr/>
-                    <a:lstStyle/>
-                    <a:p>
-                      <a:r>
-                        <a:rPr lang="fr-CH" dirty="0" smtClean="0"/>
-                        <a:t>10%</a:t>
-                      </a:r>
-                      <a:endParaRPr lang="fr-CH" dirty="0"/>
-                    </a:p>
-                  </a:txBody>
-                  <a:tcPr/>
-                </a:tc>
-                <a:tc>
-                  <a:txBody>
-                    <a:bodyPr/>
-                    <a:lstStyle/>
-                    <a:p>
-                      <a:r>
-                        <a:rPr lang="fr-CH" dirty="0" smtClean="0"/>
-                        <a:t>17%</a:t>
-                      </a:r>
-                      <a:endParaRPr lang="fr-CH" dirty="0"/>
-                    </a:p>
-                  </a:txBody>
-                  <a:tcPr/>
-                </a:tc>
-              </a:tr>
-            </a:tbl>
-          </a:graphicData>
-        </a:graphic>
-      </p:graphicFrame>
+      <p:pic>
+        <p:nvPicPr>
+          <p:cNvPr id="11267" name="Picture 3" descr="C:\Users\Louis\Documents\GitHub\PMItest\image\conf\1546986287.6390347.jpg"/>
+          <p:cNvPicPr>
+            <a:picLocks noChangeAspect="1" noChangeArrowheads="1"/>
+          </p:cNvPicPr>
+          <p:nvPr/>
+        </p:nvPicPr>
+        <p:blipFill>
+          <a:blip r:embed="rId2">
+            <a:extLst>
+              <a:ext uri="{28A0092B-C50C-407E-A947-70E740481C1C}">
+                <a14:useLocalDpi xmlns:a14="http://schemas.microsoft.com/office/drawing/2010/main" val="0"/>
+              </a:ext>
+            </a:extLst>
+          </a:blip>
+          <a:srcRect/>
+          <a:stretch>
+            <a:fillRect/>
+          </a:stretch>
+        </p:blipFill>
+        <p:spPr bwMode="auto">
+          <a:xfrm>
+            <a:off x="6045200" y="2641600"/>
+            <a:ext cx="4114800" cy="2743200"/>
+          </a:xfrm>
+          <a:prstGeom prst="rect">
+            <a:avLst/>
+          </a:prstGeom>
+          <a:noFill/>
+          <a:extLst>
+            <a:ext uri="{909E8E84-426E-40DD-AFC4-6F175D3DCCD1}">
+              <a14:hiddenFill xmlns:a14="http://schemas.microsoft.com/office/drawing/2010/main">
+                <a:solidFill>
+                  <a:srgbClr val="FFFFFF"/>
+                </a:solidFill>
+              </a14:hiddenFill>
+            </a:ext>
+          </a:extLst>
+        </p:spPr>
+      </p:pic>
+      <p:pic>
+        <p:nvPicPr>
+          <p:cNvPr id="11266" name="Picture 2" descr="C:\Users\Louis\Documents\GitHub\PMItest\image\classification_models0.00229942317398387.jpg"/>
+          <p:cNvPicPr>
+            <a:picLocks noChangeAspect="1" noChangeArrowheads="1"/>
+          </p:cNvPicPr>
+          <p:nvPr/>
+        </p:nvPicPr>
+        <p:blipFill>
+          <a:blip r:embed="rId3">
+            <a:extLst>
+              <a:ext uri="{28A0092B-C50C-407E-A947-70E740481C1C}">
+                <a14:useLocalDpi xmlns:a14="http://schemas.microsoft.com/office/drawing/2010/main" val="0"/>
+              </a:ext>
+            </a:extLst>
+          </a:blip>
+          <a:srcRect/>
+          <a:stretch>
+            <a:fillRect/>
+          </a:stretch>
+        </p:blipFill>
+        <p:spPr bwMode="auto">
+          <a:xfrm>
+            <a:off x="476250" y="1962150"/>
+            <a:ext cx="6153150" cy="4102100"/>
+          </a:xfrm>
+          <a:prstGeom prst="rect">
+            <a:avLst/>
+          </a:prstGeom>
+          <a:noFill/>
+          <a:extLst>
+            <a:ext uri="{909E8E84-426E-40DD-AFC4-6F175D3DCCD1}">
+              <a14:hiddenFill xmlns:a14="http://schemas.microsoft.com/office/drawing/2010/main">
+                <a:solidFill>
+                  <a:srgbClr val="FFFFFF"/>
+                </a:solidFill>
+              </a14:hiddenFill>
+            </a:ext>
+          </a:extLst>
+        </p:spPr>
+      </p:pic>
     </p:spTree>
     <p:extLst>
       <p:ext uri="{BB962C8B-B14F-4D97-AF65-F5344CB8AC3E}">
-        <p14:creationId xmlns:p14="http://schemas.microsoft.com/office/powerpoint/2010/main" val="1032780490"/>
+        <p14:creationId xmlns:p14="http://schemas.microsoft.com/office/powerpoint/2010/main" val="2577383912"/>
       </p:ext>
     </p:extLst>
   </p:cSld>
@@ -3994,10 +3901,26 @@
           <a:lstStyle/>
           <a:p>
             <a:r>
-              <a:rPr lang="fr-CH" dirty="0" err="1" smtClean="0"/>
-              <a:t>Regression</a:t>
-            </a:r>
-            <a:endParaRPr lang="fr-CH" dirty="0"/>
+              <a:rPr lang="en-US" dirty="0" smtClean="0"/>
+              <a:t>Best model – </a:t>
+            </a:r>
+            <a:r>
+              <a:rPr lang="en-US" dirty="0" err="1" smtClean="0"/>
+              <a:t>SGDClassifier</a:t>
+            </a:r>
+            <a:r>
+              <a:rPr lang="en-US" dirty="0" smtClean="0"/>
+              <a:t> </a:t>
+            </a:r>
+            <a:r>
+              <a:rPr lang="en-US" dirty="0" err="1" smtClean="0"/>
+              <a:t>Elasticnet</a:t>
+            </a:r>
+            <a:r>
+              <a:rPr lang="en-US" dirty="0" smtClean="0"/>
+              <a:t> pen. (.15 l1 ratio),  2.3018e-04, balance weights, log loss</a:t>
+            </a:r>
+            <a:endParaRPr lang="en-US" dirty="0"/>
           </a:p>
         </p:txBody>
       </p:sp>
@@ -4017,46 +3940,42 @@
           <a:lstStyle/>
           <a:p>
             <a:r>
-              <a:rPr lang="fr-CH" dirty="0" smtClean="0"/>
-              <a:t>Initial </a:t>
-            </a:r>
-            <a:r>
-              <a:rPr lang="fr-CH" dirty="0" err="1" smtClean="0"/>
+              <a:rPr lang="en-US" dirty="0" smtClean="0"/>
               <a:t>Results</a:t>
             </a:r>
-            <a:endParaRPr lang="fr-CH" dirty="0"/>
+            <a:endParaRPr lang="en-US" dirty="0"/>
           </a:p>
         </p:txBody>
       </p:sp>
       <p:graphicFrame>
         <p:nvGraphicFramePr>
-          <p:cNvPr id="6" name="Espace réservé du contenu 3"/>
+          <p:cNvPr id="7" name="Espace réservé du contenu 3"/>
           <p:cNvGraphicFramePr>
             <a:graphicFrameLocks/>
           </p:cNvGraphicFramePr>
           <p:nvPr>
             <p:extLst>
               <p:ext uri="{D42A27DB-BD31-4B8C-83A1-F6EECF244321}">
-                <p14:modId xmlns:p14="http://schemas.microsoft.com/office/powerpoint/2010/main" val="3367261330"/>
+                <p14:modId xmlns:p14="http://schemas.microsoft.com/office/powerpoint/2010/main" val="2547895016"/>
               </p:ext>
             </p:extLst>
           </p:nvPr>
         </p:nvGraphicFramePr>
         <p:xfrm>
-          <a:off x="457200" y="1600200"/>
-          <a:ext cx="8229600" cy="1656080"/>
+          <a:off x="2806211" y="1625603"/>
+          <a:ext cx="4407388" cy="1112520"/>
         </p:xfrm>
         <a:graphic>
           <a:graphicData uri="http://schemas.openxmlformats.org/drawingml/2006/table">
             <a:tbl>
-              <a:tblPr firstRow="1" bandRow="1">
+              <a:tblPr firstRow="1" firstCol="1" bandRow="1">
                 <a:tableStyleId>{5C22544A-7EE6-4342-B048-85BDC9FD1C3A}</a:tableStyleId>
               </a:tblPr>
               <a:tblGrid>
-                <a:gridCol w="2057400"/>
-                <a:gridCol w="2057400"/>
-                <a:gridCol w="2057400"/>
-                <a:gridCol w="2057400"/>
+                <a:gridCol w="1101847"/>
+                <a:gridCol w="1101847"/>
+                <a:gridCol w="1101847"/>
+                <a:gridCol w="1101847"/>
               </a:tblGrid>
               <a:tr h="370840">
                 <a:tc>
@@ -4064,51 +3983,51 @@
                     <a:bodyPr/>
                     <a:lstStyle/>
                     <a:p>
+                      <a:endParaRPr lang="fr-CH" dirty="0"/>
+                    </a:p>
+                  </a:txBody>
+                  <a:tcPr/>
+                </a:tc>
+                <a:tc>
+                  <a:txBody>
+                    <a:bodyPr/>
+                    <a:lstStyle/>
+                    <a:p>
+                      <a:r>
+                        <a:rPr lang="fr-CH" dirty="0" err="1" smtClean="0"/>
+                        <a:t>Precision</a:t>
+                      </a:r>
+                      <a:endParaRPr lang="fr-CH" dirty="0"/>
+                    </a:p>
+                  </a:txBody>
+                  <a:tcPr/>
+                </a:tc>
+                <a:tc>
+                  <a:txBody>
+                    <a:bodyPr/>
+                    <a:lstStyle/>
+                    <a:p>
+                      <a:r>
+                        <a:rPr lang="fr-CH" dirty="0" err="1" smtClean="0"/>
+                        <a:t>Recall</a:t>
+                      </a:r>
+                      <a:endParaRPr lang="fr-CH" dirty="0"/>
+                    </a:p>
+                  </a:txBody>
+                  <a:tcPr/>
+                </a:tc>
+                <a:tc>
+                  <a:txBody>
+                    <a:bodyPr/>
+                    <a:lstStyle/>
+                    <a:p>
                       <a:r>
                         <a:rPr lang="fr-CH" dirty="0" smtClean="0"/>
-                        <a:t>Model</a:t>
-                      </a:r>
-                      <a:endParaRPr lang="fr-CH" dirty="0"/>
-                    </a:p>
-                  </a:txBody>
-                  <a:tcPr/>
-                </a:tc>
-                <a:tc>
-                  <a:txBody>
-                    <a:bodyPr/>
-                    <a:lstStyle/>
-                    <a:p>
-                      <a:r>
-                        <a:rPr lang="fr-CH" dirty="0" smtClean="0"/>
-                        <a:t>MAE</a:t>
-                      </a:r>
-                      <a:endParaRPr lang="fr-CH" dirty="0"/>
-                    </a:p>
-                  </a:txBody>
-                  <a:tcPr/>
-                </a:tc>
-                <a:tc>
-                  <a:txBody>
-                    <a:bodyPr/>
-                    <a:lstStyle/>
-                    <a:p>
-                      <a:r>
-                        <a:rPr lang="fr-CH" dirty="0" smtClean="0"/>
-                        <a:t>MSE</a:t>
-                      </a:r>
-                      <a:endParaRPr lang="fr-CH" dirty="0"/>
-                    </a:p>
-                  </a:txBody>
-                  <a:tcPr/>
-                </a:tc>
-                <a:tc>
-                  <a:txBody>
-                    <a:bodyPr/>
-                    <a:lstStyle/>
-                    <a:p>
-                      <a:r>
-                        <a:rPr lang="fr-CH" dirty="0" smtClean="0"/>
-                        <a:t>R2</a:t>
+                        <a:t>F1</a:t>
+                      </a:r>
+                      <a:r>
+                        <a:rPr lang="fr-CH" baseline="0" dirty="0" smtClean="0"/>
+                        <a:t> Score</a:t>
                       </a:r>
                       <a:endParaRPr lang="fr-CH" dirty="0"/>
                     </a:p>
@@ -4124,27 +4043,7 @@
                     <a:p>
                       <a:r>
                         <a:rPr lang="fr-CH" dirty="0" err="1" smtClean="0"/>
-                        <a:t>Linear</a:t>
-                      </a:r>
-                      <a:r>
-                        <a:rPr lang="fr-CH" baseline="0" dirty="0" smtClean="0"/>
-                        <a:t> </a:t>
-                      </a:r>
-                      <a:r>
-                        <a:rPr lang="fr-CH" baseline="0" dirty="0" err="1" smtClean="0"/>
-                        <a:t>Regression</a:t>
-                      </a:r>
-                      <a:r>
-                        <a:rPr lang="fr-CH" baseline="0" dirty="0" smtClean="0"/>
-                        <a:t> (OLS) – </a:t>
-                      </a:r>
-                      <a:r>
-                        <a:rPr lang="fr-CH" baseline="0" dirty="0" err="1" smtClean="0"/>
-                        <a:t>Random</a:t>
-                      </a:r>
-                      <a:r>
-                        <a:rPr lang="fr-CH" baseline="0" dirty="0" smtClean="0"/>
-                        <a:t> train/test split 20%</a:t>
+                        <a:t>Failure</a:t>
                       </a:r>
                       <a:endParaRPr lang="fr-CH" dirty="0"/>
                     </a:p>
@@ -4158,7 +4057,7 @@
                     <a:p>
                       <a:r>
                         <a:rPr lang="fr-CH" dirty="0" smtClean="0"/>
-                        <a:t>0,365%</a:t>
+                        <a:t>89%</a:t>
                       </a:r>
                       <a:endParaRPr lang="fr-CH" dirty="0"/>
                     </a:p>
@@ -4172,7 +4071,7 @@
                     <a:p>
                       <a:r>
                         <a:rPr lang="fr-CH" dirty="0" smtClean="0"/>
-                        <a:t>0,003%</a:t>
+                        <a:t>99%</a:t>
                       </a:r>
                       <a:endParaRPr lang="fr-CH" dirty="0"/>
                     </a:p>
@@ -4186,7 +4085,7 @@
                     <a:p>
                       <a:r>
                         <a:rPr lang="fr-CH" dirty="0" smtClean="0"/>
-                        <a:t>5,675%</a:t>
+                        <a:t>81%</a:t>
                       </a:r>
                       <a:endParaRPr lang="fr-CH" dirty="0"/>
                     </a:p>
@@ -4201,12 +4100,22 @@
                     <a:lstStyle/>
                     <a:p>
                       <a:r>
+                        <a:rPr lang="fr-CH" dirty="0" err="1" smtClean="0"/>
+                        <a:t>Success</a:t>
+                      </a:r>
+                      <a:endParaRPr lang="fr-CH" dirty="0"/>
+                    </a:p>
+                  </a:txBody>
+                  <a:tcPr/>
+                </a:tc>
+                <a:tc>
+                  <a:txBody>
+                    <a:bodyPr/>
+                    <a:lstStyle/>
+                    <a:p>
+                      <a:r>
                         <a:rPr lang="fr-CH" dirty="0" smtClean="0"/>
-                        <a:t>OLS</a:t>
-                      </a:r>
-                      <a:r>
-                        <a:rPr lang="fr-CH" baseline="0" dirty="0" smtClean="0"/>
-                        <a:t> CV 5-fold</a:t>
+                        <a:t>38%</a:t>
                       </a:r>
                       <a:endParaRPr lang="fr-CH" dirty="0"/>
                     </a:p>
@@ -4220,7 +4129,7 @@
                     <a:p>
                       <a:r>
                         <a:rPr lang="fr-CH" dirty="0" smtClean="0"/>
-                        <a:t>0,442% +- 0,029%</a:t>
+                        <a:t>64%</a:t>
                       </a:r>
                       <a:endParaRPr lang="fr-CH" dirty="0"/>
                     </a:p>
@@ -4234,21 +4143,7 @@
                     <a:p>
                       <a:r>
                         <a:rPr lang="fr-CH" dirty="0" smtClean="0"/>
-                        <a:t>0,009% +- 0,003%</a:t>
-                      </a:r>
-                      <a:endParaRPr lang="fr-CH" dirty="0"/>
-                    </a:p>
-                  </a:txBody>
-                  <a:tcPr/>
-                </a:tc>
-                <a:tc>
-                  <a:txBody>
-                    <a:bodyPr/>
-                    <a:lstStyle/>
-                    <a:p>
-                      <a:r>
-                        <a:rPr lang="fr-CH" dirty="0" smtClean="0"/>
-                        <a:t>1,457% +- 2,136%</a:t>
+                        <a:t>48%</a:t>
                       </a:r>
                       <a:endParaRPr lang="fr-CH" dirty="0"/>
                     </a:p>
@@ -4260,10 +4155,92 @@
           </a:graphicData>
         </a:graphic>
       </p:graphicFrame>
+      <p:pic>
+        <p:nvPicPr>
+          <p:cNvPr id="7169" name="Picture 1" descr="C:\Users\Louis\Documents\GitHub\PMItest\image\conf_matrix_logit_best.png"/>
+          <p:cNvPicPr>
+            <a:picLocks noChangeAspect="1" noChangeArrowheads="1"/>
+          </p:cNvPicPr>
+          <p:nvPr/>
+        </p:nvPicPr>
+        <p:blipFill>
+          <a:blip r:embed="rId2">
+            <a:extLst>
+              <a:ext uri="{28A0092B-C50C-407E-A947-70E740481C1C}">
+                <a14:useLocalDpi xmlns:a14="http://schemas.microsoft.com/office/drawing/2010/main" val="0"/>
+              </a:ext>
+            </a:extLst>
+          </a:blip>
+          <a:srcRect/>
+          <a:stretch>
+            <a:fillRect/>
+          </a:stretch>
+        </p:blipFill>
+        <p:spPr bwMode="auto">
+          <a:xfrm>
+            <a:off x="349119" y="3022600"/>
+            <a:ext cx="4914189" cy="3276600"/>
+          </a:xfrm>
+          <a:prstGeom prst="rect">
+            <a:avLst/>
+          </a:prstGeom>
+          <a:noFill/>
+          <a:extLst>
+            <a:ext uri="{909E8E84-426E-40DD-AFC4-6F175D3DCCD1}">
+              <a14:hiddenFill xmlns:a14="http://schemas.microsoft.com/office/drawing/2010/main">
+                <a:solidFill>
+                  <a:srgbClr val="FFFFFF"/>
+                </a:solidFill>
+              </a14:hiddenFill>
+            </a:ext>
+          </a:extLst>
+        </p:spPr>
+      </p:pic>
+      <p:pic>
+        <p:nvPicPr>
+          <p:cNvPr id="7170" name="Picture 2" descr="C:\Users\Louis\Documents\GitHub\PMItest\image\roc_logit_best.png"/>
+          <p:cNvPicPr>
+            <a:picLocks noChangeAspect="1" noChangeArrowheads="1"/>
+          </p:cNvPicPr>
+          <p:nvPr/>
+        </p:nvPicPr>
+        <p:blipFill>
+          <a:blip r:embed="rId3">
+            <a:extLst>
+              <a:ext uri="{28A0092B-C50C-407E-A947-70E740481C1C}">
+                <a14:useLocalDpi xmlns:a14="http://schemas.microsoft.com/office/drawing/2010/main" val="0"/>
+              </a:ext>
+            </a:extLst>
+          </a:blip>
+          <a:srcRect/>
+          <a:stretch>
+            <a:fillRect/>
+          </a:stretch>
+        </p:blipFill>
+        <p:spPr bwMode="auto">
+          <a:xfrm>
+            <a:off x="5103712" y="3097212"/>
+            <a:ext cx="4802287" cy="3201988"/>
+          </a:xfrm>
+          <a:prstGeom prst="rect">
+            <a:avLst/>
+          </a:prstGeom>
+          <a:noFill/>
+          <a:extLst>
+            <a:ext uri="{909E8E84-426E-40DD-AFC4-6F175D3DCCD1}">
+              <a14:hiddenFill xmlns:a14="http://schemas.microsoft.com/office/drawing/2010/main">
+                <a:solidFill>
+                  <a:srgbClr val="FFFFFF"/>
+                </a:solidFill>
+              </a14:hiddenFill>
+            </a:ext>
+          </a:extLst>
+        </p:spPr>
+      </p:pic>
     </p:spTree>
     <p:extLst>
       <p:ext uri="{BB962C8B-B14F-4D97-AF65-F5344CB8AC3E}">
-        <p14:creationId xmlns:p14="http://schemas.microsoft.com/office/powerpoint/2010/main" val="2634430380"/>
+        <p14:creationId xmlns:p14="http://schemas.microsoft.com/office/powerpoint/2010/main" val="1032780490"/>
       </p:ext>
     </p:extLst>
   </p:cSld>
@@ -4312,7 +4289,11 @@
           <a:bodyPr/>
           <a:lstStyle/>
           <a:p>
-            <a:endParaRPr lang="fr-CH"/>
+            <a:r>
+              <a:rPr lang="fr-CH" dirty="0" err="1" smtClean="0"/>
+              <a:t>Regression</a:t>
+            </a:r>
+            <a:endParaRPr lang="fr-CH" dirty="0"/>
           </a:p>
         </p:txBody>
       </p:sp>
@@ -4333,35 +4314,483 @@
           <a:p>
             <a:r>
               <a:rPr lang="fr-CH" dirty="0" err="1" smtClean="0"/>
-              <a:t>Takeaways</a:t>
+              <a:t>Results</a:t>
             </a:r>
             <a:endParaRPr lang="fr-CH" dirty="0"/>
           </a:p>
         </p:txBody>
       </p:sp>
-      <p:sp>
-        <p:nvSpPr>
-          <p:cNvPr id="4" name="Espace réservé du texte 3"/>
-          <p:cNvSpPr>
-            <a:spLocks noGrp="1"/>
-          </p:cNvSpPr>
+      <p:graphicFrame>
+        <p:nvGraphicFramePr>
+          <p:cNvPr id="6" name="Espace réservé du contenu 3"/>
+          <p:cNvGraphicFramePr>
+            <a:graphicFrameLocks/>
+          </p:cNvGraphicFramePr>
           <p:nvPr>
-            <p:ph type="body" sz="quarter" idx="12"/>
+            <p:extLst>
+              <p:ext uri="{D42A27DB-BD31-4B8C-83A1-F6EECF244321}">
+                <p14:modId xmlns:p14="http://schemas.microsoft.com/office/powerpoint/2010/main" val="2983913781"/>
+              </p:ext>
+            </p:extLst>
           </p:nvPr>
-        </p:nvSpPr>
-        <p:spPr/>
-        <p:txBody>
-          <a:bodyPr/>
-          <a:lstStyle/>
-          <a:p>
-            <a:endParaRPr lang="fr-CH"/>
-          </a:p>
-        </p:txBody>
-      </p:sp>
+        </p:nvGraphicFramePr>
+        <p:xfrm>
+          <a:off x="457200" y="1600200"/>
+          <a:ext cx="8229600" cy="2585720"/>
+        </p:xfrm>
+        <a:graphic>
+          <a:graphicData uri="http://schemas.openxmlformats.org/drawingml/2006/table">
+            <a:tbl>
+              <a:tblPr firstRow="1" bandRow="1">
+                <a:tableStyleId>{5C22544A-7EE6-4342-B048-85BDC9FD1C3A}</a:tableStyleId>
+              </a:tblPr>
+              <a:tblGrid>
+                <a:gridCol w="2057400"/>
+                <a:gridCol w="2057400"/>
+                <a:gridCol w="2057400"/>
+                <a:gridCol w="2057400"/>
+              </a:tblGrid>
+              <a:tr h="370840">
+                <a:tc>
+                  <a:txBody>
+                    <a:bodyPr/>
+                    <a:lstStyle/>
+                    <a:p>
+                      <a:r>
+                        <a:rPr lang="fr-CH" dirty="0" smtClean="0"/>
+                        <a:t>Model</a:t>
+                      </a:r>
+                      <a:endParaRPr lang="fr-CH" dirty="0"/>
+                    </a:p>
+                  </a:txBody>
+                  <a:tcPr/>
+                </a:tc>
+                <a:tc>
+                  <a:txBody>
+                    <a:bodyPr/>
+                    <a:lstStyle/>
+                    <a:p>
+                      <a:r>
+                        <a:rPr lang="fr-CH" dirty="0" smtClean="0"/>
+                        <a:t>MAE</a:t>
+                      </a:r>
+                      <a:endParaRPr lang="fr-CH" dirty="0"/>
+                    </a:p>
+                  </a:txBody>
+                  <a:tcPr/>
+                </a:tc>
+                <a:tc>
+                  <a:txBody>
+                    <a:bodyPr/>
+                    <a:lstStyle/>
+                    <a:p>
+                      <a:r>
+                        <a:rPr lang="fr-CH" dirty="0" smtClean="0"/>
+                        <a:t>MSE</a:t>
+                      </a:r>
+                      <a:endParaRPr lang="fr-CH" dirty="0"/>
+                    </a:p>
+                  </a:txBody>
+                  <a:tcPr/>
+                </a:tc>
+                <a:tc>
+                  <a:txBody>
+                    <a:bodyPr/>
+                    <a:lstStyle/>
+                    <a:p>
+                      <a:r>
+                        <a:rPr lang="fr-CH" dirty="0" smtClean="0"/>
+                        <a:t>R2</a:t>
+                      </a:r>
+                      <a:endParaRPr lang="fr-CH" dirty="0"/>
+                    </a:p>
+                  </a:txBody>
+                  <a:tcPr/>
+                </a:tc>
+              </a:tr>
+              <a:tr h="370840">
+                <a:tc>
+                  <a:txBody>
+                    <a:bodyPr/>
+                    <a:lstStyle/>
+                    <a:p>
+                      <a:r>
+                        <a:rPr lang="fr-CH" sz="1400" dirty="0" err="1" smtClean="0"/>
+                        <a:t>Linear</a:t>
+                      </a:r>
+                      <a:r>
+                        <a:rPr lang="fr-CH" sz="1400" baseline="0" dirty="0" smtClean="0"/>
+                        <a:t> </a:t>
+                      </a:r>
+                      <a:r>
+                        <a:rPr lang="fr-CH" sz="1400" baseline="0" dirty="0" err="1" smtClean="0"/>
+                        <a:t>Regression</a:t>
+                      </a:r>
+                      <a:r>
+                        <a:rPr lang="fr-CH" sz="1400" baseline="0" dirty="0" smtClean="0"/>
+                        <a:t> (OLS) – </a:t>
+                      </a:r>
+                      <a:r>
+                        <a:rPr lang="fr-CH" sz="1400" baseline="0" dirty="0" err="1" smtClean="0"/>
+                        <a:t>Random</a:t>
+                      </a:r>
+                      <a:r>
+                        <a:rPr lang="fr-CH" sz="1400" baseline="0" dirty="0" smtClean="0"/>
+                        <a:t> train/test split 20%</a:t>
+                      </a:r>
+                      <a:endParaRPr lang="fr-CH" sz="1400" dirty="0"/>
+                    </a:p>
+                  </a:txBody>
+                  <a:tcPr/>
+                </a:tc>
+                <a:tc>
+                  <a:txBody>
+                    <a:bodyPr/>
+                    <a:lstStyle/>
+                    <a:p>
+                      <a:r>
+                        <a:rPr lang="fr-CH" sz="1400" dirty="0" smtClean="0"/>
+                        <a:t>0,365%</a:t>
+                      </a:r>
+                      <a:endParaRPr lang="fr-CH" sz="1400" dirty="0"/>
+                    </a:p>
+                  </a:txBody>
+                  <a:tcPr/>
+                </a:tc>
+                <a:tc>
+                  <a:txBody>
+                    <a:bodyPr/>
+                    <a:lstStyle/>
+                    <a:p>
+                      <a:r>
+                        <a:rPr lang="fr-CH" sz="1400" dirty="0" smtClean="0"/>
+                        <a:t>0,003%</a:t>
+                      </a:r>
+                      <a:endParaRPr lang="fr-CH" sz="1400" dirty="0"/>
+                    </a:p>
+                  </a:txBody>
+                  <a:tcPr/>
+                </a:tc>
+                <a:tc>
+                  <a:txBody>
+                    <a:bodyPr/>
+                    <a:lstStyle/>
+                    <a:p>
+                      <a:r>
+                        <a:rPr lang="fr-CH" sz="1400" dirty="0" smtClean="0"/>
+                        <a:t>5,675%</a:t>
+                      </a:r>
+                      <a:endParaRPr lang="fr-CH" sz="1400" dirty="0"/>
+                    </a:p>
+                  </a:txBody>
+                  <a:tcPr/>
+                </a:tc>
+              </a:tr>
+              <a:tr h="370840">
+                <a:tc>
+                  <a:txBody>
+                    <a:bodyPr/>
+                    <a:lstStyle/>
+                    <a:p>
+                      <a:r>
+                        <a:rPr lang="fr-CH" sz="1400" dirty="0" smtClean="0"/>
+                        <a:t>OLS</a:t>
+                      </a:r>
+                      <a:r>
+                        <a:rPr lang="fr-CH" sz="1400" baseline="0" dirty="0" smtClean="0"/>
+                        <a:t> CV 5-fold</a:t>
+                      </a:r>
+                      <a:endParaRPr lang="fr-CH" sz="1400" dirty="0"/>
+                    </a:p>
+                  </a:txBody>
+                  <a:tcPr/>
+                </a:tc>
+                <a:tc>
+                  <a:txBody>
+                    <a:bodyPr/>
+                    <a:lstStyle/>
+                    <a:p>
+                      <a:r>
+                        <a:rPr lang="fr-CH" sz="1400" dirty="0" smtClean="0"/>
+                        <a:t>0,442% +- 0,029%</a:t>
+                      </a:r>
+                      <a:endParaRPr lang="fr-CH" sz="1400" dirty="0"/>
+                    </a:p>
+                  </a:txBody>
+                  <a:tcPr/>
+                </a:tc>
+                <a:tc>
+                  <a:txBody>
+                    <a:bodyPr/>
+                    <a:lstStyle/>
+                    <a:p>
+                      <a:r>
+                        <a:rPr lang="fr-CH" sz="1400" dirty="0" smtClean="0"/>
+                        <a:t>0,009% +- 0,003%</a:t>
+                      </a:r>
+                      <a:endParaRPr lang="fr-CH" sz="1400" dirty="0"/>
+                    </a:p>
+                  </a:txBody>
+                  <a:tcPr/>
+                </a:tc>
+                <a:tc>
+                  <a:txBody>
+                    <a:bodyPr/>
+                    <a:lstStyle/>
+                    <a:p>
+                      <a:r>
+                        <a:rPr lang="fr-CH" sz="1400" dirty="0" smtClean="0"/>
+                        <a:t>1,457% +- 2,136%</a:t>
+                      </a:r>
+                      <a:endParaRPr lang="fr-CH" sz="1400" dirty="0"/>
+                    </a:p>
+                  </a:txBody>
+                  <a:tcPr/>
+                </a:tc>
+              </a:tr>
+              <a:tr h="370840">
+                <a:tc>
+                  <a:txBody>
+                    <a:bodyPr/>
+                    <a:lstStyle/>
+                    <a:p>
+                      <a:r>
+                        <a:rPr lang="fr-CH" sz="1400" dirty="0" smtClean="0"/>
+                        <a:t>Baseline (</a:t>
+                      </a:r>
+                      <a:r>
+                        <a:rPr lang="fr-CH" sz="1400" dirty="0" err="1" smtClean="0"/>
+                        <a:t>mean</a:t>
+                      </a:r>
+                      <a:r>
+                        <a:rPr lang="fr-CH" sz="1400" dirty="0" smtClean="0"/>
+                        <a:t>)</a:t>
+                      </a:r>
+                      <a:endParaRPr lang="fr-CH" sz="1400" dirty="0"/>
+                    </a:p>
+                  </a:txBody>
+                  <a:tcPr/>
+                </a:tc>
+                <a:tc>
+                  <a:txBody>
+                    <a:bodyPr/>
+                    <a:lstStyle/>
+                    <a:p>
+                      <a:r>
+                        <a:rPr lang="fr-CH" sz="1400" dirty="0" smtClean="0"/>
+                        <a:t>0.431% +- 0.037%</a:t>
+                      </a:r>
+                      <a:endParaRPr lang="fr-CH" sz="1400" dirty="0"/>
+                    </a:p>
+                  </a:txBody>
+                  <a:tcPr/>
+                </a:tc>
+                <a:tc>
+                  <a:txBody>
+                    <a:bodyPr/>
+                    <a:lstStyle/>
+                    <a:p>
+                      <a:r>
+                        <a:rPr lang="fr-CH" sz="1400" dirty="0" smtClean="0"/>
+                        <a:t>0.007% +- 0.003%</a:t>
+                      </a:r>
+                      <a:endParaRPr lang="fr-CH" sz="1400" dirty="0"/>
+                    </a:p>
+                  </a:txBody>
+                  <a:tcPr/>
+                </a:tc>
+                <a:tc>
+                  <a:txBody>
+                    <a:bodyPr/>
+                    <a:lstStyle/>
+                    <a:p>
+                      <a:r>
+                        <a:rPr lang="fr-CH" sz="1400" dirty="0" smtClean="0"/>
+                        <a:t>-1.152% +- 1.971%</a:t>
+                      </a:r>
+                      <a:endParaRPr lang="fr-CH" sz="1400" dirty="0"/>
+                    </a:p>
+                  </a:txBody>
+                  <a:tcPr/>
+                </a:tc>
+              </a:tr>
+              <a:tr h="370840">
+                <a:tc>
+                  <a:txBody>
+                    <a:bodyPr/>
+                    <a:lstStyle/>
+                    <a:p>
+                      <a:r>
+                        <a:rPr lang="fr-CH" sz="1400" dirty="0" smtClean="0"/>
+                        <a:t>Baseline(</a:t>
+                      </a:r>
+                      <a:r>
+                        <a:rPr lang="fr-CH" sz="1400" dirty="0" err="1" smtClean="0"/>
+                        <a:t>median</a:t>
+                      </a:r>
+                      <a:r>
+                        <a:rPr lang="fr-CH" sz="1400" dirty="0" smtClean="0"/>
+                        <a:t>)</a:t>
+                      </a:r>
+                      <a:endParaRPr lang="fr-CH" sz="1400" dirty="0"/>
+                    </a:p>
+                  </a:txBody>
+                  <a:tcPr/>
+                </a:tc>
+                <a:tc>
+                  <a:txBody>
+                    <a:bodyPr/>
+                    <a:lstStyle/>
+                    <a:p>
+                      <a:r>
+                        <a:rPr lang="fr-CH" sz="1400" dirty="0" smtClean="0"/>
+                        <a:t>0.370% +- 0.049%</a:t>
+                      </a:r>
+                      <a:endParaRPr lang="fr-CH" sz="1400" dirty="0"/>
+                    </a:p>
+                  </a:txBody>
+                  <a:tcPr/>
+                </a:tc>
+                <a:tc>
+                  <a:txBody>
+                    <a:bodyPr/>
+                    <a:lstStyle/>
+                    <a:p>
+                      <a:r>
+                        <a:rPr lang="fr-CH" sz="1400" dirty="0" smtClean="0"/>
+                        <a:t>0.007% +- 0.004%</a:t>
+                      </a:r>
+                      <a:endParaRPr lang="fr-CH" sz="1400" dirty="0"/>
+                    </a:p>
+                  </a:txBody>
+                  <a:tcPr/>
+                </a:tc>
+                <a:tc>
+                  <a:txBody>
+                    <a:bodyPr/>
+                    <a:lstStyle/>
+                    <a:p>
+                      <a:r>
+                        <a:rPr lang="fr-CH" sz="1400" dirty="0" smtClean="0"/>
+                        <a:t>-9.859% +- 4.146%</a:t>
+                      </a:r>
+                      <a:endParaRPr lang="fr-CH" sz="1400" dirty="0"/>
+                    </a:p>
+                  </a:txBody>
+                  <a:tcPr/>
+                </a:tc>
+              </a:tr>
+              <a:tr h="370840">
+                <a:tc>
+                  <a:txBody>
+                    <a:bodyPr/>
+                    <a:lstStyle/>
+                    <a:p>
+                      <a:r>
+                        <a:rPr lang="fr-CH" sz="1400" dirty="0" smtClean="0"/>
+                        <a:t>Ridge </a:t>
+                      </a:r>
+                      <a:r>
+                        <a:rPr lang="fr-CH" sz="1400" dirty="0" err="1" smtClean="0"/>
+                        <a:t>Regression</a:t>
+                      </a:r>
+                      <a:endParaRPr lang="fr-CH" sz="1400" dirty="0"/>
+                    </a:p>
+                  </a:txBody>
+                  <a:tcPr/>
+                </a:tc>
+                <a:tc>
+                  <a:txBody>
+                    <a:bodyPr/>
+                    <a:lstStyle/>
+                    <a:p>
+                      <a:r>
+                        <a:rPr lang="fr-CH" sz="1400" dirty="0" smtClean="0"/>
+                        <a:t>0.408% +- 0.034%</a:t>
+                      </a:r>
+                      <a:endParaRPr lang="fr-CH" sz="1400" dirty="0"/>
+                    </a:p>
+                  </a:txBody>
+                  <a:tcPr/>
+                </a:tc>
+                <a:tc>
+                  <a:txBody>
+                    <a:bodyPr/>
+                    <a:lstStyle/>
+                    <a:p>
+                      <a:r>
+                        <a:rPr lang="fr-CH" sz="1400" dirty="0" smtClean="0"/>
+                        <a:t>0.006% +- 0.003%</a:t>
+                      </a:r>
+                      <a:endParaRPr lang="fr-CH" sz="1400" dirty="0"/>
+                    </a:p>
+                  </a:txBody>
+                  <a:tcPr/>
+                </a:tc>
+                <a:tc>
+                  <a:txBody>
+                    <a:bodyPr/>
+                    <a:lstStyle/>
+                    <a:p>
+                      <a:r>
+                        <a:rPr lang="fr-CH" sz="1400" dirty="0" smtClean="0"/>
+                        <a:t>1.392% +- 5.404%</a:t>
+                      </a:r>
+                      <a:endParaRPr lang="fr-CH" sz="1400" dirty="0"/>
+                    </a:p>
+                  </a:txBody>
+                  <a:tcPr/>
+                </a:tc>
+              </a:tr>
+            </a:tbl>
+          </a:graphicData>
+        </a:graphic>
+      </p:graphicFrame>
+      <p:pic>
+        <p:nvPicPr>
+          <p:cNvPr id="12290" name="Picture 2" descr="C:\Users\Louis\Documents\GitHub\PMItest\image\true_vs_pred.jpg"/>
+          <p:cNvPicPr>
+            <a:picLocks noChangeAspect="1" noChangeArrowheads="1"/>
+          </p:cNvPicPr>
+          <p:nvPr/>
+        </p:nvPicPr>
+        <p:blipFill>
+          <a:blip r:embed="rId2">
+            <a:extLst>
+              <a:ext uri="{28A0092B-C50C-407E-A947-70E740481C1C}">
+                <a14:useLocalDpi xmlns:a14="http://schemas.microsoft.com/office/drawing/2010/main" val="0"/>
+              </a:ext>
+            </a:extLst>
+          </a:blip>
+          <a:srcRect/>
+          <a:stretch>
+            <a:fillRect/>
+          </a:stretch>
+        </p:blipFill>
+        <p:spPr bwMode="auto">
+          <a:xfrm>
+            <a:off x="2616200" y="4185920"/>
+            <a:ext cx="3702050" cy="2468033"/>
+          </a:xfrm>
+          <a:prstGeom prst="rect">
+            <a:avLst/>
+          </a:prstGeom>
+          <a:noFill/>
+          <a:extLst>
+            <a:ext uri="{909E8E84-426E-40DD-AFC4-6F175D3DCCD1}">
+              <a14:hiddenFill xmlns:a14="http://schemas.microsoft.com/office/drawing/2010/main">
+                <a:solidFill>
+                  <a:srgbClr val="FFFFFF"/>
+                </a:solidFill>
+              </a14:hiddenFill>
+            </a:ext>
+          </a:extLst>
+        </p:spPr>
+      </p:pic>
     </p:spTree>
     <p:extLst>
       <p:ext uri="{BB962C8B-B14F-4D97-AF65-F5344CB8AC3E}">
-        <p14:creationId xmlns:p14="http://schemas.microsoft.com/office/powerpoint/2010/main" val="479917659"/>
+        <p14:creationId xmlns:p14="http://schemas.microsoft.com/office/powerpoint/2010/main" val="2634430380"/>
       </p:ext>
     </p:extLst>
   </p:cSld>
@@ -4397,25 +4826,6 @@
       </p:grpSpPr>
       <p:sp>
         <p:nvSpPr>
-          <p:cNvPr id="2" name="Espace réservé du texte 1"/>
-          <p:cNvSpPr>
-            <a:spLocks noGrp="1"/>
-          </p:cNvSpPr>
-          <p:nvPr>
-            <p:ph type="body" sz="quarter" idx="10"/>
-          </p:nvPr>
-        </p:nvSpPr>
-        <p:spPr/>
-        <p:txBody>
-          <a:bodyPr/>
-          <a:lstStyle/>
-          <a:p>
-            <a:endParaRPr lang="fr-CH"/>
-          </a:p>
-        </p:txBody>
-      </p:sp>
-      <p:sp>
-        <p:nvSpPr>
           <p:cNvPr id="3" name="Titre 2"/>
           <p:cNvSpPr>
             <a:spLocks noGrp="1"/>
@@ -4431,6 +4841,14 @@
           <a:p>
             <a:r>
               <a:rPr lang="fr-CH" dirty="0" err="1" smtClean="0"/>
+              <a:t>Takeaways</a:t>
+            </a:r>
+            <a:r>
+              <a:rPr lang="fr-CH" dirty="0" smtClean="0"/>
+              <a:t> &amp; </a:t>
+            </a:r>
+            <a:r>
+              <a:rPr lang="fr-CH" dirty="0" err="1" smtClean="0"/>
               <a:t>Next</a:t>
             </a:r>
             <a:r>
@@ -4442,25 +4860,6 @@
               <a:t>Steps</a:t>
             </a:r>
             <a:endParaRPr lang="fr-CH" dirty="0"/>
-          </a:p>
-        </p:txBody>
-      </p:sp>
-      <p:sp>
-        <p:nvSpPr>
-          <p:cNvPr id="4" name="Espace réservé du texte 3"/>
-          <p:cNvSpPr>
-            <a:spLocks noGrp="1"/>
-          </p:cNvSpPr>
-          <p:nvPr>
-            <p:ph type="body" sz="quarter" idx="12"/>
-          </p:nvPr>
-        </p:nvSpPr>
-        <p:spPr/>
-        <p:txBody>
-          <a:bodyPr/>
-          <a:lstStyle/>
-          <a:p>
-            <a:endParaRPr lang="fr-CH"/>
           </a:p>
         </p:txBody>
       </p:sp>
@@ -4651,65 +5050,103 @@
             </a:lvl9pPr>
           </a:lstStyle>
           <a:p>
-            <a:endParaRPr lang="fr-CH" dirty="0"/>
-          </a:p>
-          <a:p>
-            <a:r>
-              <a:rPr lang="fr-CH" dirty="0" err="1"/>
-              <a:t>Fetch</a:t>
-            </a:r>
-            <a:r>
-              <a:rPr lang="fr-CH" dirty="0"/>
-              <a:t> </a:t>
-            </a:r>
-            <a:r>
-              <a:rPr lang="fr-CH" dirty="0" err="1"/>
-              <a:t>external</a:t>
-            </a:r>
-            <a:r>
-              <a:rPr lang="fr-CH" dirty="0"/>
-              <a:t> data: PMI-</a:t>
-            </a:r>
-            <a:r>
-              <a:rPr lang="fr-CH" dirty="0" err="1"/>
-              <a:t>related</a:t>
-            </a:r>
-            <a:r>
-              <a:rPr lang="fr-CH" dirty="0"/>
-              <a:t> </a:t>
-            </a:r>
-            <a:r>
-              <a:rPr lang="fr-CH" dirty="0" err="1"/>
-              <a:t>events</a:t>
-            </a:r>
-            <a:r>
-              <a:rPr lang="fr-CH" dirty="0"/>
-              <a:t>, global </a:t>
-            </a:r>
-            <a:r>
-              <a:rPr lang="fr-CH" dirty="0" err="1"/>
-              <a:t>market</a:t>
-            </a:r>
-            <a:r>
-              <a:rPr lang="fr-CH" dirty="0"/>
-              <a:t> </a:t>
-            </a:r>
-            <a:r>
-              <a:rPr lang="fr-CH" dirty="0" err="1"/>
-              <a:t>events</a:t>
-            </a:r>
-            <a:endParaRPr lang="fr-CH" dirty="0"/>
-          </a:p>
-          <a:p>
-            <a:r>
-              <a:rPr lang="fr-CH" dirty="0"/>
-              <a:t>Product </a:t>
-            </a:r>
-            <a:r>
-              <a:rPr lang="fr-CH" dirty="0" err="1"/>
-              <a:t>Review</a:t>
-            </a:r>
-            <a:endParaRPr lang="fr-CH" dirty="0"/>
+            <a:endParaRPr lang="en-US" dirty="0" smtClean="0"/>
+          </a:p>
+          <a:p>
+            <a:pPr marL="463550" lvl="1" indent="-285750"/>
+            <a:r>
+              <a:rPr lang="en-US" dirty="0" smtClean="0"/>
+              <a:t>Fit a gamma distribution instead</a:t>
+            </a:r>
+          </a:p>
+          <a:p>
+            <a:pPr marL="463550" lvl="1" indent="-285750"/>
+            <a:r>
+              <a:rPr lang="en-US" dirty="0" smtClean="0"/>
+              <a:t>This metric should not be used as a go/no go indicator: </a:t>
+            </a:r>
+          </a:p>
+          <a:p>
+            <a:pPr marL="647700" lvl="2" indent="-285750"/>
+            <a:r>
+              <a:rPr lang="en-US" dirty="0" smtClean="0"/>
+              <a:t>Consider strategic and financial consequences</a:t>
+            </a:r>
+          </a:p>
+          <a:p>
+            <a:pPr marL="647700" lvl="2" indent="-285750"/>
+            <a:r>
+              <a:rPr lang="en-US" dirty="0" smtClean="0"/>
+              <a:t>Trend, marketing </a:t>
+            </a:r>
+            <a:r>
+              <a:rPr lang="en-US" smtClean="0"/>
+              <a:t>and competition</a:t>
+            </a:r>
+            <a:endParaRPr lang="en-US" dirty="0" smtClean="0"/>
+          </a:p>
+          <a:p>
+            <a:pPr marL="647700" lvl="2" indent="-285750"/>
+            <a:r>
+              <a:rPr lang="en-US" dirty="0" smtClean="0"/>
+              <a:t>Support decision making</a:t>
+            </a:r>
+          </a:p>
+          <a:p>
+            <a:pPr marL="463550" lvl="1" indent="-285750"/>
+            <a:r>
+              <a:rPr lang="en-US" dirty="0" smtClean="0"/>
+              <a:t>For new market entries: </a:t>
+            </a:r>
+          </a:p>
+          <a:p>
+            <a:pPr marL="647700" lvl="2" indent="-285750"/>
+            <a:r>
+              <a:rPr lang="en-US" dirty="0" smtClean="0"/>
+              <a:t>Good predictors: NCON, MARKET, LEN, PRICECLASS, INDICATOR, NPLLAUNCHYEAR, BRANDFAMILY and PCKT (7 and 11)</a:t>
+            </a:r>
+          </a:p>
+          <a:p>
+            <a:pPr marL="647700" lvl="2" indent="-285750"/>
+            <a:r>
+              <a:rPr lang="en-US" dirty="0" smtClean="0"/>
+              <a:t>Bad predictors: ISSTRATEGIC</a:t>
+            </a:r>
+          </a:p>
+          <a:p>
+            <a:pPr marL="463550" lvl="1" indent="-285750"/>
+            <a:r>
+              <a:rPr lang="en-US" dirty="0" smtClean="0"/>
+              <a:t>Fetch external data: </a:t>
+            </a:r>
+          </a:p>
+          <a:p>
+            <a:pPr marL="647700" lvl="2" indent="-285750"/>
+            <a:r>
+              <a:rPr lang="en-US" dirty="0" smtClean="0"/>
+              <a:t>Macro economics features to take into account system effects</a:t>
+            </a:r>
+          </a:p>
+          <a:p>
+            <a:pPr marL="647700" lvl="2" indent="-285750"/>
+            <a:r>
+              <a:rPr lang="en-US" dirty="0" smtClean="0"/>
+              <a:t>PMI-related events, global market events</a:t>
+            </a:r>
+          </a:p>
+          <a:p>
+            <a:pPr lvl="2" indent="0">
+              <a:buNone/>
+            </a:pPr>
+            <a:endParaRPr lang="fr-CH" dirty="0" smtClean="0"/>
+          </a:p>
+          <a:p>
+            <a:pPr marL="463550" lvl="1" indent="-285750"/>
+            <a:endParaRPr lang="fr-CH" dirty="0" smtClean="0"/>
+          </a:p>
+          <a:p>
+            <a:pPr marL="463550" lvl="1" indent="-285750"/>
+            <a:endParaRPr lang="fr-CH" dirty="0" smtClean="0"/>
           </a:p>
           <a:p>
             <a:pPr marL="285750" indent="-285750">
@@ -5657,11 +6094,20 @@
             <p:ph type="body" sz="quarter" idx="10"/>
           </p:nvPr>
         </p:nvSpPr>
-        <p:spPr/>
+        <p:spPr>
+          <a:xfrm>
+            <a:off x="349119" y="247271"/>
+            <a:ext cx="9206044" cy="339969"/>
+          </a:xfrm>
+        </p:spPr>
         <p:txBody>
           <a:bodyPr/>
           <a:lstStyle/>
           <a:p>
+            <a:r>
+              <a:rPr lang="fr-CH" dirty="0" smtClean="0"/>
+              <a:t>Data Exploration</a:t>
+            </a:r>
             <a:endParaRPr lang="fr-CH" dirty="0"/>
           </a:p>
         </p:txBody>
@@ -5676,148 +6122,47 @@
             <p:ph idx="1"/>
           </p:nvPr>
         </p:nvSpPr>
-        <p:spPr/>
+        <p:spPr>
+          <a:xfrm>
+            <a:off x="349119" y="807875"/>
+            <a:ext cx="9206044" cy="4934824"/>
+          </a:xfrm>
+        </p:spPr>
         <p:txBody>
           <a:bodyPr/>
           <a:lstStyle/>
           <a:p>
-            <a:pPr marL="285750" indent="-285750">
-              <a:buFont typeface="Arial" panose="020B0604020202020204" pitchFamily="34" charset="0"/>
-              <a:buChar char="•"/>
-            </a:pPr>
-            <a:r>
-              <a:rPr lang="fr-CH" dirty="0"/>
-              <a:t>Longitudinal </a:t>
-            </a:r>
-            <a:r>
-              <a:rPr lang="fr-CH" dirty="0" err="1"/>
-              <a:t>dataset</a:t>
-            </a:r>
-            <a:r>
-              <a:rPr lang="fr-CH" dirty="0"/>
-              <a:t>: </a:t>
-            </a:r>
-            <a:r>
-              <a:rPr lang="fr-CH" dirty="0" err="1"/>
-              <a:t>we</a:t>
-            </a:r>
-            <a:r>
-              <a:rPr lang="fr-CH" dirty="0"/>
-              <a:t> </a:t>
-            </a:r>
-            <a:r>
-              <a:rPr lang="fr-CH" dirty="0" err="1"/>
-              <a:t>collect</a:t>
-            </a:r>
-            <a:r>
-              <a:rPr lang="fr-CH" dirty="0"/>
-              <a:t> observations </a:t>
-            </a:r>
-            <a:r>
-              <a:rPr lang="fr-CH" dirty="0" err="1"/>
-              <a:t>from</a:t>
-            </a:r>
-            <a:r>
-              <a:rPr lang="fr-CH" dirty="0"/>
-              <a:t> the </a:t>
-            </a:r>
-            <a:r>
-              <a:rPr lang="fr-CH" dirty="0" err="1"/>
-              <a:t>same</a:t>
-            </a:r>
-            <a:r>
-              <a:rPr lang="fr-CH" dirty="0"/>
-              <a:t> </a:t>
-            </a:r>
-            <a:r>
-              <a:rPr lang="fr-CH" dirty="0" err="1"/>
-              <a:t>entity</a:t>
-            </a:r>
-            <a:r>
-              <a:rPr lang="fr-CH" dirty="0"/>
-              <a:t> over time, i.e. stock </a:t>
-            </a:r>
-            <a:r>
-              <a:rPr lang="fr-CH" dirty="0" err="1"/>
-              <a:t>price</a:t>
-            </a:r>
-            <a:endParaRPr lang="fr-CH" dirty="0"/>
-          </a:p>
-          <a:p>
-            <a:pPr marL="285750" indent="-285750">
-              <a:buFont typeface="Arial" panose="020B0604020202020204" pitchFamily="34" charset="0"/>
-              <a:buChar char="•"/>
-            </a:pPr>
-            <a:r>
-              <a:rPr lang="fr-CH" dirty="0" err="1"/>
-              <a:t>Success</a:t>
-            </a:r>
-            <a:r>
-              <a:rPr lang="fr-CH" dirty="0"/>
-              <a:t> rate on </a:t>
-            </a:r>
-            <a:r>
-              <a:rPr lang="fr-CH" dirty="0" err="1"/>
-              <a:t>sample</a:t>
-            </a:r>
-            <a:r>
-              <a:rPr lang="fr-CH" dirty="0"/>
-              <a:t> (</a:t>
-            </a:r>
-            <a:r>
-              <a:rPr lang="fr-CH" dirty="0" err="1"/>
-              <a:t>threshold</a:t>
-            </a:r>
-            <a:r>
-              <a:rPr lang="fr-CH" dirty="0"/>
-              <a:t> 0,7%): 18,94</a:t>
-            </a:r>
-            <a:r>
-              <a:rPr lang="fr-CH" dirty="0" smtClean="0"/>
-              <a:t>%  - </a:t>
-            </a:r>
-            <a:r>
-              <a:rPr lang="fr-CH" dirty="0" err="1" smtClean="0"/>
-              <a:t>Skewed</a:t>
-            </a:r>
-            <a:r>
-              <a:rPr lang="fr-CH" dirty="0" smtClean="0"/>
-              <a:t> distribution</a:t>
-            </a:r>
-            <a:endParaRPr lang="fr-CH" dirty="0"/>
-          </a:p>
-          <a:p>
-            <a:pPr marL="285750" indent="-285750">
-              <a:buFont typeface="Arial" panose="020B0604020202020204" pitchFamily="34" charset="0"/>
-              <a:buChar char="•"/>
-            </a:pPr>
-            <a:endParaRPr lang="fr-CH" dirty="0"/>
-          </a:p>
-          <a:p>
-            <a:endParaRPr lang="fr-CH" dirty="0"/>
-          </a:p>
-        </p:txBody>
-      </p:sp>
-      <p:sp>
-        <p:nvSpPr>
-          <p:cNvPr id="4" name="Titre 3"/>
-          <p:cNvSpPr>
-            <a:spLocks noGrp="1"/>
-          </p:cNvSpPr>
-          <p:nvPr>
-            <p:ph type="title"/>
-          </p:nvPr>
-        </p:nvSpPr>
-        <p:spPr/>
-        <p:txBody>
-          <a:bodyPr/>
-          <a:lstStyle/>
-          <a:p>
-            <a:r>
-              <a:rPr lang="fr-CH" dirty="0" err="1" smtClean="0"/>
-              <a:t>Dataset</a:t>
-            </a:r>
-            <a:endParaRPr lang="fr-CH" dirty="0"/>
+            <a:pPr marL="463550" lvl="1" indent="-285750"/>
+            <a:r>
+              <a:rPr lang="en-US" dirty="0" smtClean="0"/>
+              <a:t>PMI related products </a:t>
+            </a:r>
+          </a:p>
+          <a:p>
+            <a:pPr marL="463550" lvl="1" indent="-285750"/>
+            <a:r>
+              <a:rPr lang="en-US" dirty="0" smtClean="0"/>
+              <a:t>Mostly categorical features</a:t>
+            </a:r>
+          </a:p>
+          <a:p>
+            <a:pPr marL="463550" lvl="1" indent="-285750"/>
+            <a:r>
+              <a:rPr lang="en-US" dirty="0" smtClean="0"/>
+              <a:t>Success rate on sample (threshold 0,7%): 18,94%  - Positively Skewed distribution</a:t>
+            </a:r>
+          </a:p>
+          <a:p>
+            <a:pPr marL="463550" lvl="1" indent="-285750"/>
+            <a:endParaRPr lang="en-US" dirty="0" smtClean="0"/>
+          </a:p>
+          <a:p>
+            <a:pPr marL="463550" lvl="1" indent="-285750"/>
+            <a:endParaRPr lang="en-US" dirty="0" smtClean="0"/>
+          </a:p>
+          <a:p>
+            <a:pPr marL="463550" lvl="1" indent="-285750"/>
+            <a:endParaRPr lang="en-US" dirty="0"/>
           </a:p>
         </p:txBody>
       </p:sp>
@@ -5844,8 +6189,8 @@
         </p:blipFill>
         <p:spPr bwMode="auto">
           <a:xfrm>
-            <a:off x="643350" y="2693872"/>
-            <a:ext cx="4114800" cy="2743200"/>
+            <a:off x="753845" y="1689121"/>
+            <a:ext cx="3420000" cy="2279999"/>
           </a:xfrm>
           <a:prstGeom prst="rect">
             <a:avLst/>
@@ -5884,12 +6229,94 @@
         </p:blipFill>
         <p:spPr>
           <a:xfrm>
-            <a:off x="4758150" y="2693871"/>
-            <a:ext cx="4064816" cy="2709877"/>
+            <a:off x="753845" y="4002458"/>
+            <a:ext cx="3420000" cy="2280000"/>
           </a:xfrm>
           <a:prstGeom prst="rect">
             <a:avLst/>
           </a:prstGeom>
+        </p:spPr>
+      </p:pic>
+      <p:pic>
+        <p:nvPicPr>
+          <p:cNvPr id="3074" name="Picture 2" descr="C:\Users\Louis\Documents\GitHub\PMItest\image\qqplot.jpg"/>
+          <p:cNvPicPr>
+            <a:picLocks noChangeAspect="1" noChangeArrowheads="1"/>
+          </p:cNvPicPr>
+          <p:nvPr/>
+        </p:nvPicPr>
+        <p:blipFill>
+          <a:blip r:embed="rId4">
+            <a:extLst>
+              <a:ext uri="{28A0092B-C50C-407E-A947-70E740481C1C}">
+                <a14:useLocalDpi xmlns:a14="http://schemas.microsoft.com/office/drawing/2010/main" val="0"/>
+              </a:ext>
+            </a:extLst>
+          </a:blip>
+          <a:srcRect/>
+          <a:stretch>
+            <a:fillRect/>
+          </a:stretch>
+        </p:blipFill>
+        <p:spPr bwMode="auto">
+          <a:xfrm>
+            <a:off x="4927600" y="1689120"/>
+            <a:ext cx="3420000" cy="2280000"/>
+          </a:xfrm>
+          <a:prstGeom prst="rect">
+            <a:avLst/>
+          </a:prstGeom>
+          <a:noFill/>
+          <a:extLst>
+            <a:ext uri="{909E8E84-426E-40DD-AFC4-6F175D3DCCD1}">
+              <a14:hiddenFill xmlns:a14="http://schemas.microsoft.com/office/drawing/2010/main">
+                <a:solidFill>
+                  <a:srgbClr val="FFFFFF"/>
+                </a:solidFill>
+              </a14:hiddenFill>
+            </a:ext>
+          </a:extLst>
+        </p:spPr>
+      </p:pic>
+      <p:pic>
+        <p:nvPicPr>
+          <p:cNvPr id="3075" name="Picture 3" descr="C:\Users\Louis\Documents\GitHub\PMItest\image\region.jpg"/>
+          <p:cNvPicPr>
+            <a:picLocks noChangeAspect="1" noChangeArrowheads="1"/>
+          </p:cNvPicPr>
+          <p:nvPr/>
+        </p:nvPicPr>
+        <p:blipFill>
+          <a:blip r:embed="rId5">
+            <a:extLst>
+              <a:ext uri="{28A0092B-C50C-407E-A947-70E740481C1C}">
+                <a14:useLocalDpi xmlns:a14="http://schemas.microsoft.com/office/drawing/2010/main" val="0"/>
+              </a:ext>
+            </a:extLst>
+          </a:blip>
+          <a:srcRect/>
+          <a:stretch>
+            <a:fillRect/>
+          </a:stretch>
+        </p:blipFill>
+        <p:spPr bwMode="auto">
+          <a:xfrm>
+            <a:off x="4927600" y="4002458"/>
+            <a:ext cx="3420000" cy="2280000"/>
+          </a:xfrm>
+          <a:prstGeom prst="rect">
+            <a:avLst/>
+          </a:prstGeom>
+          <a:noFill/>
+          <a:extLst>
+            <a:ext uri="{909E8E84-426E-40DD-AFC4-6F175D3DCCD1}">
+              <a14:hiddenFill xmlns:a14="http://schemas.microsoft.com/office/drawing/2010/main">
+                <a:solidFill>
+                  <a:srgbClr val="FFFFFF"/>
+                </a:solidFill>
+              </a14:hiddenFill>
+            </a:ext>
+          </a:extLst>
         </p:spPr>
       </p:pic>
     </p:spTree>
@@ -5939,12 +6366,2511 @@
             <p:ph type="body" sz="quarter" idx="10"/>
           </p:nvPr>
         </p:nvSpPr>
+        <p:spPr>
+          <a:xfrm>
+            <a:off x="349119" y="44056"/>
+            <a:ext cx="9206044" cy="339969"/>
+          </a:xfrm>
+        </p:spPr>
+        <p:txBody>
+          <a:bodyPr/>
+          <a:lstStyle/>
+          <a:p>
+            <a:r>
+              <a:rPr lang="fr-CH" dirty="0" smtClean="0"/>
+              <a:t>Data Exploration</a:t>
+            </a:r>
+            <a:endParaRPr lang="fr-CH" dirty="0"/>
+          </a:p>
+        </p:txBody>
+      </p:sp>
+      <p:graphicFrame>
+        <p:nvGraphicFramePr>
+          <p:cNvPr id="5" name="Espace réservé du contenu 5"/>
+          <p:cNvGraphicFramePr>
+            <a:graphicFrameLocks/>
+          </p:cNvGraphicFramePr>
+          <p:nvPr>
+            <p:extLst>
+              <p:ext uri="{D42A27DB-BD31-4B8C-83A1-F6EECF244321}">
+                <p14:modId xmlns:p14="http://schemas.microsoft.com/office/powerpoint/2010/main" val="3636383088"/>
+              </p:ext>
+            </p:extLst>
+          </p:nvPr>
+        </p:nvGraphicFramePr>
+        <p:xfrm>
+          <a:off x="349119" y="426358"/>
+          <a:ext cx="9065816" cy="6101080"/>
+        </p:xfrm>
+        <a:graphic>
+          <a:graphicData uri="http://schemas.openxmlformats.org/drawingml/2006/table">
+            <a:tbl>
+              <a:tblPr firstRow="1" bandRow="1">
+                <a:tableStyleId>{5C22544A-7EE6-4342-B048-85BDC9FD1C3A}</a:tableStyleId>
+              </a:tblPr>
+              <a:tblGrid>
+                <a:gridCol w="2266454"/>
+                <a:gridCol w="2266454"/>
+                <a:gridCol w="2266454"/>
+                <a:gridCol w="2266454"/>
+              </a:tblGrid>
+              <a:tr h="370840">
+                <a:tc>
+                  <a:txBody>
+                    <a:bodyPr/>
+                    <a:lstStyle/>
+                    <a:p>
+                      <a:r>
+                        <a:rPr lang="fr-CH" dirty="0" err="1" smtClean="0"/>
+                        <a:t>Feature</a:t>
+                      </a:r>
+                      <a:endParaRPr lang="fr-CH" dirty="0"/>
+                    </a:p>
+                  </a:txBody>
+                  <a:tcPr/>
+                </a:tc>
+                <a:tc>
+                  <a:txBody>
+                    <a:bodyPr/>
+                    <a:lstStyle/>
+                    <a:p>
+                      <a:r>
+                        <a:rPr lang="fr-CH" dirty="0" err="1" smtClean="0"/>
+                        <a:t>Assumption</a:t>
+                      </a:r>
+                      <a:endParaRPr lang="fr-CH" dirty="0"/>
+                    </a:p>
+                  </a:txBody>
+                  <a:tcPr/>
+                </a:tc>
+                <a:tc>
+                  <a:txBody>
+                    <a:bodyPr/>
+                    <a:lstStyle/>
+                    <a:p>
+                      <a:r>
+                        <a:rPr lang="fr-CH" dirty="0" err="1" smtClean="0"/>
+                        <a:t>Example</a:t>
+                      </a:r>
+                      <a:endParaRPr lang="fr-CH" dirty="0"/>
+                    </a:p>
+                  </a:txBody>
+                  <a:tcPr/>
+                </a:tc>
+                <a:tc>
+                  <a:txBody>
+                    <a:bodyPr/>
+                    <a:lstStyle/>
+                    <a:p>
+                      <a:r>
+                        <a:rPr lang="fr-CH" dirty="0" smtClean="0"/>
+                        <a:t>Note</a:t>
+                      </a:r>
+                      <a:endParaRPr lang="fr-CH" dirty="0"/>
+                    </a:p>
+                  </a:txBody>
+                  <a:tcPr/>
+                </a:tc>
+              </a:tr>
+              <a:tr h="370840">
+                <a:tc>
+                  <a:txBody>
+                    <a:bodyPr/>
+                    <a:lstStyle/>
+                    <a:p>
+                      <a:r>
+                        <a:rPr lang="fr-CH" dirty="0" smtClean="0"/>
+                        <a:t>REGION</a:t>
+                      </a:r>
+                      <a:endParaRPr lang="fr-CH" dirty="0"/>
+                    </a:p>
+                  </a:txBody>
+                  <a:tcPr/>
+                </a:tc>
+                <a:tc>
+                  <a:txBody>
+                    <a:bodyPr/>
+                    <a:lstStyle/>
+                    <a:p>
+                      <a:r>
+                        <a:rPr lang="fr-CH" dirty="0" smtClean="0"/>
+                        <a:t>4 Continents</a:t>
+                      </a:r>
+                      <a:endParaRPr lang="fr-CH" dirty="0"/>
+                    </a:p>
+                  </a:txBody>
+                  <a:tcPr/>
+                </a:tc>
+                <a:tc>
+                  <a:txBody>
+                    <a:bodyPr/>
+                    <a:lstStyle/>
+                    <a:p>
+                      <a:r>
+                        <a:rPr lang="fr-CH" dirty="0" err="1" smtClean="0"/>
+                        <a:t>la&amp;c</a:t>
+                      </a:r>
+                      <a:r>
+                        <a:rPr lang="fr-CH" dirty="0" smtClean="0"/>
+                        <a:t>, eu, </a:t>
+                      </a:r>
+                      <a:r>
+                        <a:rPr lang="fr-CH" dirty="0" err="1" smtClean="0"/>
+                        <a:t>eema</a:t>
+                      </a:r>
+                      <a:r>
+                        <a:rPr lang="fr-CH" dirty="0" smtClean="0"/>
+                        <a:t>, </a:t>
+                      </a:r>
+                      <a:r>
+                        <a:rPr lang="fr-CH" dirty="0" err="1" smtClean="0"/>
+                        <a:t>asia</a:t>
+                      </a:r>
+                      <a:endParaRPr lang="fr-CH" dirty="0"/>
+                    </a:p>
+                  </a:txBody>
+                  <a:tcPr/>
+                </a:tc>
+                <a:tc>
+                  <a:txBody>
+                    <a:bodyPr/>
+                    <a:lstStyle/>
+                    <a:p>
+                      <a:endParaRPr lang="fr-CH" dirty="0"/>
+                    </a:p>
+                  </a:txBody>
+                  <a:tcPr/>
+                </a:tc>
+              </a:tr>
+              <a:tr h="370840">
+                <a:tc>
+                  <a:txBody>
+                    <a:bodyPr/>
+                    <a:lstStyle/>
+                    <a:p>
+                      <a:r>
+                        <a:rPr lang="fr-CH" dirty="0" smtClean="0"/>
+                        <a:t>MARKET</a:t>
+                      </a:r>
+                      <a:endParaRPr lang="fr-CH" dirty="0"/>
+                    </a:p>
+                  </a:txBody>
+                  <a:tcPr/>
+                </a:tc>
+                <a:tc>
+                  <a:txBody>
+                    <a:bodyPr/>
+                    <a:lstStyle/>
+                    <a:p>
+                      <a:r>
+                        <a:rPr lang="fr-CH" dirty="0" err="1" smtClean="0"/>
+                        <a:t>Geo</a:t>
+                      </a:r>
+                      <a:r>
+                        <a:rPr lang="fr-CH" dirty="0" smtClean="0"/>
+                        <a:t>,</a:t>
+                      </a:r>
+                      <a:r>
+                        <a:rPr lang="fr-CH" baseline="0" dirty="0" smtClean="0"/>
+                        <a:t> </a:t>
+                      </a:r>
+                      <a:r>
+                        <a:rPr lang="fr-CH" baseline="0" dirty="0" err="1" smtClean="0"/>
+                        <a:t>laws</a:t>
+                      </a:r>
+                      <a:endParaRPr lang="fr-CH" dirty="0"/>
+                    </a:p>
+                  </a:txBody>
+                  <a:tcPr/>
+                </a:tc>
+                <a:tc>
+                  <a:txBody>
+                    <a:bodyPr/>
+                    <a:lstStyle/>
+                    <a:p>
+                      <a:r>
+                        <a:rPr lang="fr-CH" dirty="0" err="1" smtClean="0"/>
+                        <a:t>Swiss</a:t>
+                      </a:r>
+                      <a:r>
+                        <a:rPr lang="fr-CH" dirty="0" smtClean="0"/>
+                        <a:t> Canton</a:t>
+                      </a:r>
+                      <a:endParaRPr lang="fr-CH" dirty="0"/>
+                    </a:p>
+                  </a:txBody>
+                  <a:tcPr/>
+                </a:tc>
+                <a:tc>
+                  <a:txBody>
+                    <a:bodyPr/>
+                    <a:lstStyle/>
+                    <a:p>
+                      <a:endParaRPr lang="fr-CH" dirty="0"/>
+                    </a:p>
+                  </a:txBody>
+                  <a:tcPr/>
+                </a:tc>
+              </a:tr>
+              <a:tr h="370840">
+                <a:tc>
+                  <a:txBody>
+                    <a:bodyPr/>
+                    <a:lstStyle/>
+                    <a:p>
+                      <a:r>
+                        <a:rPr lang="fr-CH" dirty="0" smtClean="0"/>
+                        <a:t>BRM,</a:t>
+                      </a:r>
+                      <a:r>
+                        <a:rPr lang="fr-CH" baseline="0" dirty="0" smtClean="0"/>
+                        <a:t> BRANDEDMARKET, BRANDONMARKET</a:t>
+                      </a:r>
+                      <a:endParaRPr lang="fr-CH" dirty="0"/>
+                    </a:p>
+                  </a:txBody>
+                  <a:tcPr/>
+                </a:tc>
+                <a:tc>
+                  <a:txBody>
+                    <a:bodyPr/>
+                    <a:lstStyle/>
+                    <a:p>
+                      <a:r>
+                        <a:rPr lang="fr-CH" dirty="0" smtClean="0"/>
+                        <a:t>Set</a:t>
+                      </a:r>
+                      <a:r>
+                        <a:rPr lang="fr-CH" baseline="0" dirty="0" smtClean="0"/>
+                        <a:t> of </a:t>
+                      </a:r>
+                      <a:r>
+                        <a:rPr lang="fr-CH" baseline="0" dirty="0" err="1" smtClean="0"/>
+                        <a:t>attributes</a:t>
+                      </a:r>
+                      <a:r>
+                        <a:rPr lang="fr-CH" baseline="0" dirty="0" smtClean="0"/>
+                        <a:t> </a:t>
+                      </a:r>
+                      <a:r>
+                        <a:rPr lang="fr-CH" baseline="0" dirty="0" err="1" smtClean="0"/>
+                        <a:t>defining</a:t>
+                      </a:r>
+                      <a:r>
+                        <a:rPr lang="fr-CH" baseline="0" dirty="0" smtClean="0"/>
+                        <a:t>  the </a:t>
+                      </a:r>
+                      <a:r>
+                        <a:rPr lang="fr-CH" baseline="0" dirty="0" err="1" smtClean="0"/>
+                        <a:t>product</a:t>
+                      </a:r>
+                      <a:endParaRPr lang="fr-CH" dirty="0"/>
+                    </a:p>
+                  </a:txBody>
+                  <a:tcPr/>
+                </a:tc>
+                <a:tc>
+                  <a:txBody>
+                    <a:bodyPr/>
+                    <a:lstStyle/>
+                    <a:p>
+                      <a:r>
+                        <a:rPr lang="fr-CH" dirty="0" smtClean="0"/>
+                        <a:t>Cigarettes,</a:t>
+                      </a:r>
+                      <a:r>
+                        <a:rPr lang="fr-CH" baseline="0" dirty="0" smtClean="0"/>
+                        <a:t> Marlboro, </a:t>
+                      </a:r>
+                      <a:r>
+                        <a:rPr lang="fr-CH" baseline="0" dirty="0" err="1" smtClean="0"/>
+                        <a:t>flavor</a:t>
+                      </a:r>
+                      <a:r>
+                        <a:rPr lang="fr-CH" baseline="0" dirty="0" smtClean="0"/>
+                        <a:t>, Menthol, </a:t>
+                      </a:r>
+                      <a:r>
+                        <a:rPr lang="fr-CH" baseline="0" dirty="0" err="1" smtClean="0"/>
+                        <a:t>Length</a:t>
+                      </a:r>
+                      <a:endParaRPr lang="fr-CH" baseline="0" dirty="0" smtClean="0"/>
+                    </a:p>
+                  </a:txBody>
+                  <a:tcPr/>
+                </a:tc>
+                <a:tc>
+                  <a:txBody>
+                    <a:bodyPr/>
+                    <a:lstStyle/>
+                    <a:p>
+                      <a:r>
+                        <a:rPr lang="fr-CH" dirty="0" err="1" smtClean="0"/>
+                        <a:t>Highly</a:t>
+                      </a:r>
+                      <a:r>
+                        <a:rPr lang="fr-CH" dirty="0" smtClean="0"/>
+                        <a:t> </a:t>
+                      </a:r>
+                      <a:r>
+                        <a:rPr lang="fr-CH" dirty="0" err="1" smtClean="0"/>
+                        <a:t>correlated</a:t>
+                      </a:r>
+                      <a:endParaRPr lang="fr-CH" dirty="0"/>
+                    </a:p>
+                  </a:txBody>
+                  <a:tcPr/>
+                </a:tc>
+              </a:tr>
+              <a:tr h="370840">
+                <a:tc>
+                  <a:txBody>
+                    <a:bodyPr/>
+                    <a:lstStyle/>
+                    <a:p>
+                      <a:r>
+                        <a:rPr lang="fr-CH" dirty="0" smtClean="0"/>
+                        <a:t>BLDIMAGE</a:t>
+                      </a:r>
+                      <a:endParaRPr lang="fr-CH" dirty="0"/>
+                    </a:p>
+                  </a:txBody>
+                  <a:tcPr/>
+                </a:tc>
+                <a:tc>
+                  <a:txBody>
+                    <a:bodyPr/>
+                    <a:lstStyle/>
+                    <a:p>
+                      <a:r>
+                        <a:rPr lang="fr-CH" dirty="0" err="1" smtClean="0"/>
+                        <a:t>Blend</a:t>
+                      </a:r>
+                      <a:r>
+                        <a:rPr lang="fr-CH" dirty="0" smtClean="0"/>
+                        <a:t> Image</a:t>
+                      </a:r>
+                      <a:endParaRPr lang="fr-CH" dirty="0"/>
+                    </a:p>
+                  </a:txBody>
+                  <a:tcPr/>
+                </a:tc>
+                <a:tc>
+                  <a:txBody>
+                    <a:bodyPr/>
+                    <a:lstStyle/>
+                    <a:p>
+                      <a:endParaRPr lang="fr-CH"/>
+                    </a:p>
+                  </a:txBody>
+                  <a:tcPr/>
+                </a:tc>
+                <a:tc>
+                  <a:txBody>
+                    <a:bodyPr/>
+                    <a:lstStyle/>
+                    <a:p>
+                      <a:endParaRPr lang="fr-CH"/>
+                    </a:p>
+                  </a:txBody>
+                  <a:tcPr/>
+                </a:tc>
+              </a:tr>
+              <a:tr h="284232">
+                <a:tc>
+                  <a:txBody>
+                    <a:bodyPr/>
+                    <a:lstStyle/>
+                    <a:p>
+                      <a:r>
+                        <a:rPr lang="fr-CH" dirty="0" smtClean="0"/>
+                        <a:t>BRANDDIFFERENT.</a:t>
+                      </a:r>
+                      <a:endParaRPr lang="fr-CH" dirty="0"/>
+                    </a:p>
+                  </a:txBody>
+                  <a:tcPr/>
+                </a:tc>
+                <a:tc>
+                  <a:txBody>
+                    <a:bodyPr/>
+                    <a:lstStyle/>
+                    <a:p>
+                      <a:endParaRPr lang="fr-CH" dirty="0"/>
+                    </a:p>
+                  </a:txBody>
+                  <a:tcPr/>
+                </a:tc>
+                <a:tc>
+                  <a:txBody>
+                    <a:bodyPr/>
+                    <a:lstStyle/>
+                    <a:p>
+                      <a:r>
+                        <a:rPr lang="fr-CH" dirty="0" smtClean="0"/>
+                        <a:t>Blondes,</a:t>
+                      </a:r>
+                      <a:r>
+                        <a:rPr lang="fr-CH" baseline="0" dirty="0" smtClean="0"/>
+                        <a:t> </a:t>
+                      </a:r>
+                      <a:r>
+                        <a:rPr lang="fr-CH" baseline="0" dirty="0" err="1" smtClean="0"/>
+                        <a:t>Red</a:t>
+                      </a:r>
+                      <a:r>
+                        <a:rPr lang="fr-CH" baseline="0" dirty="0" smtClean="0"/>
+                        <a:t>, </a:t>
+                      </a:r>
+                      <a:r>
+                        <a:rPr lang="fr-CH" baseline="0" dirty="0" err="1" smtClean="0"/>
+                        <a:t>Flavor</a:t>
+                      </a:r>
+                      <a:r>
+                        <a:rPr lang="fr-CH" baseline="0" dirty="0" smtClean="0"/>
+                        <a:t>+</a:t>
+                      </a:r>
+                      <a:endParaRPr lang="fr-CH" dirty="0"/>
+                    </a:p>
+                  </a:txBody>
+                  <a:tcPr/>
+                </a:tc>
+                <a:tc>
+                  <a:txBody>
+                    <a:bodyPr/>
+                    <a:lstStyle/>
+                    <a:p>
+                      <a:endParaRPr lang="fr-CH"/>
+                    </a:p>
+                  </a:txBody>
+                  <a:tcPr/>
+                </a:tc>
+              </a:tr>
+              <a:tr h="370840">
+                <a:tc>
+                  <a:txBody>
+                    <a:bodyPr/>
+                    <a:lstStyle/>
+                    <a:p>
+                      <a:r>
+                        <a:rPr lang="fr-CH" dirty="0" smtClean="0"/>
+                        <a:t>BRANDFAMILY (SUB..)</a:t>
+                      </a:r>
+                      <a:endParaRPr lang="fr-CH" dirty="0"/>
+                    </a:p>
+                  </a:txBody>
+                  <a:tcPr/>
+                </a:tc>
+                <a:tc>
+                  <a:txBody>
+                    <a:bodyPr/>
+                    <a:lstStyle/>
+                    <a:p>
+                      <a:endParaRPr lang="fr-CH" dirty="0"/>
+                    </a:p>
+                  </a:txBody>
+                  <a:tcPr/>
+                </a:tc>
+                <a:tc>
+                  <a:txBody>
+                    <a:bodyPr/>
+                    <a:lstStyle/>
+                    <a:p>
+                      <a:r>
+                        <a:rPr lang="fr-CH" dirty="0" smtClean="0"/>
+                        <a:t>Marlboro</a:t>
+                      </a:r>
+                      <a:r>
+                        <a:rPr lang="fr-CH" baseline="0" dirty="0" smtClean="0"/>
+                        <a:t> (Gold etc…)</a:t>
+                      </a:r>
+                      <a:endParaRPr lang="fr-CH" dirty="0"/>
+                    </a:p>
+                  </a:txBody>
+                  <a:tcPr/>
+                </a:tc>
+                <a:tc>
+                  <a:txBody>
+                    <a:bodyPr/>
+                    <a:lstStyle/>
+                    <a:p>
+                      <a:r>
+                        <a:rPr lang="fr-CH" dirty="0" err="1" smtClean="0"/>
+                        <a:t>Highly</a:t>
+                      </a:r>
+                      <a:r>
+                        <a:rPr lang="fr-CH" dirty="0" smtClean="0"/>
+                        <a:t> </a:t>
+                      </a:r>
+                      <a:r>
+                        <a:rPr lang="fr-CH" dirty="0" err="1" smtClean="0"/>
+                        <a:t>correlated</a:t>
+                      </a:r>
+                      <a:endParaRPr lang="fr-CH" dirty="0"/>
+                    </a:p>
+                  </a:txBody>
+                  <a:tcPr/>
+                </a:tc>
+              </a:tr>
+              <a:tr h="370840">
+                <a:tc>
+                  <a:txBody>
+                    <a:bodyPr/>
+                    <a:lstStyle/>
+                    <a:p>
+                      <a:r>
+                        <a:rPr lang="fr-CH" dirty="0" smtClean="0"/>
+                        <a:t>CHARINDICATOR</a:t>
+                      </a:r>
+                      <a:endParaRPr lang="fr-CH" dirty="0"/>
+                    </a:p>
+                  </a:txBody>
+                  <a:tcPr/>
+                </a:tc>
+                <a:tc>
+                  <a:txBody>
+                    <a:bodyPr/>
+                    <a:lstStyle/>
+                    <a:p>
+                      <a:r>
+                        <a:rPr lang="fr-CH" dirty="0" err="1" smtClean="0"/>
+                        <a:t>Charcoal</a:t>
+                      </a:r>
+                      <a:r>
+                        <a:rPr lang="fr-CH" dirty="0" smtClean="0"/>
+                        <a:t> </a:t>
+                      </a:r>
+                      <a:r>
+                        <a:rPr lang="fr-CH" dirty="0" err="1" smtClean="0"/>
+                        <a:t>Indicator</a:t>
+                      </a:r>
+                      <a:endParaRPr lang="fr-CH" dirty="0"/>
+                    </a:p>
+                  </a:txBody>
+                  <a:tcPr/>
+                </a:tc>
+                <a:tc>
+                  <a:txBody>
+                    <a:bodyPr/>
+                    <a:lstStyle/>
+                    <a:p>
+                      <a:endParaRPr lang="fr-CH" dirty="0"/>
+                    </a:p>
+                  </a:txBody>
+                  <a:tcPr/>
+                </a:tc>
+                <a:tc>
+                  <a:txBody>
+                    <a:bodyPr/>
+                    <a:lstStyle/>
+                    <a:p>
+                      <a:endParaRPr lang="fr-CH"/>
+                    </a:p>
+                  </a:txBody>
+                  <a:tcPr/>
+                </a:tc>
+              </a:tr>
+              <a:tr h="370840">
+                <a:tc>
+                  <a:txBody>
+                    <a:bodyPr/>
+                    <a:lstStyle/>
+                    <a:p>
+                      <a:r>
+                        <a:rPr lang="fr-CH" dirty="0" smtClean="0"/>
+                        <a:t>BRMID</a:t>
+                      </a:r>
+                      <a:endParaRPr lang="fr-CH" dirty="0"/>
+                    </a:p>
+                  </a:txBody>
+                  <a:tcPr/>
+                </a:tc>
+                <a:tc>
+                  <a:txBody>
+                    <a:bodyPr/>
+                    <a:lstStyle/>
+                    <a:p>
+                      <a:r>
+                        <a:rPr lang="fr-CH" dirty="0" smtClean="0"/>
+                        <a:t>ID</a:t>
+                      </a:r>
+                      <a:endParaRPr lang="fr-CH" dirty="0"/>
+                    </a:p>
+                  </a:txBody>
+                  <a:tcPr/>
+                </a:tc>
+                <a:tc>
+                  <a:txBody>
+                    <a:bodyPr/>
+                    <a:lstStyle/>
+                    <a:p>
+                      <a:endParaRPr lang="fr-CH" dirty="0"/>
+                    </a:p>
+                  </a:txBody>
+                  <a:tcPr/>
+                </a:tc>
+                <a:tc>
+                  <a:txBody>
+                    <a:bodyPr/>
+                    <a:lstStyle/>
+                    <a:p>
+                      <a:r>
+                        <a:rPr lang="fr-CH" dirty="0" smtClean="0"/>
+                        <a:t>2 clusters</a:t>
+                      </a:r>
+                      <a:endParaRPr lang="fr-CH" dirty="0"/>
+                    </a:p>
+                  </a:txBody>
+                  <a:tcPr/>
+                </a:tc>
+              </a:tr>
+              <a:tr h="370840">
+                <a:tc>
+                  <a:txBody>
+                    <a:bodyPr/>
+                    <a:lstStyle/>
+                    <a:p>
+                      <a:r>
+                        <a:rPr lang="fr-CH" dirty="0" smtClean="0"/>
+                        <a:t>RTYPE</a:t>
+                      </a:r>
+                      <a:endParaRPr lang="fr-CH" dirty="0"/>
+                    </a:p>
+                  </a:txBody>
+                  <a:tcPr/>
+                </a:tc>
+                <a:tc>
+                  <a:txBody>
+                    <a:bodyPr/>
+                    <a:lstStyle/>
+                    <a:p>
+                      <a:r>
+                        <a:rPr lang="fr-CH" dirty="0" err="1" smtClean="0"/>
+                        <a:t>Filter</a:t>
+                      </a:r>
+                      <a:r>
+                        <a:rPr lang="fr-CH" dirty="0" smtClean="0"/>
+                        <a:t> type?</a:t>
+                      </a:r>
+                      <a:endParaRPr lang="fr-CH" dirty="0"/>
+                    </a:p>
+                  </a:txBody>
+                  <a:tcPr/>
+                </a:tc>
+                <a:tc>
+                  <a:txBody>
+                    <a:bodyPr/>
+                    <a:lstStyle/>
+                    <a:p>
+                      <a:endParaRPr lang="fr-CH" dirty="0"/>
+                    </a:p>
+                  </a:txBody>
+                  <a:tcPr/>
+                </a:tc>
+                <a:tc>
+                  <a:txBody>
+                    <a:bodyPr/>
+                    <a:lstStyle/>
+                    <a:p>
+                      <a:r>
+                        <a:rPr lang="fr-CH" dirty="0" err="1" smtClean="0"/>
+                        <a:t>Many</a:t>
+                      </a:r>
+                      <a:r>
+                        <a:rPr lang="fr-CH" dirty="0" smtClean="0"/>
+                        <a:t> NA</a:t>
+                      </a:r>
+                      <a:endParaRPr lang="fr-CH" dirty="0"/>
+                    </a:p>
+                  </a:txBody>
+                  <a:tcPr/>
+                </a:tc>
+              </a:tr>
+              <a:tr h="370840">
+                <a:tc>
+                  <a:txBody>
+                    <a:bodyPr/>
+                    <a:lstStyle/>
+                    <a:p>
+                      <a:r>
+                        <a:rPr lang="fr-CH" dirty="0" smtClean="0"/>
+                        <a:t>INTERNATIONALINDIC</a:t>
+                      </a:r>
+                      <a:endParaRPr lang="fr-CH" dirty="0"/>
+                    </a:p>
+                  </a:txBody>
+                  <a:tcPr/>
+                </a:tc>
+                <a:tc>
+                  <a:txBody>
+                    <a:bodyPr/>
+                    <a:lstStyle/>
+                    <a:p>
+                      <a:r>
+                        <a:rPr lang="fr-CH" dirty="0" err="1" smtClean="0"/>
+                        <a:t>Indicator</a:t>
+                      </a:r>
+                      <a:r>
+                        <a:rPr lang="fr-CH" dirty="0" smtClean="0"/>
+                        <a:t> in English?</a:t>
+                      </a:r>
+                      <a:endParaRPr lang="fr-CH" dirty="0"/>
+                    </a:p>
+                  </a:txBody>
+                  <a:tcPr/>
+                </a:tc>
+                <a:tc>
+                  <a:txBody>
+                    <a:bodyPr/>
+                    <a:lstStyle/>
+                    <a:p>
+                      <a:endParaRPr lang="fr-CH"/>
+                    </a:p>
+                  </a:txBody>
+                  <a:tcPr/>
+                </a:tc>
+                <a:tc>
+                  <a:txBody>
+                    <a:bodyPr/>
+                    <a:lstStyle/>
+                    <a:p>
+                      <a:endParaRPr lang="fr-CH"/>
+                    </a:p>
+                  </a:txBody>
+                  <a:tcPr/>
+                </a:tc>
+              </a:tr>
+              <a:tr h="370840">
+                <a:tc>
+                  <a:txBody>
+                    <a:bodyPr/>
+                    <a:lstStyle/>
+                    <a:p>
+                      <a:r>
+                        <a:rPr lang="fr-CH" dirty="0" smtClean="0"/>
+                        <a:t>ITEMSHAPE</a:t>
+                      </a:r>
+                      <a:endParaRPr lang="fr-CH" dirty="0"/>
+                    </a:p>
+                  </a:txBody>
+                  <a:tcPr/>
+                </a:tc>
+                <a:tc>
+                  <a:txBody>
+                    <a:bodyPr/>
+                    <a:lstStyle/>
+                    <a:p>
+                      <a:r>
+                        <a:rPr lang="fr-CH" dirty="0" smtClean="0"/>
+                        <a:t>Product Shape</a:t>
+                      </a:r>
+                      <a:endParaRPr lang="fr-CH" dirty="0"/>
+                    </a:p>
+                  </a:txBody>
+                  <a:tcPr/>
+                </a:tc>
+                <a:tc>
+                  <a:txBody>
+                    <a:bodyPr/>
+                    <a:lstStyle/>
+                    <a:p>
+                      <a:r>
+                        <a:rPr lang="fr-CH" dirty="0" err="1" smtClean="0"/>
+                        <a:t>Rigid</a:t>
+                      </a:r>
+                      <a:r>
+                        <a:rPr lang="fr-CH" dirty="0" smtClean="0"/>
+                        <a:t> (for </a:t>
+                      </a:r>
+                      <a:r>
+                        <a:rPr lang="fr-CH" dirty="0" err="1" smtClean="0"/>
+                        <a:t>packets</a:t>
+                      </a:r>
+                      <a:r>
+                        <a:rPr lang="fr-CH" dirty="0" smtClean="0"/>
+                        <a:t>)</a:t>
+                      </a:r>
+                      <a:endParaRPr lang="fr-CH" dirty="0"/>
+                    </a:p>
+                  </a:txBody>
+                  <a:tcPr/>
+                </a:tc>
+                <a:tc>
+                  <a:txBody>
+                    <a:bodyPr/>
+                    <a:lstStyle/>
+                    <a:p>
+                      <a:endParaRPr lang="fr-CH" dirty="0"/>
+                    </a:p>
+                  </a:txBody>
+                  <a:tcPr/>
+                </a:tc>
+              </a:tr>
+              <a:tr h="370840">
+                <a:tc>
+                  <a:txBody>
+                    <a:bodyPr/>
+                    <a:lstStyle/>
+                    <a:p>
+                      <a:r>
+                        <a:rPr lang="fr-CH" dirty="0" smtClean="0"/>
+                        <a:t>ITEMSCODE</a:t>
+                      </a:r>
+                      <a:endParaRPr lang="fr-CH" dirty="0"/>
+                    </a:p>
+                  </a:txBody>
+                  <a:tcPr/>
+                </a:tc>
+                <a:tc>
+                  <a:txBody>
+                    <a:bodyPr/>
+                    <a:lstStyle/>
+                    <a:p>
+                      <a:r>
+                        <a:rPr lang="fr-CH" dirty="0" err="1" smtClean="0"/>
+                        <a:t>Number</a:t>
+                      </a:r>
+                      <a:r>
+                        <a:rPr lang="fr-CH" dirty="0" smtClean="0"/>
+                        <a:t> of cigarettes</a:t>
+                      </a:r>
+                      <a:endParaRPr lang="fr-CH" dirty="0"/>
+                    </a:p>
+                  </a:txBody>
+                  <a:tcPr/>
+                </a:tc>
+                <a:tc>
+                  <a:txBody>
+                    <a:bodyPr/>
+                    <a:lstStyle/>
+                    <a:p>
+                      <a:r>
+                        <a:rPr lang="fr-CH" dirty="0" smtClean="0"/>
+                        <a:t>20</a:t>
+                      </a:r>
+                      <a:endParaRPr lang="fr-CH" dirty="0"/>
+                    </a:p>
+                  </a:txBody>
+                  <a:tcPr/>
+                </a:tc>
+                <a:tc>
+                  <a:txBody>
+                    <a:bodyPr/>
+                    <a:lstStyle/>
+                    <a:p>
+                      <a:endParaRPr lang="fr-CH" dirty="0"/>
+                    </a:p>
+                  </a:txBody>
+                  <a:tcPr/>
+                </a:tc>
+              </a:tr>
+              <a:tr h="370840">
+                <a:tc>
+                  <a:txBody>
+                    <a:bodyPr/>
+                    <a:lstStyle/>
+                    <a:p>
+                      <a:r>
+                        <a:rPr lang="fr-CH" dirty="0" smtClean="0"/>
+                        <a:t>LEN</a:t>
+                      </a:r>
+                      <a:endParaRPr lang="fr-CH" dirty="0"/>
+                    </a:p>
+                  </a:txBody>
+                  <a:tcPr/>
+                </a:tc>
+                <a:tc>
+                  <a:txBody>
+                    <a:bodyPr/>
+                    <a:lstStyle/>
+                    <a:p>
+                      <a:r>
+                        <a:rPr lang="fr-CH" dirty="0" err="1" smtClean="0"/>
+                        <a:t>Length</a:t>
+                      </a:r>
+                      <a:r>
+                        <a:rPr lang="fr-CH" dirty="0" smtClean="0"/>
+                        <a:t> of cigarettes</a:t>
+                      </a:r>
+                      <a:endParaRPr lang="fr-CH" dirty="0"/>
+                    </a:p>
+                  </a:txBody>
+                  <a:tcPr/>
+                </a:tc>
+                <a:tc>
+                  <a:txBody>
+                    <a:bodyPr/>
+                    <a:lstStyle/>
+                    <a:p>
+                      <a:r>
+                        <a:rPr lang="fr-CH" dirty="0" smtClean="0"/>
+                        <a:t>85</a:t>
+                      </a:r>
+                      <a:endParaRPr lang="fr-CH" dirty="0"/>
+                    </a:p>
+                  </a:txBody>
+                  <a:tcPr/>
+                </a:tc>
+                <a:tc>
+                  <a:txBody>
+                    <a:bodyPr/>
+                    <a:lstStyle/>
+                    <a:p>
+                      <a:endParaRPr lang="fr-CH" dirty="0"/>
+                    </a:p>
+                  </a:txBody>
+                  <a:tcPr/>
+                </a:tc>
+              </a:tr>
+              <a:tr h="370840">
+                <a:tc>
+                  <a:txBody>
+                    <a:bodyPr/>
+                    <a:lstStyle/>
+                    <a:p>
+                      <a:r>
+                        <a:rPr lang="fr-CH" dirty="0" smtClean="0"/>
+                        <a:t>LENCATEGORY</a:t>
+                      </a:r>
+                      <a:endParaRPr lang="fr-CH" dirty="0"/>
+                    </a:p>
+                  </a:txBody>
+                  <a:tcPr/>
+                </a:tc>
+                <a:tc>
+                  <a:txBody>
+                    <a:bodyPr/>
+                    <a:lstStyle/>
+                    <a:p>
+                      <a:r>
+                        <a:rPr lang="fr-CH" dirty="0" err="1" smtClean="0"/>
+                        <a:t>Length</a:t>
+                      </a:r>
+                      <a:r>
+                        <a:rPr lang="fr-CH" dirty="0" smtClean="0"/>
+                        <a:t> size</a:t>
+                      </a:r>
+                      <a:endParaRPr lang="fr-CH" dirty="0"/>
+                    </a:p>
+                  </a:txBody>
+                  <a:tcPr/>
+                </a:tc>
+                <a:tc>
+                  <a:txBody>
+                    <a:bodyPr/>
+                    <a:lstStyle/>
+                    <a:p>
+                      <a:r>
+                        <a:rPr lang="fr-CH" dirty="0" smtClean="0"/>
+                        <a:t>King Size, 100s</a:t>
+                      </a:r>
+                      <a:endParaRPr lang="fr-CH" dirty="0"/>
+                    </a:p>
+                  </a:txBody>
+                  <a:tcPr/>
+                </a:tc>
+                <a:tc>
+                  <a:txBody>
+                    <a:bodyPr/>
+                    <a:lstStyle/>
+                    <a:p>
+                      <a:endParaRPr lang="fr-CH" dirty="0"/>
+                    </a:p>
+                  </a:txBody>
+                  <a:tcPr/>
+                </a:tc>
+              </a:tr>
+            </a:tbl>
+          </a:graphicData>
+        </a:graphic>
+      </p:graphicFrame>
+    </p:spTree>
+    <p:extLst>
+      <p:ext uri="{BB962C8B-B14F-4D97-AF65-F5344CB8AC3E}">
+        <p14:creationId xmlns:p14="http://schemas.microsoft.com/office/powerpoint/2010/main" val="936671069"/>
+      </p:ext>
+    </p:extLst>
+  </p:cSld>
+  <p:clrMapOvr>
+    <a:masterClrMapping/>
+  </p:clrMapOvr>
+  <p:timing>
+    <p:tnLst>
+      <p:par>
+        <p:cTn id="1" dur="indefinite" restart="never" nodeType="tmRoot"/>
+      </p:par>
+    </p:tnLst>
+  </p:timing>
+</p:sld>
+</file>
+
+<file path=ppt/slides/slide5.xml><?xml version="1.0" encoding="utf-8"?>
+<p:sld xmlns:a="http://schemas.openxmlformats.org/drawingml/2006/main" xmlns:r="http://schemas.openxmlformats.org/officeDocument/2006/relationships" xmlns:p="http://schemas.openxmlformats.org/presentationml/2006/main">
+  <p:cSld>
+    <p:spTree>
+      <p:nvGrpSpPr>
+        <p:cNvPr id="1" name=""/>
+        <p:cNvGrpSpPr/>
+        <p:nvPr/>
+      </p:nvGrpSpPr>
+      <p:grpSpPr>
+        <a:xfrm>
+          <a:off x="0" y="0"/>
+          <a:ext cx="0" cy="0"/>
+          <a:chOff x="0" y="0"/>
+          <a:chExt cx="0" cy="0"/>
+        </a:xfrm>
+      </p:grpSpPr>
+      <p:sp>
+        <p:nvSpPr>
+          <p:cNvPr id="2" name="Espace réservé du texte 1"/>
+          <p:cNvSpPr>
+            <a:spLocks noGrp="1"/>
+          </p:cNvSpPr>
+          <p:nvPr>
+            <p:ph type="body" sz="quarter" idx="10"/>
+          </p:nvPr>
+        </p:nvSpPr>
+        <p:spPr>
+          <a:xfrm>
+            <a:off x="349119" y="44056"/>
+            <a:ext cx="9206044" cy="339969"/>
+          </a:xfrm>
+        </p:spPr>
+        <p:txBody>
+          <a:bodyPr/>
+          <a:lstStyle/>
+          <a:p>
+            <a:r>
+              <a:rPr lang="fr-CH" dirty="0" smtClean="0"/>
+              <a:t>Data Exploration</a:t>
+            </a:r>
+            <a:endParaRPr lang="fr-CH" dirty="0"/>
+          </a:p>
+        </p:txBody>
+      </p:sp>
+      <p:graphicFrame>
+        <p:nvGraphicFramePr>
+          <p:cNvPr id="5" name="Espace réservé du contenu 5"/>
+          <p:cNvGraphicFramePr>
+            <a:graphicFrameLocks/>
+          </p:cNvGraphicFramePr>
+          <p:nvPr>
+            <p:extLst>
+              <p:ext uri="{D42A27DB-BD31-4B8C-83A1-F6EECF244321}">
+                <p14:modId xmlns:p14="http://schemas.microsoft.com/office/powerpoint/2010/main" val="400492244"/>
+              </p:ext>
+            </p:extLst>
+          </p:nvPr>
+        </p:nvGraphicFramePr>
+        <p:xfrm>
+          <a:off x="349119" y="426358"/>
+          <a:ext cx="9065816" cy="5186680"/>
+        </p:xfrm>
+        <a:graphic>
+          <a:graphicData uri="http://schemas.openxmlformats.org/drawingml/2006/table">
+            <a:tbl>
+              <a:tblPr firstRow="1" bandRow="1">
+                <a:tableStyleId>{5C22544A-7EE6-4342-B048-85BDC9FD1C3A}</a:tableStyleId>
+              </a:tblPr>
+              <a:tblGrid>
+                <a:gridCol w="2266454"/>
+                <a:gridCol w="2266454"/>
+                <a:gridCol w="2266454"/>
+                <a:gridCol w="2266454"/>
+              </a:tblGrid>
+              <a:tr h="370840">
+                <a:tc>
+                  <a:txBody>
+                    <a:bodyPr/>
+                    <a:lstStyle/>
+                    <a:p>
+                      <a:r>
+                        <a:rPr lang="fr-CH" dirty="0" err="1" smtClean="0"/>
+                        <a:t>Feature</a:t>
+                      </a:r>
+                      <a:endParaRPr lang="fr-CH" dirty="0"/>
+                    </a:p>
+                  </a:txBody>
+                  <a:tcPr/>
+                </a:tc>
+                <a:tc>
+                  <a:txBody>
+                    <a:bodyPr/>
+                    <a:lstStyle/>
+                    <a:p>
+                      <a:r>
+                        <a:rPr lang="fr-CH" dirty="0" err="1" smtClean="0"/>
+                        <a:t>Assumption</a:t>
+                      </a:r>
+                      <a:endParaRPr lang="fr-CH" dirty="0"/>
+                    </a:p>
+                  </a:txBody>
+                  <a:tcPr/>
+                </a:tc>
+                <a:tc>
+                  <a:txBody>
+                    <a:bodyPr/>
+                    <a:lstStyle/>
+                    <a:p>
+                      <a:r>
+                        <a:rPr lang="fr-CH" dirty="0" err="1" smtClean="0"/>
+                        <a:t>Example</a:t>
+                      </a:r>
+                      <a:endParaRPr lang="fr-CH" dirty="0"/>
+                    </a:p>
+                  </a:txBody>
+                  <a:tcPr/>
+                </a:tc>
+                <a:tc>
+                  <a:txBody>
+                    <a:bodyPr/>
+                    <a:lstStyle/>
+                    <a:p>
+                      <a:r>
+                        <a:rPr lang="fr-CH" dirty="0" smtClean="0"/>
+                        <a:t>Note</a:t>
+                      </a:r>
+                      <a:endParaRPr lang="fr-CH" dirty="0"/>
+                    </a:p>
+                  </a:txBody>
+                  <a:tcPr/>
+                </a:tc>
+              </a:tr>
+              <a:tr h="370840">
+                <a:tc>
+                  <a:txBody>
+                    <a:bodyPr/>
+                    <a:lstStyle/>
+                    <a:p>
+                      <a:r>
+                        <a:rPr lang="fr-CH" dirty="0" smtClean="0"/>
+                        <a:t>PRICECLASS,</a:t>
+                      </a:r>
+                      <a:r>
+                        <a:rPr lang="fr-CH" baseline="0" dirty="0" smtClean="0"/>
+                        <a:t> ON</a:t>
+                      </a:r>
+                      <a:endParaRPr lang="fr-CH" dirty="0"/>
+                    </a:p>
+                  </a:txBody>
+                  <a:tcPr/>
+                </a:tc>
+                <a:tc>
+                  <a:txBody>
+                    <a:bodyPr/>
+                    <a:lstStyle/>
+                    <a:p>
+                      <a:r>
+                        <a:rPr lang="fr-CH" dirty="0" smtClean="0"/>
+                        <a:t>Price</a:t>
+                      </a:r>
+                      <a:r>
+                        <a:rPr lang="fr-CH" baseline="0" dirty="0" smtClean="0"/>
+                        <a:t> range, </a:t>
+                      </a:r>
+                      <a:r>
+                        <a:rPr lang="fr-CH" baseline="0" dirty="0" err="1" smtClean="0"/>
+                        <a:t>currency</a:t>
+                      </a:r>
+                      <a:r>
+                        <a:rPr lang="fr-CH" baseline="0" dirty="0" smtClean="0"/>
+                        <a:t>?</a:t>
+                      </a:r>
+                      <a:endParaRPr lang="fr-CH" dirty="0"/>
+                    </a:p>
+                  </a:txBody>
+                  <a:tcPr/>
+                </a:tc>
+                <a:tc>
+                  <a:txBody>
+                    <a:bodyPr/>
+                    <a:lstStyle/>
+                    <a:p>
+                      <a:endParaRPr lang="fr-CH" dirty="0"/>
+                    </a:p>
+                  </a:txBody>
+                  <a:tcPr/>
+                </a:tc>
+                <a:tc>
+                  <a:txBody>
+                    <a:bodyPr/>
+                    <a:lstStyle/>
+                    <a:p>
+                      <a:endParaRPr lang="fr-CH" dirty="0"/>
+                    </a:p>
+                  </a:txBody>
+                  <a:tcPr/>
+                </a:tc>
+              </a:tr>
+              <a:tr h="370840">
+                <a:tc>
+                  <a:txBody>
+                    <a:bodyPr/>
+                    <a:lstStyle/>
+                    <a:p>
+                      <a:r>
+                        <a:rPr lang="fr-CH" dirty="0" smtClean="0"/>
+                        <a:t>LOCALCLASS</a:t>
+                      </a:r>
+                      <a:endParaRPr lang="fr-CH" dirty="0"/>
+                    </a:p>
+                  </a:txBody>
+                  <a:tcPr/>
+                </a:tc>
+                <a:tc>
+                  <a:txBody>
+                    <a:bodyPr/>
+                    <a:lstStyle/>
+                    <a:p>
+                      <a:r>
+                        <a:rPr lang="fr-CH" dirty="0" smtClean="0"/>
+                        <a:t>Local </a:t>
+                      </a:r>
+                      <a:r>
+                        <a:rPr lang="fr-CH" dirty="0" err="1" smtClean="0"/>
+                        <a:t>price</a:t>
+                      </a:r>
+                      <a:r>
+                        <a:rPr lang="fr-CH" dirty="0" smtClean="0"/>
+                        <a:t> class?</a:t>
+                      </a:r>
+                      <a:endParaRPr lang="fr-CH" dirty="0"/>
+                    </a:p>
+                  </a:txBody>
+                  <a:tcPr/>
+                </a:tc>
+                <a:tc>
+                  <a:txBody>
+                    <a:bodyPr/>
+                    <a:lstStyle/>
+                    <a:p>
+                      <a:endParaRPr lang="fr-CH"/>
+                    </a:p>
+                  </a:txBody>
+                  <a:tcPr/>
+                </a:tc>
+                <a:tc>
+                  <a:txBody>
+                    <a:bodyPr/>
+                    <a:lstStyle/>
+                    <a:p>
+                      <a:endParaRPr lang="fr-CH" dirty="0"/>
+                    </a:p>
+                  </a:txBody>
+                  <a:tcPr/>
+                </a:tc>
+              </a:tr>
+              <a:tr h="370840">
+                <a:tc>
+                  <a:txBody>
+                    <a:bodyPr/>
+                    <a:lstStyle/>
+                    <a:p>
+                      <a:r>
+                        <a:rPr lang="fr-CH" dirty="0" smtClean="0"/>
+                        <a:t>MINDICATOR</a:t>
+                      </a:r>
+                      <a:endParaRPr lang="fr-CH" dirty="0"/>
+                    </a:p>
+                  </a:txBody>
+                  <a:tcPr/>
+                </a:tc>
+                <a:tc>
+                  <a:txBody>
+                    <a:bodyPr/>
+                    <a:lstStyle/>
+                    <a:p>
+                      <a:r>
+                        <a:rPr lang="fr-CH" dirty="0" smtClean="0"/>
+                        <a:t>Menthol</a:t>
+                      </a:r>
+                      <a:r>
+                        <a:rPr lang="fr-CH" baseline="0" dirty="0" smtClean="0"/>
+                        <a:t> </a:t>
+                      </a:r>
+                      <a:r>
+                        <a:rPr lang="fr-CH" baseline="0" dirty="0" err="1" smtClean="0"/>
+                        <a:t>Indicator</a:t>
+                      </a:r>
+                      <a:endParaRPr lang="fr-CH" dirty="0"/>
+                    </a:p>
+                  </a:txBody>
+                  <a:tcPr/>
+                </a:tc>
+                <a:tc>
+                  <a:txBody>
+                    <a:bodyPr/>
+                    <a:lstStyle/>
+                    <a:p>
+                      <a:r>
+                        <a:rPr lang="fr-CH" dirty="0" smtClean="0"/>
+                        <a:t>Y/N</a:t>
+                      </a:r>
+                      <a:endParaRPr lang="fr-CH" dirty="0"/>
+                    </a:p>
+                  </a:txBody>
+                  <a:tcPr/>
+                </a:tc>
+                <a:tc>
+                  <a:txBody>
+                    <a:bodyPr/>
+                    <a:lstStyle/>
+                    <a:p>
+                      <a:endParaRPr lang="fr-CH" dirty="0"/>
+                    </a:p>
+                  </a:txBody>
+                  <a:tcPr/>
+                </a:tc>
+              </a:tr>
+              <a:tr h="370840">
+                <a:tc>
+                  <a:txBody>
+                    <a:bodyPr/>
+                    <a:lstStyle/>
+                    <a:p>
+                      <a:r>
+                        <a:rPr lang="fr-CH" dirty="0" smtClean="0"/>
+                        <a:t>NCON</a:t>
+                      </a:r>
+                      <a:endParaRPr lang="fr-CH" dirty="0"/>
+                    </a:p>
+                  </a:txBody>
+                  <a:tcPr/>
+                </a:tc>
+                <a:tc>
+                  <a:txBody>
+                    <a:bodyPr/>
+                    <a:lstStyle/>
+                    <a:p>
+                      <a:r>
+                        <a:rPr lang="fr-CH" dirty="0" smtClean="0"/>
+                        <a:t>Nicotine Content</a:t>
+                      </a:r>
+                      <a:endParaRPr lang="fr-CH" dirty="0"/>
+                    </a:p>
+                  </a:txBody>
+                  <a:tcPr/>
+                </a:tc>
+                <a:tc>
+                  <a:txBody>
+                    <a:bodyPr/>
+                    <a:lstStyle/>
+                    <a:p>
+                      <a:r>
+                        <a:rPr lang="fr-CH" dirty="0" smtClean="0"/>
+                        <a:t>0,6</a:t>
+                      </a:r>
+                      <a:endParaRPr lang="fr-CH" dirty="0"/>
+                    </a:p>
+                  </a:txBody>
+                  <a:tcPr/>
+                </a:tc>
+                <a:tc>
+                  <a:txBody>
+                    <a:bodyPr/>
+                    <a:lstStyle/>
+                    <a:p>
+                      <a:endParaRPr lang="fr-CH"/>
+                    </a:p>
+                  </a:txBody>
+                  <a:tcPr/>
+                </a:tc>
+              </a:tr>
+              <a:tr h="284232">
+                <a:tc>
+                  <a:txBody>
+                    <a:bodyPr/>
+                    <a:lstStyle/>
+                    <a:p>
+                      <a:r>
+                        <a:rPr lang="fr-CH" dirty="0" smtClean="0"/>
+                        <a:t>NPLLAUNCHDATE</a:t>
+                      </a:r>
+                      <a:endParaRPr lang="fr-CH" dirty="0"/>
+                    </a:p>
+                  </a:txBody>
+                  <a:tcPr/>
+                </a:tc>
+                <a:tc>
+                  <a:txBody>
+                    <a:bodyPr/>
+                    <a:lstStyle/>
+                    <a:p>
+                      <a:r>
+                        <a:rPr lang="fr-CH" dirty="0" smtClean="0"/>
+                        <a:t>New</a:t>
+                      </a:r>
+                      <a:r>
+                        <a:rPr lang="fr-CH" baseline="0" dirty="0" smtClean="0"/>
+                        <a:t> Product </a:t>
+                      </a:r>
+                      <a:r>
+                        <a:rPr lang="fr-CH" baseline="0" dirty="0" err="1" smtClean="0"/>
+                        <a:t>Launch</a:t>
+                      </a:r>
+                      <a:endParaRPr lang="fr-CH" dirty="0"/>
+                    </a:p>
+                  </a:txBody>
+                  <a:tcPr/>
+                </a:tc>
+                <a:tc>
+                  <a:txBody>
+                    <a:bodyPr/>
+                    <a:lstStyle/>
+                    <a:p>
+                      <a:r>
+                        <a:rPr lang="fr-CH" dirty="0" smtClean="0"/>
+                        <a:t>Jan 2008</a:t>
+                      </a:r>
+                      <a:endParaRPr lang="fr-CH" dirty="0"/>
+                    </a:p>
+                  </a:txBody>
+                  <a:tcPr/>
+                </a:tc>
+                <a:tc>
+                  <a:txBody>
+                    <a:bodyPr/>
+                    <a:lstStyle/>
+                    <a:p>
+                      <a:endParaRPr lang="fr-CH" dirty="0"/>
+                    </a:p>
+                  </a:txBody>
+                  <a:tcPr/>
+                </a:tc>
+              </a:tr>
+              <a:tr h="370840">
+                <a:tc>
+                  <a:txBody>
+                    <a:bodyPr/>
+                    <a:lstStyle/>
+                    <a:p>
+                      <a:r>
+                        <a:rPr lang="fr-CH" dirty="0" smtClean="0"/>
+                        <a:t>NPLLAUNCHYEAR</a:t>
+                      </a:r>
+                      <a:endParaRPr lang="fr-CH" dirty="0"/>
+                    </a:p>
+                  </a:txBody>
+                  <a:tcPr/>
+                </a:tc>
+                <a:tc>
+                  <a:txBody>
+                    <a:bodyPr/>
+                    <a:lstStyle/>
+                    <a:p>
+                      <a:endParaRPr lang="fr-CH"/>
+                    </a:p>
+                  </a:txBody>
+                  <a:tcPr/>
+                </a:tc>
+                <a:tc>
+                  <a:txBody>
+                    <a:bodyPr/>
+                    <a:lstStyle/>
+                    <a:p>
+                      <a:r>
+                        <a:rPr lang="fr-CH" dirty="0" smtClean="0"/>
+                        <a:t>2008</a:t>
+                      </a:r>
+                      <a:endParaRPr lang="fr-CH" dirty="0"/>
+                    </a:p>
+                  </a:txBody>
+                  <a:tcPr/>
+                </a:tc>
+                <a:tc>
+                  <a:txBody>
+                    <a:bodyPr/>
+                    <a:lstStyle/>
+                    <a:p>
+                      <a:endParaRPr lang="fr-CH" dirty="0"/>
+                    </a:p>
+                  </a:txBody>
+                  <a:tcPr/>
+                </a:tc>
+              </a:tr>
+              <a:tr h="370840">
+                <a:tc>
+                  <a:txBody>
+                    <a:bodyPr/>
+                    <a:lstStyle/>
+                    <a:p>
+                      <a:r>
+                        <a:rPr lang="fr-CH" dirty="0" smtClean="0"/>
+                        <a:t>PCKT</a:t>
+                      </a:r>
+                      <a:endParaRPr lang="fr-CH" dirty="0"/>
+                    </a:p>
+                  </a:txBody>
+                  <a:tcPr/>
+                </a:tc>
+                <a:tc>
+                  <a:txBody>
+                    <a:bodyPr/>
+                    <a:lstStyle/>
+                    <a:p>
+                      <a:r>
+                        <a:rPr lang="fr-CH" dirty="0" err="1" smtClean="0"/>
+                        <a:t>Packet</a:t>
+                      </a:r>
+                      <a:r>
+                        <a:rPr lang="fr-CH" dirty="0" smtClean="0"/>
+                        <a:t> Type?</a:t>
+                      </a:r>
+                      <a:endParaRPr lang="fr-CH" dirty="0"/>
+                    </a:p>
+                  </a:txBody>
+                  <a:tcPr/>
+                </a:tc>
+                <a:tc>
+                  <a:txBody>
+                    <a:bodyPr/>
+                    <a:lstStyle/>
+                    <a:p>
+                      <a:endParaRPr lang="fr-CH" dirty="0"/>
+                    </a:p>
+                  </a:txBody>
+                  <a:tcPr/>
+                </a:tc>
+                <a:tc>
+                  <a:txBody>
+                    <a:bodyPr/>
+                    <a:lstStyle/>
+                    <a:p>
+                      <a:endParaRPr lang="fr-CH"/>
+                    </a:p>
+                  </a:txBody>
+                  <a:tcPr/>
+                </a:tc>
+              </a:tr>
+              <a:tr h="370840">
+                <a:tc>
+                  <a:txBody>
+                    <a:bodyPr/>
+                    <a:lstStyle/>
+                    <a:p>
+                      <a:r>
+                        <a:rPr lang="fr-CH" dirty="0" smtClean="0"/>
+                        <a:t>TCLASS</a:t>
+                      </a:r>
+                      <a:endParaRPr lang="fr-CH" dirty="0"/>
+                    </a:p>
+                  </a:txBody>
+                  <a:tcPr/>
+                </a:tc>
+                <a:tc>
+                  <a:txBody>
+                    <a:bodyPr/>
+                    <a:lstStyle/>
+                    <a:p>
+                      <a:r>
+                        <a:rPr lang="fr-CH" dirty="0" err="1" smtClean="0"/>
+                        <a:t>Trademark</a:t>
+                      </a:r>
+                      <a:r>
+                        <a:rPr lang="fr-CH" dirty="0" smtClean="0"/>
+                        <a:t>?</a:t>
+                      </a:r>
+                      <a:endParaRPr lang="fr-CH" dirty="0"/>
+                    </a:p>
+                  </a:txBody>
+                  <a:tcPr/>
+                </a:tc>
+                <a:tc>
+                  <a:txBody>
+                    <a:bodyPr/>
+                    <a:lstStyle/>
+                    <a:p>
+                      <a:endParaRPr lang="fr-CH"/>
+                    </a:p>
+                  </a:txBody>
+                  <a:tcPr/>
+                </a:tc>
+                <a:tc>
+                  <a:txBody>
+                    <a:bodyPr/>
+                    <a:lstStyle/>
+                    <a:p>
+                      <a:endParaRPr lang="fr-CH" dirty="0"/>
+                    </a:p>
+                  </a:txBody>
+                  <a:tcPr/>
+                </a:tc>
+              </a:tr>
+              <a:tr h="370840">
+                <a:tc>
+                  <a:txBody>
+                    <a:bodyPr/>
+                    <a:lstStyle/>
+                    <a:p>
+                      <a:r>
+                        <a:rPr lang="fr-CH" dirty="0" smtClean="0"/>
+                        <a:t>RETAILPACKPRICE</a:t>
+                      </a:r>
+                      <a:endParaRPr lang="fr-CH" dirty="0"/>
+                    </a:p>
+                  </a:txBody>
+                  <a:tcPr/>
+                </a:tc>
+                <a:tc>
+                  <a:txBody>
+                    <a:bodyPr/>
+                    <a:lstStyle/>
+                    <a:p>
+                      <a:r>
+                        <a:rPr lang="fr-CH" dirty="0" smtClean="0"/>
+                        <a:t>Local</a:t>
+                      </a:r>
+                      <a:r>
+                        <a:rPr lang="fr-CH" baseline="0" dirty="0" smtClean="0"/>
+                        <a:t> </a:t>
+                      </a:r>
+                      <a:r>
+                        <a:rPr lang="fr-CH" baseline="0" dirty="0" err="1" smtClean="0"/>
+                        <a:t>price</a:t>
+                      </a:r>
+                      <a:endParaRPr lang="fr-CH" dirty="0"/>
+                    </a:p>
+                  </a:txBody>
+                  <a:tcPr/>
+                </a:tc>
+                <a:tc>
+                  <a:txBody>
+                    <a:bodyPr/>
+                    <a:lstStyle/>
+                    <a:p>
+                      <a:endParaRPr lang="fr-CH"/>
+                    </a:p>
+                  </a:txBody>
+                  <a:tcPr/>
+                </a:tc>
+                <a:tc>
+                  <a:txBody>
+                    <a:bodyPr/>
+                    <a:lstStyle/>
+                    <a:p>
+                      <a:r>
+                        <a:rPr lang="fr-CH" dirty="0" err="1" smtClean="0"/>
+                        <a:t>Unstandardized</a:t>
+                      </a:r>
+                      <a:endParaRPr lang="fr-CH" dirty="0"/>
+                    </a:p>
+                  </a:txBody>
+                  <a:tcPr/>
+                </a:tc>
+              </a:tr>
+              <a:tr h="370840">
+                <a:tc>
+                  <a:txBody>
+                    <a:bodyPr/>
+                    <a:lstStyle/>
+                    <a:p>
+                      <a:r>
+                        <a:rPr lang="fr-CH" dirty="0" smtClean="0"/>
+                        <a:t>TRCONTE</a:t>
+                      </a:r>
+                      <a:endParaRPr lang="fr-CH" dirty="0"/>
+                    </a:p>
+                  </a:txBody>
+                  <a:tcPr/>
+                </a:tc>
+                <a:tc>
+                  <a:txBody>
+                    <a:bodyPr/>
+                    <a:lstStyle/>
+                    <a:p>
+                      <a:r>
+                        <a:rPr lang="fr-CH" dirty="0" smtClean="0"/>
+                        <a:t>Content?</a:t>
+                      </a:r>
+                      <a:endParaRPr lang="fr-CH" dirty="0"/>
+                    </a:p>
+                  </a:txBody>
+                  <a:tcPr/>
+                </a:tc>
+                <a:tc>
+                  <a:txBody>
+                    <a:bodyPr/>
+                    <a:lstStyle/>
+                    <a:p>
+                      <a:endParaRPr lang="fr-CH"/>
+                    </a:p>
+                  </a:txBody>
+                  <a:tcPr/>
+                </a:tc>
+                <a:tc>
+                  <a:txBody>
+                    <a:bodyPr/>
+                    <a:lstStyle/>
+                    <a:p>
+                      <a:endParaRPr lang="fr-CH"/>
+                    </a:p>
+                  </a:txBody>
+                  <a:tcPr/>
+                </a:tc>
+              </a:tr>
+              <a:tr h="370840">
+                <a:tc>
+                  <a:txBody>
+                    <a:bodyPr/>
+                    <a:lstStyle/>
+                    <a:p>
+                      <a:r>
+                        <a:rPr lang="fr-CH" dirty="0" smtClean="0"/>
+                        <a:t>THICATEGORY</a:t>
+                      </a:r>
+                      <a:endParaRPr lang="fr-CH" dirty="0"/>
+                    </a:p>
+                  </a:txBody>
+                  <a:tcPr/>
+                </a:tc>
+                <a:tc>
+                  <a:txBody>
+                    <a:bodyPr/>
+                    <a:lstStyle/>
+                    <a:p>
+                      <a:r>
+                        <a:rPr lang="fr-CH" dirty="0" err="1" smtClean="0"/>
+                        <a:t>Thickness</a:t>
+                      </a:r>
+                      <a:endParaRPr lang="fr-CH" dirty="0"/>
+                    </a:p>
+                  </a:txBody>
+                  <a:tcPr/>
+                </a:tc>
+                <a:tc>
+                  <a:txBody>
+                    <a:bodyPr/>
+                    <a:lstStyle/>
+                    <a:p>
+                      <a:r>
+                        <a:rPr lang="fr-CH" dirty="0" smtClean="0"/>
+                        <a:t>Regular</a:t>
+                      </a:r>
+                      <a:endParaRPr lang="fr-CH" dirty="0"/>
+                    </a:p>
+                  </a:txBody>
+                  <a:tcPr/>
+                </a:tc>
+                <a:tc>
+                  <a:txBody>
+                    <a:bodyPr/>
+                    <a:lstStyle/>
+                    <a:p>
+                      <a:endParaRPr lang="fr-CH" dirty="0"/>
+                    </a:p>
+                  </a:txBody>
+                  <a:tcPr/>
+                </a:tc>
+              </a:tr>
+              <a:tr h="370840">
+                <a:tc>
+                  <a:txBody>
+                    <a:bodyPr/>
+                    <a:lstStyle/>
+                    <a:p>
+                      <a:r>
+                        <a:rPr lang="fr-CH" dirty="0" smtClean="0"/>
+                        <a:t>TIPCOLOR</a:t>
+                      </a:r>
+                      <a:endParaRPr lang="fr-CH" dirty="0"/>
+                    </a:p>
+                  </a:txBody>
+                  <a:tcPr/>
+                </a:tc>
+                <a:tc>
+                  <a:txBody>
+                    <a:bodyPr/>
+                    <a:lstStyle/>
+                    <a:p>
+                      <a:r>
+                        <a:rPr lang="fr-CH" dirty="0" err="1" smtClean="0"/>
+                        <a:t>Color</a:t>
+                      </a:r>
+                      <a:r>
+                        <a:rPr lang="fr-CH" dirty="0" smtClean="0"/>
+                        <a:t> (</a:t>
+                      </a:r>
+                      <a:r>
+                        <a:rPr lang="fr-CH" dirty="0" err="1" smtClean="0"/>
+                        <a:t>butt</a:t>
+                      </a:r>
+                      <a:r>
+                        <a:rPr lang="fr-CH" dirty="0" smtClean="0"/>
+                        <a:t>)?</a:t>
+                      </a:r>
+                      <a:endParaRPr lang="fr-CH" dirty="0"/>
+                    </a:p>
+                  </a:txBody>
+                  <a:tcPr/>
+                </a:tc>
+                <a:tc>
+                  <a:txBody>
+                    <a:bodyPr/>
+                    <a:lstStyle/>
+                    <a:p>
+                      <a:endParaRPr lang="fr-CH"/>
+                    </a:p>
+                  </a:txBody>
+                  <a:tcPr/>
+                </a:tc>
+                <a:tc>
+                  <a:txBody>
+                    <a:bodyPr/>
+                    <a:lstStyle/>
+                    <a:p>
+                      <a:endParaRPr lang="fr-CH" dirty="0"/>
+                    </a:p>
+                  </a:txBody>
+                  <a:tcPr/>
+                </a:tc>
+              </a:tr>
+              <a:tr h="370840">
+                <a:tc>
+                  <a:txBody>
+                    <a:bodyPr/>
+                    <a:lstStyle/>
+                    <a:p>
+                      <a:r>
+                        <a:rPr lang="fr-CH" dirty="0" smtClean="0"/>
+                        <a:t>TRACKINGSTATUS</a:t>
+                      </a:r>
+                      <a:endParaRPr lang="fr-CH" dirty="0"/>
+                    </a:p>
+                  </a:txBody>
+                  <a:tcPr/>
+                </a:tc>
+                <a:tc>
+                  <a:txBody>
+                    <a:bodyPr/>
+                    <a:lstStyle/>
+                    <a:p>
+                      <a:endParaRPr lang="fr-CH"/>
+                    </a:p>
+                  </a:txBody>
+                  <a:tcPr/>
+                </a:tc>
+                <a:tc>
+                  <a:txBody>
+                    <a:bodyPr/>
+                    <a:lstStyle/>
+                    <a:p>
+                      <a:endParaRPr lang="fr-CH"/>
+                    </a:p>
+                  </a:txBody>
+                  <a:tcPr/>
+                </a:tc>
+                <a:tc>
+                  <a:txBody>
+                    <a:bodyPr/>
+                    <a:lstStyle/>
+                    <a:p>
+                      <a:endParaRPr lang="fr-CH" dirty="0"/>
+                    </a:p>
+                  </a:txBody>
+                  <a:tcPr/>
+                </a:tc>
+              </a:tr>
+            </a:tbl>
+          </a:graphicData>
+        </a:graphic>
+      </p:graphicFrame>
+    </p:spTree>
+    <p:extLst>
+      <p:ext uri="{BB962C8B-B14F-4D97-AF65-F5344CB8AC3E}">
+        <p14:creationId xmlns:p14="http://schemas.microsoft.com/office/powerpoint/2010/main" val="4099842307"/>
+      </p:ext>
+    </p:extLst>
+  </p:cSld>
+  <p:clrMapOvr>
+    <a:masterClrMapping/>
+  </p:clrMapOvr>
+  <p:timing>
+    <p:tnLst>
+      <p:par>
+        <p:cTn id="1" dur="indefinite" restart="never" nodeType="tmRoot"/>
+      </p:par>
+    </p:tnLst>
+  </p:timing>
+</p:sld>
+</file>
+
+<file path=ppt/slides/slide6.xml><?xml version="1.0" encoding="utf-8"?>
+<p:sld xmlns:a="http://schemas.openxmlformats.org/drawingml/2006/main" xmlns:r="http://schemas.openxmlformats.org/officeDocument/2006/relationships" xmlns:p="http://schemas.openxmlformats.org/presentationml/2006/main">
+  <p:cSld>
+    <p:spTree>
+      <p:nvGrpSpPr>
+        <p:cNvPr id="1" name=""/>
+        <p:cNvGrpSpPr/>
+        <p:nvPr/>
+      </p:nvGrpSpPr>
+      <p:grpSpPr>
+        <a:xfrm>
+          <a:off x="0" y="0"/>
+          <a:ext cx="0" cy="0"/>
+          <a:chOff x="0" y="0"/>
+          <a:chExt cx="0" cy="0"/>
+        </a:xfrm>
+      </p:grpSpPr>
+      <p:pic>
+        <p:nvPicPr>
+          <p:cNvPr id="4101" name="Picture 5" descr="C:\Users\Louis\Documents\GitHub\PMItest\image\BRMID_dist.png"/>
+          <p:cNvPicPr>
+            <a:picLocks noChangeAspect="1" noChangeArrowheads="1"/>
+          </p:cNvPicPr>
+          <p:nvPr/>
+        </p:nvPicPr>
+        <p:blipFill>
+          <a:blip r:embed="rId2">
+            <a:extLst>
+              <a:ext uri="{28A0092B-C50C-407E-A947-70E740481C1C}">
+                <a14:useLocalDpi xmlns:a14="http://schemas.microsoft.com/office/drawing/2010/main" val="0"/>
+              </a:ext>
+            </a:extLst>
+          </a:blip>
+          <a:srcRect/>
+          <a:stretch>
+            <a:fillRect/>
+          </a:stretch>
+        </p:blipFill>
+        <p:spPr bwMode="auto">
+          <a:xfrm>
+            <a:off x="1041338" y="1751995"/>
+            <a:ext cx="3007776" cy="1336685"/>
+          </a:xfrm>
+          <a:prstGeom prst="rect">
+            <a:avLst/>
+          </a:prstGeom>
+          <a:noFill/>
+          <a:extLst>
+            <a:ext uri="{909E8E84-426E-40DD-AFC4-6F175D3DCCD1}">
+              <a14:hiddenFill xmlns:a14="http://schemas.microsoft.com/office/drawing/2010/main">
+                <a:solidFill>
+                  <a:srgbClr val="FFFFFF"/>
+                </a:solidFill>
+              </a14:hiddenFill>
+            </a:ext>
+          </a:extLst>
+        </p:spPr>
+      </p:pic>
+      <p:sp>
+        <p:nvSpPr>
+          <p:cNvPr id="11" name="ZoneTexte 10"/>
+          <p:cNvSpPr txBox="1"/>
+          <p:nvPr/>
+        </p:nvSpPr>
+        <p:spPr>
+          <a:xfrm>
+            <a:off x="349119" y="1390757"/>
+            <a:ext cx="4392214" cy="5570756"/>
+          </a:xfrm>
+          <a:prstGeom prst="rect">
+            <a:avLst/>
+          </a:prstGeom>
+          <a:noFill/>
+        </p:spPr>
+        <p:txBody>
+          <a:bodyPr wrap="square" rtlCol="0">
+            <a:spAutoFit/>
+          </a:bodyPr>
+          <a:lstStyle/>
+          <a:p>
+            <a:pPr algn="ctr"/>
+            <a:r>
+              <a:rPr lang="en-US" sz="1400" dirty="0">
+                <a:solidFill>
+                  <a:srgbClr val="4D4F53"/>
+                </a:solidFill>
+              </a:rPr>
+              <a:t>Nominal</a:t>
+            </a:r>
+          </a:p>
+          <a:p>
+            <a:pPr marL="171450" indent="-171450">
+              <a:buClr>
+                <a:srgbClr val="A71930"/>
+              </a:buClr>
+              <a:buFont typeface="Arial" panose="020B0604020202020204" pitchFamily="34" charset="0"/>
+              <a:buChar char="•"/>
+            </a:pPr>
+            <a:r>
+              <a:rPr lang="en-US" sz="1200" b="1" dirty="0" smtClean="0">
+                <a:solidFill>
+                  <a:srgbClr val="4D4F53"/>
+                </a:solidFill>
+              </a:rPr>
+              <a:t>Binary</a:t>
+            </a:r>
+            <a:r>
+              <a:rPr lang="en-US" sz="1200" dirty="0" smtClean="0">
+                <a:solidFill>
+                  <a:srgbClr val="4D4F53"/>
+                </a:solidFill>
+              </a:rPr>
+              <a:t>: 0/1 Encoding, e.g. CHARINDICATOR, MINDICATOR…</a:t>
+            </a:r>
+          </a:p>
+          <a:p>
+            <a:pPr>
+              <a:buClr>
+                <a:srgbClr val="A71930"/>
+              </a:buClr>
+            </a:pPr>
+            <a:endParaRPr lang="en-US" sz="1200" dirty="0" smtClean="0">
+              <a:solidFill>
+                <a:srgbClr val="4D4F53"/>
+              </a:solidFill>
+            </a:endParaRPr>
+          </a:p>
+          <a:p>
+            <a:pPr>
+              <a:buClr>
+                <a:srgbClr val="A71930"/>
+              </a:buClr>
+            </a:pPr>
+            <a:endParaRPr lang="en-US" sz="1200" dirty="0">
+              <a:solidFill>
+                <a:srgbClr val="4D4F53"/>
+              </a:solidFill>
+            </a:endParaRPr>
+          </a:p>
+          <a:p>
+            <a:pPr>
+              <a:buClr>
+                <a:srgbClr val="A71930"/>
+              </a:buClr>
+            </a:pPr>
+            <a:endParaRPr lang="en-US" sz="1200" dirty="0" smtClean="0">
+              <a:solidFill>
+                <a:srgbClr val="4D4F53"/>
+              </a:solidFill>
+            </a:endParaRPr>
+          </a:p>
+          <a:p>
+            <a:pPr>
+              <a:buClr>
+                <a:srgbClr val="A71930"/>
+              </a:buClr>
+            </a:pPr>
+            <a:endParaRPr lang="en-US" sz="1200" dirty="0" smtClean="0">
+              <a:solidFill>
+                <a:srgbClr val="4D4F53"/>
+              </a:solidFill>
+            </a:endParaRPr>
+          </a:p>
+          <a:p>
+            <a:pPr>
+              <a:buClr>
+                <a:srgbClr val="A71930"/>
+              </a:buClr>
+            </a:pPr>
+            <a:endParaRPr lang="en-US" sz="1200" dirty="0">
+              <a:solidFill>
+                <a:srgbClr val="4D4F53"/>
+              </a:solidFill>
+            </a:endParaRPr>
+          </a:p>
+          <a:p>
+            <a:pPr>
+              <a:buClr>
+                <a:srgbClr val="A71930"/>
+              </a:buClr>
+            </a:pPr>
+            <a:endParaRPr lang="en-US" sz="1200" dirty="0" smtClean="0">
+              <a:solidFill>
+                <a:srgbClr val="4D4F53"/>
+              </a:solidFill>
+            </a:endParaRPr>
+          </a:p>
+          <a:p>
+            <a:pPr marL="171450" indent="-171450">
+              <a:buClr>
+                <a:srgbClr val="A71930"/>
+              </a:buClr>
+              <a:buFont typeface="Arial" panose="020B0604020202020204" pitchFamily="34" charset="0"/>
+              <a:buChar char="•"/>
+            </a:pPr>
+            <a:endParaRPr lang="en-US" sz="1200" dirty="0" smtClean="0">
+              <a:solidFill>
+                <a:srgbClr val="4D4F53"/>
+              </a:solidFill>
+            </a:endParaRPr>
+          </a:p>
+          <a:p>
+            <a:pPr marL="171450" indent="-171450">
+              <a:buClr>
+                <a:srgbClr val="A71930"/>
+              </a:buClr>
+              <a:buFont typeface="Arial" panose="020B0604020202020204" pitchFamily="34" charset="0"/>
+              <a:buChar char="•"/>
+            </a:pPr>
+            <a:r>
+              <a:rPr lang="en-US" sz="1200" dirty="0" smtClean="0">
+                <a:solidFill>
+                  <a:srgbClr val="4D4F53"/>
+                </a:solidFill>
+              </a:rPr>
+              <a:t>Low </a:t>
+            </a:r>
+            <a:r>
+              <a:rPr lang="en-US" sz="1200" dirty="0">
+                <a:solidFill>
+                  <a:srgbClr val="4D4F53"/>
+                </a:solidFill>
+              </a:rPr>
+              <a:t>Cardinality: </a:t>
+            </a:r>
+            <a:r>
+              <a:rPr lang="en-US" sz="1200" b="1" dirty="0">
+                <a:solidFill>
+                  <a:srgbClr val="4D4F53"/>
+                </a:solidFill>
+              </a:rPr>
+              <a:t>One Hot Encoder</a:t>
+            </a:r>
+            <a:r>
+              <a:rPr lang="en-US" sz="1200" dirty="0">
+                <a:solidFill>
+                  <a:srgbClr val="4D4F53"/>
+                </a:solidFill>
+              </a:rPr>
+              <a:t> (K-1 binary classes), e.g. </a:t>
+            </a:r>
+            <a:r>
+              <a:rPr lang="en-US" sz="1200" dirty="0">
+                <a:solidFill>
+                  <a:srgbClr val="4D4F53"/>
+                </a:solidFill>
+              </a:rPr>
+              <a:t>REGION</a:t>
+            </a:r>
+          </a:p>
+          <a:p>
+            <a:pPr marL="171450" indent="-171450">
+              <a:buClr>
+                <a:srgbClr val="A71930"/>
+              </a:buClr>
+              <a:buFont typeface="Arial" panose="020B0604020202020204" pitchFamily="34" charset="0"/>
+              <a:buChar char="•"/>
+            </a:pPr>
+            <a:r>
+              <a:rPr lang="en-US" sz="1200" dirty="0">
+                <a:solidFill>
+                  <a:srgbClr val="4D4F53"/>
+                </a:solidFill>
+              </a:rPr>
+              <a:t>High Cardinality highly skewed: OHE on 0,95 percentile of sample and new class for OTHER 5%, e.g</a:t>
+            </a:r>
+            <a:r>
+              <a:rPr lang="en-US" sz="1200" dirty="0" smtClean="0">
+                <a:solidFill>
+                  <a:srgbClr val="4D4F53"/>
+                </a:solidFill>
+              </a:rPr>
+              <a:t>.</a:t>
+            </a:r>
+          </a:p>
+          <a:p>
+            <a:pPr marL="171450" indent="-171450">
+              <a:buClr>
+                <a:srgbClr val="A71930"/>
+              </a:buClr>
+              <a:buFont typeface="Arial" panose="020B0604020202020204" pitchFamily="34" charset="0"/>
+              <a:buChar char="•"/>
+            </a:pPr>
+            <a:endParaRPr lang="en-US" sz="1200" dirty="0">
+              <a:solidFill>
+                <a:srgbClr val="4D4F53"/>
+              </a:solidFill>
+            </a:endParaRPr>
+          </a:p>
+          <a:p>
+            <a:pPr marL="171450" indent="-171450">
+              <a:buClr>
+                <a:srgbClr val="A71930"/>
+              </a:buClr>
+              <a:buFont typeface="Arial" panose="020B0604020202020204" pitchFamily="34" charset="0"/>
+              <a:buChar char="•"/>
+            </a:pPr>
+            <a:endParaRPr lang="en-US" sz="1200" dirty="0" smtClean="0">
+              <a:solidFill>
+                <a:srgbClr val="4D4F53"/>
+              </a:solidFill>
+            </a:endParaRPr>
+          </a:p>
+          <a:p>
+            <a:pPr marL="171450" indent="-171450">
+              <a:buClr>
+                <a:srgbClr val="A71930"/>
+              </a:buClr>
+              <a:buFont typeface="Arial" panose="020B0604020202020204" pitchFamily="34" charset="0"/>
+              <a:buChar char="•"/>
+            </a:pPr>
+            <a:endParaRPr lang="en-US" sz="1200" dirty="0">
+              <a:solidFill>
+                <a:srgbClr val="4D4F53"/>
+              </a:solidFill>
+            </a:endParaRPr>
+          </a:p>
+          <a:p>
+            <a:pPr marL="171450" indent="-171450">
+              <a:buClr>
+                <a:srgbClr val="A71930"/>
+              </a:buClr>
+              <a:buFont typeface="Arial" panose="020B0604020202020204" pitchFamily="34" charset="0"/>
+              <a:buChar char="•"/>
+            </a:pPr>
+            <a:endParaRPr lang="en-US" sz="1200" dirty="0" smtClean="0">
+              <a:solidFill>
+                <a:srgbClr val="4D4F53"/>
+              </a:solidFill>
+            </a:endParaRPr>
+          </a:p>
+          <a:p>
+            <a:pPr marL="171450" indent="-171450">
+              <a:buClr>
+                <a:srgbClr val="A71930"/>
+              </a:buClr>
+              <a:buFont typeface="Arial" panose="020B0604020202020204" pitchFamily="34" charset="0"/>
+              <a:buChar char="•"/>
+            </a:pPr>
+            <a:endParaRPr lang="en-US" sz="1200" dirty="0">
+              <a:solidFill>
+                <a:srgbClr val="4D4F53"/>
+              </a:solidFill>
+            </a:endParaRPr>
+          </a:p>
+          <a:p>
+            <a:pPr marL="171450" indent="-171450">
+              <a:buClr>
+                <a:srgbClr val="A71930"/>
+              </a:buClr>
+              <a:buFont typeface="Arial" panose="020B0604020202020204" pitchFamily="34" charset="0"/>
+              <a:buChar char="•"/>
+            </a:pPr>
+            <a:endParaRPr lang="en-US" sz="1200" dirty="0" smtClean="0">
+              <a:solidFill>
+                <a:srgbClr val="4D4F53"/>
+              </a:solidFill>
+            </a:endParaRPr>
+          </a:p>
+          <a:p>
+            <a:pPr marL="171450" indent="-171450">
+              <a:buClr>
+                <a:srgbClr val="A71930"/>
+              </a:buClr>
+              <a:buFont typeface="Arial" panose="020B0604020202020204" pitchFamily="34" charset="0"/>
+              <a:buChar char="•"/>
+            </a:pPr>
+            <a:endParaRPr lang="en-US" sz="1200" dirty="0">
+              <a:solidFill>
+                <a:srgbClr val="4D4F53"/>
+              </a:solidFill>
+            </a:endParaRPr>
+          </a:p>
+          <a:p>
+            <a:pPr marL="171450" indent="-171450">
+              <a:buClr>
+                <a:srgbClr val="A71930"/>
+              </a:buClr>
+              <a:buFont typeface="Arial" panose="020B0604020202020204" pitchFamily="34" charset="0"/>
+              <a:buChar char="•"/>
+            </a:pPr>
+            <a:endParaRPr lang="en-US" sz="1200" dirty="0">
+              <a:solidFill>
+                <a:srgbClr val="4D4F53"/>
+              </a:solidFill>
+            </a:endParaRPr>
+          </a:p>
+          <a:p>
+            <a:pPr marL="171450" indent="-171450">
+              <a:buClr>
+                <a:srgbClr val="A71930"/>
+              </a:buClr>
+              <a:buFont typeface="Arial" panose="020B0604020202020204" pitchFamily="34" charset="0"/>
+              <a:buChar char="•"/>
+            </a:pPr>
+            <a:endParaRPr lang="en-US" sz="1200" dirty="0" smtClean="0">
+              <a:solidFill>
+                <a:srgbClr val="4D4F53"/>
+              </a:solidFill>
+            </a:endParaRPr>
+          </a:p>
+          <a:p>
+            <a:pPr>
+              <a:buClr>
+                <a:srgbClr val="A71930"/>
+              </a:buClr>
+            </a:pPr>
+            <a:endParaRPr lang="en-US" sz="1200" dirty="0" smtClean="0">
+              <a:solidFill>
+                <a:srgbClr val="4D4F53"/>
+              </a:solidFill>
+            </a:endParaRPr>
+          </a:p>
+          <a:p>
+            <a:pPr marL="171450" indent="-171450">
+              <a:buClr>
+                <a:srgbClr val="A71930"/>
+              </a:buClr>
+              <a:buFont typeface="Arial" panose="020B0604020202020204" pitchFamily="34" charset="0"/>
+              <a:buChar char="•"/>
+            </a:pPr>
+            <a:r>
+              <a:rPr lang="en-US" sz="1200" dirty="0" smtClean="0">
+                <a:solidFill>
+                  <a:srgbClr val="4D4F53"/>
+                </a:solidFill>
+              </a:rPr>
+              <a:t>High </a:t>
+            </a:r>
+            <a:r>
+              <a:rPr lang="en-US" sz="1200" dirty="0">
+                <a:solidFill>
+                  <a:srgbClr val="4D4F53"/>
+                </a:solidFill>
+              </a:rPr>
+              <a:t>Cardinality uniformly distributed: Hashing Encoder, e.g. </a:t>
+            </a:r>
+            <a:r>
+              <a:rPr lang="en-US" sz="1200" dirty="0" smtClean="0">
+                <a:solidFill>
+                  <a:srgbClr val="4D4F53"/>
+                </a:solidFill>
+              </a:rPr>
+              <a:t>MARKET</a:t>
+            </a:r>
+            <a:r>
+              <a:rPr lang="en-US" sz="1200" dirty="0">
+                <a:solidFill>
+                  <a:srgbClr val="4D4F53"/>
+                </a:solidFill>
+              </a:rPr>
+              <a:t>, BRM, BRANDDIFFERENTIATOR, </a:t>
+            </a:r>
+            <a:r>
+              <a:rPr lang="en-US" sz="1200" dirty="0" smtClean="0">
+                <a:solidFill>
+                  <a:srgbClr val="4D4F53"/>
+                </a:solidFill>
+              </a:rPr>
+              <a:t>BRANDFAMILY</a:t>
+            </a:r>
+          </a:p>
+          <a:p>
+            <a:pPr marL="171450" indent="-171450">
+              <a:buClr>
+                <a:srgbClr val="A71930"/>
+              </a:buClr>
+              <a:buFont typeface="Arial" panose="020B0604020202020204" pitchFamily="34" charset="0"/>
+              <a:buChar char="•"/>
+            </a:pPr>
+            <a:endParaRPr lang="en-US" sz="1200" dirty="0">
+              <a:solidFill>
+                <a:srgbClr val="4D4F53"/>
+              </a:solidFill>
+            </a:endParaRPr>
+          </a:p>
+          <a:p>
+            <a:pPr algn="ctr">
+              <a:buClr>
+                <a:srgbClr val="A71930"/>
+              </a:buClr>
+            </a:pPr>
+            <a:r>
+              <a:rPr lang="fr-CH" sz="1200" dirty="0" smtClean="0"/>
+              <a:t>      (</a:t>
+            </a:r>
+            <a:r>
+              <a:rPr lang="fr-CH" sz="1200" dirty="0"/>
+              <a:t>1716, </a:t>
+            </a:r>
+            <a:r>
+              <a:rPr lang="fr-CH" sz="1200" b="1" dirty="0" smtClean="0"/>
+              <a:t>40</a:t>
+            </a:r>
+            <a:r>
+              <a:rPr lang="fr-CH" sz="1200" dirty="0" smtClean="0"/>
+              <a:t>)                              (</a:t>
+            </a:r>
+            <a:r>
+              <a:rPr lang="fr-CH" sz="1200" dirty="0"/>
+              <a:t>1716, </a:t>
+            </a:r>
+            <a:r>
+              <a:rPr lang="fr-CH" sz="1200" b="1" dirty="0"/>
+              <a:t>138</a:t>
+            </a:r>
+            <a:r>
+              <a:rPr lang="fr-CH" sz="1200" dirty="0" smtClean="0"/>
+              <a:t>) 	</a:t>
+            </a:r>
+            <a:endParaRPr lang="en-US" sz="1200" dirty="0" smtClean="0">
+              <a:solidFill>
+                <a:srgbClr val="4D4F53"/>
+              </a:solidFill>
+            </a:endParaRPr>
+          </a:p>
+          <a:p>
+            <a:pPr marL="171450" indent="-171450">
+              <a:buClr>
+                <a:srgbClr val="A71930"/>
+              </a:buClr>
+              <a:buFont typeface="Arial" panose="020B0604020202020204" pitchFamily="34" charset="0"/>
+              <a:buChar char="•"/>
+            </a:pPr>
+            <a:endParaRPr lang="en-US" sz="1200" dirty="0">
+              <a:solidFill>
+                <a:srgbClr val="4D4F53"/>
+              </a:solidFill>
+            </a:endParaRPr>
+          </a:p>
+          <a:p>
+            <a:pPr>
+              <a:buClr>
+                <a:srgbClr val="A71930"/>
+              </a:buClr>
+            </a:pPr>
+            <a:endParaRPr lang="en-US" sz="1200" dirty="0">
+              <a:solidFill>
+                <a:srgbClr val="4D4F53"/>
+              </a:solidFill>
+            </a:endParaRPr>
+          </a:p>
+        </p:txBody>
+      </p:sp>
+      <p:sp>
+        <p:nvSpPr>
+          <p:cNvPr id="2" name="Espace réservé du texte 1"/>
+          <p:cNvSpPr>
+            <a:spLocks noGrp="1"/>
+          </p:cNvSpPr>
+          <p:nvPr>
+            <p:ph type="body" sz="quarter" idx="10"/>
+          </p:nvPr>
+        </p:nvSpPr>
         <p:spPr/>
         <p:txBody>
           <a:bodyPr/>
           <a:lstStyle/>
           <a:p>
-            <a:endParaRPr lang="fr-CH"/>
+            <a:r>
+              <a:rPr lang="en-US" dirty="0" smtClean="0"/>
+              <a:t>Category</a:t>
+            </a:r>
+            <a:r>
+              <a:rPr lang="fr-CH" dirty="0"/>
+              <a:t> </a:t>
+            </a:r>
+            <a:r>
+              <a:rPr lang="fr-CH" dirty="0" smtClean="0"/>
+              <a:t>&amp; </a:t>
+            </a:r>
+            <a:r>
+              <a:rPr lang="en-US" dirty="0" smtClean="0"/>
+              <a:t>Encoding</a:t>
+            </a:r>
+            <a:endParaRPr lang="en-US" dirty="0"/>
           </a:p>
         </p:txBody>
       </p:sp>
@@ -5964,21 +8890,373 @@
           <a:lstStyle/>
           <a:p>
             <a:r>
-              <a:rPr lang="fr-CH" dirty="0" err="1" smtClean="0"/>
+              <a:rPr lang="en-US" dirty="0" smtClean="0"/>
               <a:t>Pre-Processing</a:t>
             </a:r>
-            <a:endParaRPr lang="fr-CH" dirty="0"/>
+            <a:endParaRPr lang="en-US" dirty="0"/>
+          </a:p>
+        </p:txBody>
+      </p:sp>
+      <p:pic>
+        <p:nvPicPr>
+          <p:cNvPr id="4098" name="Picture 2" descr="C:\Users\Louis\Documents\GitHub\PMItest\image\len_cat_boxplot.png"/>
+          <p:cNvPicPr>
+            <a:picLocks noChangeAspect="1" noChangeArrowheads="1"/>
+          </p:cNvPicPr>
+          <p:nvPr/>
+        </p:nvPicPr>
+        <p:blipFill>
+          <a:blip r:embed="rId3">
+            <a:extLst>
+              <a:ext uri="{28A0092B-C50C-407E-A947-70E740481C1C}">
+                <a14:useLocalDpi xmlns:a14="http://schemas.microsoft.com/office/drawing/2010/main" val="0"/>
+              </a:ext>
+            </a:extLst>
+          </a:blip>
+          <a:srcRect/>
+          <a:stretch>
+            <a:fillRect/>
+          </a:stretch>
+        </p:blipFill>
+        <p:spPr bwMode="auto">
+          <a:xfrm>
+            <a:off x="5402829" y="1751995"/>
+            <a:ext cx="3671459" cy="2448000"/>
+          </a:xfrm>
+          <a:prstGeom prst="rect">
+            <a:avLst/>
+          </a:prstGeom>
+          <a:noFill/>
+          <a:extLst>
+            <a:ext uri="{909E8E84-426E-40DD-AFC4-6F175D3DCCD1}">
+              <a14:hiddenFill xmlns:a14="http://schemas.microsoft.com/office/drawing/2010/main">
+                <a:solidFill>
+                  <a:srgbClr val="FFFFFF"/>
+                </a:solidFill>
+              </a14:hiddenFill>
+            </a:ext>
+          </a:extLst>
+        </p:spPr>
+      </p:pic>
+      <p:pic>
+        <p:nvPicPr>
+          <p:cNvPr id="4099" name="Picture 3" descr="C:\Users\Louis\Documents\GitHub\PMItest\image\len_cat_sorted.png"/>
+          <p:cNvPicPr>
+            <a:picLocks noChangeAspect="1" noChangeArrowheads="1"/>
+          </p:cNvPicPr>
+          <p:nvPr/>
+        </p:nvPicPr>
+        <p:blipFill>
+          <a:blip r:embed="rId4">
+            <a:extLst>
+              <a:ext uri="{28A0092B-C50C-407E-A947-70E740481C1C}">
+                <a14:useLocalDpi xmlns:a14="http://schemas.microsoft.com/office/drawing/2010/main" val="0"/>
+              </a:ext>
+            </a:extLst>
+          </a:blip>
+          <a:srcRect/>
+          <a:stretch>
+            <a:fillRect/>
+          </a:stretch>
+        </p:blipFill>
+        <p:spPr bwMode="auto">
+          <a:xfrm>
+            <a:off x="5402829" y="4199995"/>
+            <a:ext cx="3744000" cy="2496361"/>
+          </a:xfrm>
+          <a:prstGeom prst="rect">
+            <a:avLst/>
+          </a:prstGeom>
+          <a:noFill/>
+          <a:extLst>
+            <a:ext uri="{909E8E84-426E-40DD-AFC4-6F175D3DCCD1}">
+              <a14:hiddenFill xmlns:a14="http://schemas.microsoft.com/office/drawing/2010/main">
+                <a:solidFill>
+                  <a:srgbClr val="FFFFFF"/>
+                </a:solidFill>
+              </a14:hiddenFill>
+            </a:ext>
+          </a:extLst>
+        </p:spPr>
+      </p:pic>
+      <p:pic>
+        <p:nvPicPr>
+          <p:cNvPr id="15" name="Espace réservé du contenu 3"/>
+          <p:cNvPicPr>
+            <a:picLocks noChangeAspect="1"/>
+          </p:cNvPicPr>
+          <p:nvPr/>
+        </p:nvPicPr>
+        <p:blipFill>
+          <a:blip r:embed="rId5">
+            <a:extLst>
+              <a:ext uri="{28A0092B-C50C-407E-A947-70E740481C1C}">
+                <a14:useLocalDpi xmlns:a14="http://schemas.microsoft.com/office/drawing/2010/main" val="0"/>
+              </a:ext>
+            </a:extLst>
+          </a:blip>
+          <a:stretch>
+            <a:fillRect/>
+          </a:stretch>
+        </p:blipFill>
+        <p:spPr>
+          <a:xfrm>
+            <a:off x="101600" y="3852020"/>
+            <a:ext cx="2592001" cy="1728000"/>
+          </a:xfrm>
+          <a:prstGeom prst="rect">
+            <a:avLst/>
+          </a:prstGeom>
+        </p:spPr>
+      </p:pic>
+      <p:pic>
+        <p:nvPicPr>
+          <p:cNvPr id="4100" name="Picture 4" descr="C:\Users\Louis\Documents\GitHub\PMItest\image\BLDIMAGE_enc.png"/>
+          <p:cNvPicPr>
+            <a:picLocks noChangeAspect="1" noChangeArrowheads="1"/>
+          </p:cNvPicPr>
+          <p:nvPr/>
+        </p:nvPicPr>
+        <p:blipFill>
+          <a:blip r:embed="rId6">
+            <a:extLst>
+              <a:ext uri="{28A0092B-C50C-407E-A947-70E740481C1C}">
+                <a14:useLocalDpi xmlns:a14="http://schemas.microsoft.com/office/drawing/2010/main" val="0"/>
+              </a:ext>
+            </a:extLst>
+          </a:blip>
+          <a:srcRect/>
+          <a:stretch>
+            <a:fillRect/>
+          </a:stretch>
+        </p:blipFill>
+        <p:spPr bwMode="auto">
+          <a:xfrm>
+            <a:off x="2513774" y="3862188"/>
+            <a:ext cx="2591626" cy="1728000"/>
+          </a:xfrm>
+          <a:prstGeom prst="rect">
+            <a:avLst/>
+          </a:prstGeom>
+          <a:noFill/>
+          <a:extLst>
+            <a:ext uri="{909E8E84-426E-40DD-AFC4-6F175D3DCCD1}">
+              <a14:hiddenFill xmlns:a14="http://schemas.microsoft.com/office/drawing/2010/main">
+                <a:solidFill>
+                  <a:srgbClr val="FFFFFF"/>
+                </a:solidFill>
+              </a14:hiddenFill>
+            </a:ext>
+          </a:extLst>
+        </p:spPr>
+      </p:pic>
+      <p:cxnSp>
+        <p:nvCxnSpPr>
+          <p:cNvPr id="7" name="Connecteur droit 6"/>
+          <p:cNvCxnSpPr/>
+          <p:nvPr/>
+        </p:nvCxnSpPr>
+        <p:spPr>
+          <a:xfrm>
+            <a:off x="4978399" y="1831832"/>
+            <a:ext cx="0" cy="4320000"/>
+          </a:xfrm>
+          <a:prstGeom prst="line">
+            <a:avLst/>
+          </a:prstGeom>
+          <a:ln w="12700">
+            <a:solidFill>
+              <a:srgbClr val="B7B1A9"/>
+            </a:solidFill>
+          </a:ln>
+          <a:effectLst/>
+        </p:spPr>
+        <p:style>
+          <a:lnRef idx="2">
+            <a:schemeClr val="accent1"/>
+          </a:lnRef>
+          <a:fillRef idx="0">
+            <a:schemeClr val="accent1"/>
+          </a:fillRef>
+          <a:effectRef idx="1">
+            <a:schemeClr val="accent1"/>
+          </a:effectRef>
+          <a:fontRef idx="minor">
+            <a:schemeClr val="tx1"/>
+          </a:fontRef>
+        </p:style>
+      </p:cxnSp>
+      <p:sp>
+        <p:nvSpPr>
+          <p:cNvPr id="12" name="ZoneTexte 11"/>
+          <p:cNvSpPr txBox="1"/>
+          <p:nvPr/>
+        </p:nvSpPr>
+        <p:spPr>
+          <a:xfrm>
+            <a:off x="5185679" y="1390757"/>
+            <a:ext cx="4178299" cy="492443"/>
+          </a:xfrm>
+          <a:prstGeom prst="rect">
+            <a:avLst/>
+          </a:prstGeom>
+          <a:noFill/>
+        </p:spPr>
+        <p:txBody>
+          <a:bodyPr wrap="square" rtlCol="0">
+            <a:spAutoFit/>
+          </a:bodyPr>
+          <a:lstStyle/>
+          <a:p>
+            <a:pPr algn="ctr"/>
+            <a:r>
+              <a:rPr lang="en-US" sz="1400" dirty="0" smtClean="0">
+                <a:solidFill>
+                  <a:srgbClr val="4D4F53"/>
+                </a:solidFill>
+              </a:rPr>
+              <a:t>Ordinal </a:t>
+            </a:r>
+            <a:endParaRPr lang="en-US" sz="1200" dirty="0" smtClean="0">
+              <a:solidFill>
+                <a:srgbClr val="4D4F53"/>
+              </a:solidFill>
+            </a:endParaRPr>
+          </a:p>
+          <a:p>
+            <a:pPr algn="ctr"/>
+            <a:r>
+              <a:rPr lang="en-US" sz="1200" dirty="0" smtClean="0">
+                <a:solidFill>
+                  <a:srgbClr val="4D4F53"/>
+                </a:solidFill>
+              </a:rPr>
+              <a:t>(NPLLAUNCHYEAR, PRICECLASS?, THICATEGORY?)</a:t>
+            </a:r>
           </a:p>
         </p:txBody>
       </p:sp>
       <p:sp>
         <p:nvSpPr>
-          <p:cNvPr id="4" name="Espace réservé du texte 3"/>
+          <p:cNvPr id="13" name="Double flèche horizontale 12"/>
+          <p:cNvSpPr/>
+          <p:nvPr/>
+        </p:nvSpPr>
+        <p:spPr>
+          <a:xfrm>
+            <a:off x="2282263" y="6165730"/>
+            <a:ext cx="525926" cy="287068"/>
+          </a:xfrm>
+          <a:prstGeom prst="leftRightArrow">
+            <a:avLst/>
+          </a:prstGeom>
+          <a:ln/>
+        </p:spPr>
+        <p:style>
+          <a:lnRef idx="2">
+            <a:schemeClr val="accent1"/>
+          </a:lnRef>
+          <a:fillRef idx="1">
+            <a:schemeClr val="lt1"/>
+          </a:fillRef>
+          <a:effectRef idx="0">
+            <a:schemeClr val="accent1"/>
+          </a:effectRef>
+          <a:fontRef idx="minor">
+            <a:schemeClr val="dk1"/>
+          </a:fontRef>
+        </p:style>
+        <p:txBody>
+          <a:bodyPr rot="0" spcFirstLastPara="0" vertOverflow="overflow" horzOverflow="overflow" vert="horz" wrap="square" lIns="91440" tIns="45720" rIns="91440" bIns="45720" numCol="1" spcCol="0" rtlCol="0" fromWordArt="0" anchor="ctr" anchorCtr="0" forceAA="0" compatLnSpc="1">
+            <a:prstTxWarp prst="textNoShape">
+              <a:avLst/>
+            </a:prstTxWarp>
+            <a:noAutofit/>
+          </a:bodyPr>
+          <a:lstStyle/>
+          <a:p>
+            <a:pPr algn="ctr"/>
+            <a:endParaRPr lang="en-US" sz="1200" dirty="0" err="1" smtClean="0">
+              <a:solidFill>
+                <a:srgbClr val="4D4F53"/>
+              </a:solidFill>
+            </a:endParaRPr>
+          </a:p>
+        </p:txBody>
+      </p:sp>
+    </p:spTree>
+    <p:extLst>
+      <p:ext uri="{BB962C8B-B14F-4D97-AF65-F5344CB8AC3E}">
+        <p14:creationId xmlns:p14="http://schemas.microsoft.com/office/powerpoint/2010/main" val="1451353668"/>
+      </p:ext>
+    </p:extLst>
+  </p:cSld>
+  <p:clrMapOvr>
+    <a:masterClrMapping/>
+  </p:clrMapOvr>
+  <p:timing>
+    <p:tnLst>
+      <p:par>
+        <p:cTn id="1" dur="indefinite" restart="never" nodeType="tmRoot"/>
+      </p:par>
+    </p:tnLst>
+  </p:timing>
+</p:sld>
+</file>
+
+<file path=ppt/slides/slide7.xml><?xml version="1.0" encoding="utf-8"?>
+<p:sld xmlns:a="http://schemas.openxmlformats.org/drawingml/2006/main" xmlns:r="http://schemas.openxmlformats.org/officeDocument/2006/relationships" xmlns:p="http://schemas.openxmlformats.org/presentationml/2006/main">
+  <p:cSld>
+    <p:spTree>
+      <p:nvGrpSpPr>
+        <p:cNvPr id="1" name=""/>
+        <p:cNvGrpSpPr/>
+        <p:nvPr/>
+      </p:nvGrpSpPr>
+      <p:grpSpPr>
+        <a:xfrm>
+          <a:off x="0" y="0"/>
+          <a:ext cx="0" cy="0"/>
+          <a:chOff x="0" y="0"/>
+          <a:chExt cx="0" cy="0"/>
+        </a:xfrm>
+      </p:grpSpPr>
+      <p:sp>
+        <p:nvSpPr>
+          <p:cNvPr id="2" name="Espace réservé du texte 1"/>
           <p:cNvSpPr>
             <a:spLocks noGrp="1"/>
           </p:cNvSpPr>
           <p:nvPr>
-            <p:ph type="body" sz="quarter" idx="12"/>
+            <p:ph type="body" sz="quarter" idx="10"/>
+          </p:nvPr>
+        </p:nvSpPr>
+        <p:spPr>
+          <a:xfrm>
+            <a:off x="349119" y="1015212"/>
+            <a:ext cx="9206044" cy="339969"/>
+          </a:xfrm>
+        </p:spPr>
+        <p:txBody>
+          <a:bodyPr/>
+          <a:lstStyle/>
+          <a:p>
+            <a:r>
+              <a:rPr lang="en-US" dirty="0" smtClean="0"/>
+              <a:t>Missing Values &amp; Standardization</a:t>
+            </a:r>
+            <a:endParaRPr lang="en-US" dirty="0"/>
+          </a:p>
+        </p:txBody>
+      </p:sp>
+      <p:sp>
+        <p:nvSpPr>
+          <p:cNvPr id="3" name="Titre 2"/>
+          <p:cNvSpPr>
+            <a:spLocks noGrp="1"/>
+          </p:cNvSpPr>
+          <p:nvPr>
+            <p:ph type="title"/>
           </p:nvPr>
         </p:nvSpPr>
         <p:spPr/>
@@ -5986,10 +9264,899 @@
           <a:bodyPr/>
           <a:lstStyle/>
           <a:p>
-            <a:endParaRPr lang="fr-CH"/>
+            <a:r>
+              <a:rPr lang="en-US" dirty="0" smtClean="0"/>
+              <a:t>Pre-Processing</a:t>
+            </a:r>
+            <a:endParaRPr lang="en-US" dirty="0"/>
           </a:p>
         </p:txBody>
       </p:sp>
+      <p:graphicFrame>
+        <p:nvGraphicFramePr>
+          <p:cNvPr id="5" name="Tableau 4"/>
+          <p:cNvGraphicFramePr>
+            <a:graphicFrameLocks noGrp="1"/>
+          </p:cNvGraphicFramePr>
+          <p:nvPr>
+            <p:extLst>
+              <p:ext uri="{D42A27DB-BD31-4B8C-83A1-F6EECF244321}">
+                <p14:modId xmlns:p14="http://schemas.microsoft.com/office/powerpoint/2010/main" val="1275359252"/>
+              </p:ext>
+            </p:extLst>
+          </p:nvPr>
+        </p:nvGraphicFramePr>
+        <p:xfrm>
+          <a:off x="682428" y="1747519"/>
+          <a:ext cx="3689482" cy="1717040"/>
+        </p:xfrm>
+        <a:graphic>
+          <a:graphicData uri="http://schemas.openxmlformats.org/drawingml/2006/table">
+            <a:tbl>
+              <a:tblPr firstRow="1" bandRow="1">
+                <a:tableStyleId>{5C22544A-7EE6-4342-B048-85BDC9FD1C3A}</a:tableStyleId>
+              </a:tblPr>
+              <a:tblGrid>
+                <a:gridCol w="1844741"/>
+                <a:gridCol w="1844741"/>
+              </a:tblGrid>
+              <a:tr h="337820">
+                <a:tc>
+                  <a:txBody>
+                    <a:bodyPr/>
+                    <a:lstStyle/>
+                    <a:p>
+                      <a:r>
+                        <a:rPr lang="en-US" dirty="0" smtClean="0"/>
+                        <a:t>Variable</a:t>
+                      </a:r>
+                      <a:endParaRPr lang="en-US" dirty="0"/>
+                    </a:p>
+                  </a:txBody>
+                  <a:tcPr/>
+                </a:tc>
+                <a:tc>
+                  <a:txBody>
+                    <a:bodyPr/>
+                    <a:lstStyle/>
+                    <a:p>
+                      <a:pPr algn="r"/>
+                      <a:r>
+                        <a:rPr lang="en-US" dirty="0" smtClean="0"/>
+                        <a:t>#</a:t>
+                      </a:r>
+                      <a:r>
+                        <a:rPr lang="en-US" baseline="0" dirty="0" smtClean="0"/>
+                        <a:t> NA / 1716</a:t>
+                      </a:r>
+                      <a:endParaRPr lang="en-US" dirty="0"/>
+                    </a:p>
+                  </a:txBody>
+                  <a:tcPr/>
+                </a:tc>
+              </a:tr>
+              <a:tr h="337820">
+                <a:tc>
+                  <a:txBody>
+                    <a:bodyPr/>
+                    <a:lstStyle/>
+                    <a:p>
+                      <a:r>
+                        <a:rPr lang="en-US" sz="1400" dirty="0" smtClean="0"/>
+                        <a:t>RTYPE</a:t>
+                      </a:r>
+                      <a:endParaRPr lang="en-US" sz="1400" dirty="0"/>
+                    </a:p>
+                  </a:txBody>
+                  <a:tcPr/>
+                </a:tc>
+                <a:tc>
+                  <a:txBody>
+                    <a:bodyPr/>
+                    <a:lstStyle/>
+                    <a:p>
+                      <a:pPr algn="r"/>
+                      <a:r>
+                        <a:rPr lang="en-US" sz="1400" dirty="0" smtClean="0"/>
+                        <a:t>1243</a:t>
+                      </a:r>
+                      <a:endParaRPr lang="en-US" sz="1400" dirty="0"/>
+                    </a:p>
+                  </a:txBody>
+                  <a:tcPr/>
+                </a:tc>
+              </a:tr>
+              <a:tr h="337820">
+                <a:tc>
+                  <a:txBody>
+                    <a:bodyPr/>
+                    <a:lstStyle/>
+                    <a:p>
+                      <a:r>
+                        <a:rPr lang="en-US" sz="1400" dirty="0" smtClean="0"/>
+                        <a:t>ITEMSHAPE</a:t>
+                      </a:r>
+                      <a:endParaRPr lang="en-US" sz="1400" dirty="0"/>
+                    </a:p>
+                  </a:txBody>
+                  <a:tcPr/>
+                </a:tc>
+                <a:tc>
+                  <a:txBody>
+                    <a:bodyPr/>
+                    <a:lstStyle/>
+                    <a:p>
+                      <a:pPr algn="r"/>
+                      <a:r>
+                        <a:rPr lang="en-US" sz="1400" dirty="0" smtClean="0"/>
+                        <a:t>912</a:t>
+                      </a:r>
+                      <a:endParaRPr lang="en-US" sz="1400" dirty="0"/>
+                    </a:p>
+                  </a:txBody>
+                  <a:tcPr/>
+                </a:tc>
+              </a:tr>
+              <a:tr h="337820">
+                <a:tc>
+                  <a:txBody>
+                    <a:bodyPr/>
+                    <a:lstStyle/>
+                    <a:p>
+                      <a:r>
+                        <a:rPr lang="en-US" sz="1400" dirty="0" smtClean="0"/>
+                        <a:t>SPECIALFLAVOR</a:t>
+                      </a:r>
+                      <a:endParaRPr lang="en-US" sz="1400" dirty="0"/>
+                    </a:p>
+                  </a:txBody>
+                  <a:tcPr/>
+                </a:tc>
+                <a:tc>
+                  <a:txBody>
+                    <a:bodyPr/>
+                    <a:lstStyle/>
+                    <a:p>
+                      <a:pPr algn="r"/>
+                      <a:r>
+                        <a:rPr lang="en-US" sz="1400" dirty="0" smtClean="0"/>
+                        <a:t>1042</a:t>
+                      </a:r>
+                      <a:endParaRPr lang="en-US" sz="1400" dirty="0"/>
+                    </a:p>
+                  </a:txBody>
+                  <a:tcPr/>
+                </a:tc>
+              </a:tr>
+              <a:tr h="337820">
+                <a:tc>
+                  <a:txBody>
+                    <a:bodyPr/>
+                    <a:lstStyle/>
+                    <a:p>
+                      <a:r>
+                        <a:rPr lang="en-US" sz="1400" dirty="0" smtClean="0"/>
+                        <a:t>TIPCOLOR</a:t>
+                      </a:r>
+                      <a:endParaRPr lang="en-US" sz="1400" dirty="0"/>
+                    </a:p>
+                  </a:txBody>
+                  <a:tcPr/>
+                </a:tc>
+                <a:tc>
+                  <a:txBody>
+                    <a:bodyPr/>
+                    <a:lstStyle/>
+                    <a:p>
+                      <a:pPr algn="r"/>
+                      <a:r>
+                        <a:rPr lang="en-US" sz="1400" dirty="0" smtClean="0"/>
+                        <a:t>842</a:t>
+                      </a:r>
+                      <a:endParaRPr lang="en-US" sz="1400" dirty="0"/>
+                    </a:p>
+                  </a:txBody>
+                  <a:tcPr/>
+                </a:tc>
+              </a:tr>
+            </a:tbl>
+          </a:graphicData>
+        </a:graphic>
+      </p:graphicFrame>
+      <p:sp>
+        <p:nvSpPr>
+          <p:cNvPr id="6" name="Flèche droite 5"/>
+          <p:cNvSpPr/>
+          <p:nvPr/>
+        </p:nvSpPr>
+        <p:spPr>
+          <a:xfrm>
+            <a:off x="4895719" y="2336800"/>
+            <a:ext cx="609600" cy="685800"/>
+          </a:xfrm>
+          <a:prstGeom prst="rightArrow">
+            <a:avLst/>
+          </a:prstGeom>
+          <a:ln/>
+        </p:spPr>
+        <p:style>
+          <a:lnRef idx="2">
+            <a:schemeClr val="accent1"/>
+          </a:lnRef>
+          <a:fillRef idx="1">
+            <a:schemeClr val="lt1"/>
+          </a:fillRef>
+          <a:effectRef idx="0">
+            <a:schemeClr val="accent1"/>
+          </a:effectRef>
+          <a:fontRef idx="minor">
+            <a:schemeClr val="dk1"/>
+          </a:fontRef>
+        </p:style>
+        <p:txBody>
+          <a:bodyPr rot="0" spcFirstLastPara="0" vertOverflow="overflow" horzOverflow="overflow" vert="horz" wrap="square" lIns="91440" tIns="45720" rIns="91440" bIns="45720" numCol="1" spcCol="0" rtlCol="0" fromWordArt="0" anchor="ctr" anchorCtr="0" forceAA="0" compatLnSpc="1">
+            <a:prstTxWarp prst="textNoShape">
+              <a:avLst/>
+            </a:prstTxWarp>
+            <a:noAutofit/>
+          </a:bodyPr>
+          <a:lstStyle/>
+          <a:p>
+            <a:pPr algn="ctr"/>
+            <a:endParaRPr lang="en-US" sz="1200" dirty="0" err="1" smtClean="0">
+              <a:solidFill>
+                <a:srgbClr val="4D4F53"/>
+              </a:solidFill>
+            </a:endParaRPr>
+          </a:p>
+        </p:txBody>
+      </p:sp>
+      <p:pic>
+        <p:nvPicPr>
+          <p:cNvPr id="5122" name="Picture 2" descr="Image result for months circle"/>
+          <p:cNvPicPr>
+            <a:picLocks noChangeAspect="1" noChangeArrowheads="1"/>
+          </p:cNvPicPr>
+          <p:nvPr/>
+        </p:nvPicPr>
+        <p:blipFill>
+          <a:blip r:embed="rId2">
+            <a:extLst>
+              <a:ext uri="{28A0092B-C50C-407E-A947-70E740481C1C}">
+                <a14:useLocalDpi xmlns:a14="http://schemas.microsoft.com/office/drawing/2010/main" val="0"/>
+              </a:ext>
+            </a:extLst>
+          </a:blip>
+          <a:srcRect/>
+          <a:stretch>
+            <a:fillRect/>
+          </a:stretch>
+        </p:blipFill>
+        <p:spPr bwMode="auto">
+          <a:xfrm>
+            <a:off x="5878932" y="3797300"/>
+            <a:ext cx="2434200" cy="2462134"/>
+          </a:xfrm>
+          <a:prstGeom prst="rect">
+            <a:avLst/>
+          </a:prstGeom>
+          <a:noFill/>
+          <a:extLst>
+            <a:ext uri="{909E8E84-426E-40DD-AFC4-6F175D3DCCD1}">
+              <a14:hiddenFill xmlns:a14="http://schemas.microsoft.com/office/drawing/2010/main">
+                <a:solidFill>
+                  <a:srgbClr val="FFFFFF"/>
+                </a:solidFill>
+              </a14:hiddenFill>
+            </a:ext>
+          </a:extLst>
+        </p:spPr>
+      </p:pic>
+      <mc:AlternateContent xmlns:mc="http://schemas.openxmlformats.org/markup-compatibility/2006">
+        <mc:Choice xmlns:a14="http://schemas.microsoft.com/office/drawing/2010/main" Requires="a14">
+          <p:sp>
+            <p:nvSpPr>
+              <p:cNvPr id="7" name="ZoneTexte 6"/>
+              <p:cNvSpPr txBox="1"/>
+              <p:nvPr/>
+            </p:nvSpPr>
+            <p:spPr>
+              <a:xfrm>
+                <a:off x="539618" y="4201034"/>
+                <a:ext cx="5467481" cy="2164054"/>
+              </a:xfrm>
+              <a:prstGeom prst="rect">
+                <a:avLst/>
+              </a:prstGeom>
+              <a:noFill/>
+            </p:spPr>
+            <p:txBody>
+              <a:bodyPr wrap="square" rtlCol="0">
+                <a:spAutoFit/>
+              </a:bodyPr>
+              <a:lstStyle/>
+              <a:p>
+                <a:pPr marL="171450" indent="-171450">
+                  <a:buClr>
+                    <a:srgbClr val="A71930"/>
+                  </a:buClr>
+                  <a:buFont typeface="Arial" panose="020B0604020202020204" pitchFamily="34" charset="0"/>
+                  <a:buChar char="•"/>
+                </a:pPr>
+                <a:r>
+                  <a:rPr lang="en-US" sz="1600" dirty="0" smtClean="0">
+                    <a:solidFill>
+                      <a:srgbClr val="4D4F53"/>
+                    </a:solidFill>
+                  </a:rPr>
+                  <a:t>Cyclic (month): </a:t>
+                </a:r>
+                <a14:m>
+                  <m:oMath xmlns:m="http://schemas.openxmlformats.org/officeDocument/2006/math">
+                    <m:func>
+                      <m:funcPr>
+                        <m:ctrlPr>
+                          <a:rPr lang="en-US" sz="1600" i="1" smtClean="0">
+                            <a:solidFill>
+                              <a:srgbClr val="4D4F53"/>
+                            </a:solidFill>
+                            <a:latin typeface="Cambria Math"/>
+                          </a:rPr>
+                        </m:ctrlPr>
+                      </m:funcPr>
+                      <m:fName>
+                        <m:r>
+                          <m:rPr>
+                            <m:sty m:val="p"/>
+                          </m:rPr>
+                          <a:rPr lang="en-US" sz="1600" i="0" smtClean="0">
+                            <a:solidFill>
+                              <a:srgbClr val="4D4F53"/>
+                            </a:solidFill>
+                            <a:latin typeface="Cambria Math"/>
+                          </a:rPr>
+                          <m:t>sin</m:t>
+                        </m:r>
+                      </m:fName>
+                      <m:e>
+                        <m:r>
+                          <a:rPr lang="fr-CH" sz="1600" b="0" i="1" smtClean="0">
+                            <a:solidFill>
+                              <a:srgbClr val="4D4F53"/>
+                            </a:solidFill>
+                            <a:latin typeface="Cambria Math"/>
+                          </a:rPr>
+                          <m:t>(</m:t>
+                        </m:r>
+                        <m:f>
+                          <m:fPr>
+                            <m:ctrlPr>
+                              <a:rPr lang="fr-CH" sz="1600" b="0" i="1" smtClean="0">
+                                <a:solidFill>
+                                  <a:srgbClr val="4D4F53"/>
+                                </a:solidFill>
+                                <a:latin typeface="Cambria Math"/>
+                              </a:rPr>
+                            </m:ctrlPr>
+                          </m:fPr>
+                          <m:num>
+                            <m:r>
+                              <a:rPr lang="fr-CH" sz="1600" b="0" i="1" smtClean="0">
+                                <a:solidFill>
+                                  <a:srgbClr val="4D4F53"/>
+                                </a:solidFill>
+                                <a:latin typeface="Cambria Math"/>
+                              </a:rPr>
+                              <m:t>2∗</m:t>
+                            </m:r>
+                            <m:r>
+                              <a:rPr lang="fr-CH" sz="1600" b="0" i="1" smtClean="0">
+                                <a:solidFill>
+                                  <a:srgbClr val="4D4F53"/>
+                                </a:solidFill>
+                                <a:latin typeface="Cambria Math"/>
+                                <a:ea typeface="Cambria Math"/>
+                              </a:rPr>
+                              <m:t>𝜋</m:t>
+                            </m:r>
+                            <m:r>
+                              <a:rPr lang="fr-CH" sz="1600" b="0" i="1" smtClean="0">
+                                <a:solidFill>
+                                  <a:srgbClr val="4D4F53"/>
+                                </a:solidFill>
+                                <a:latin typeface="Cambria Math"/>
+                                <a:ea typeface="Cambria Math"/>
+                              </a:rPr>
+                              <m:t>∗</m:t>
+                            </m:r>
+                            <m:r>
+                              <a:rPr lang="fr-CH" sz="1600" b="0" i="1" smtClean="0">
+                                <a:solidFill>
+                                  <a:srgbClr val="4D4F53"/>
+                                </a:solidFill>
+                                <a:latin typeface="Cambria Math"/>
+                                <a:ea typeface="Cambria Math"/>
+                              </a:rPr>
+                              <m:t>𝑚</m:t>
+                            </m:r>
+                          </m:num>
+                          <m:den>
+                            <m:r>
+                              <a:rPr lang="fr-CH" sz="1600" b="0" i="1" smtClean="0">
+                                <a:solidFill>
+                                  <a:srgbClr val="4D4F53"/>
+                                </a:solidFill>
+                                <a:latin typeface="Cambria Math"/>
+                              </a:rPr>
+                              <m:t>12</m:t>
+                            </m:r>
+                          </m:den>
+                        </m:f>
+                        <m:r>
+                          <a:rPr lang="fr-CH" sz="1600" b="0" i="1" smtClean="0">
+                            <a:solidFill>
+                              <a:srgbClr val="4D4F53"/>
+                            </a:solidFill>
+                            <a:latin typeface="Cambria Math"/>
+                          </a:rPr>
+                          <m:t>)</m:t>
+                        </m:r>
+                      </m:e>
+                    </m:func>
+                  </m:oMath>
+                </a14:m>
+                <a:endParaRPr lang="fr-CH" sz="1600" dirty="0" smtClean="0">
+                  <a:solidFill>
+                    <a:srgbClr val="4D4F53"/>
+                  </a:solidFill>
+                </a:endParaRPr>
+              </a:p>
+              <a:p>
+                <a:pPr marL="171450" indent="-171450">
+                  <a:buClr>
+                    <a:srgbClr val="A71930"/>
+                  </a:buClr>
+                  <a:buFont typeface="Arial" panose="020B0604020202020204" pitchFamily="34" charset="0"/>
+                  <a:buChar char="•"/>
+                </a:pPr>
+                <a:endParaRPr lang="fr-CH" sz="1600" dirty="0" smtClean="0">
+                  <a:solidFill>
+                    <a:srgbClr val="4D4F53"/>
+                  </a:solidFill>
+                </a:endParaRPr>
+              </a:p>
+              <a:p>
+                <a:pPr marL="171450" indent="-171450">
+                  <a:buClr>
+                    <a:srgbClr val="A71930"/>
+                  </a:buClr>
+                  <a:buFont typeface="Arial" panose="020B0604020202020204" pitchFamily="34" charset="0"/>
+                  <a:buChar char="•"/>
+                </a:pPr>
+                <a:r>
+                  <a:rPr lang="en-US" sz="1600" dirty="0" smtClean="0">
+                    <a:solidFill>
+                      <a:srgbClr val="4D4F53"/>
+                    </a:solidFill>
+                  </a:rPr>
+                  <a:t>Uniform distribution: Min Max Scale e.g. ITEMSCODE</a:t>
+                </a:r>
+              </a:p>
+              <a:p>
+                <a:pPr marL="171450" indent="-171450">
+                  <a:buClr>
+                    <a:srgbClr val="A71930"/>
+                  </a:buClr>
+                  <a:buFont typeface="Arial" panose="020B0604020202020204" pitchFamily="34" charset="0"/>
+                  <a:buChar char="•"/>
+                </a:pPr>
+                <a:endParaRPr lang="en-US" sz="1600" dirty="0" smtClean="0">
+                  <a:solidFill>
+                    <a:srgbClr val="4D4F53"/>
+                  </a:solidFill>
+                </a:endParaRPr>
+              </a:p>
+              <a:p>
+                <a:pPr marL="171450" indent="-171450">
+                  <a:buClr>
+                    <a:srgbClr val="A71930"/>
+                  </a:buClr>
+                  <a:buFont typeface="Arial" panose="020B0604020202020204" pitchFamily="34" charset="0"/>
+                  <a:buChar char="•"/>
+                </a:pPr>
+                <a:r>
+                  <a:rPr lang="en-US" sz="1600" dirty="0" smtClean="0">
+                    <a:solidFill>
+                      <a:srgbClr val="4D4F53"/>
+                    </a:solidFill>
+                  </a:rPr>
+                  <a:t>Normal distribution: normalize e.g. NCON, TRCONTE</a:t>
+                </a:r>
+              </a:p>
+              <a:p>
+                <a:pPr marL="171450" indent="-171450">
+                  <a:buClr>
+                    <a:srgbClr val="A71930"/>
+                  </a:buClr>
+                  <a:buFont typeface="Arial" panose="020B0604020202020204" pitchFamily="34" charset="0"/>
+                  <a:buChar char="•"/>
+                </a:pPr>
+                <a:endParaRPr lang="en-US" sz="1600" dirty="0">
+                  <a:solidFill>
+                    <a:srgbClr val="4D4F53"/>
+                  </a:solidFill>
+                </a:endParaRPr>
+              </a:p>
+              <a:p>
+                <a:pPr marL="171450" indent="-171450">
+                  <a:buClr>
+                    <a:srgbClr val="A71930"/>
+                  </a:buClr>
+                  <a:buFont typeface="Arial" panose="020B0604020202020204" pitchFamily="34" charset="0"/>
+                  <a:buChar char="•"/>
+                </a:pPr>
+                <a:r>
+                  <a:rPr lang="en-US" sz="1600" dirty="0" smtClean="0">
+                    <a:solidFill>
+                      <a:srgbClr val="4D4F53"/>
+                    </a:solidFill>
+                  </a:rPr>
+                  <a:t>Binary: AS IS</a:t>
+                </a:r>
+              </a:p>
+              <a:p>
+                <a:pPr marL="171450" indent="-171450">
+                  <a:buFont typeface="Arial" panose="020B0604020202020204" pitchFamily="34" charset="0"/>
+                  <a:buChar char="•"/>
+                </a:pPr>
+                <a:endParaRPr lang="en-US" sz="1600" dirty="0" smtClean="0">
+                  <a:solidFill>
+                    <a:srgbClr val="4D4F53"/>
+                  </a:solidFill>
+                </a:endParaRPr>
+              </a:p>
+            </p:txBody>
+          </p:sp>
+        </mc:Choice>
+        <mc:Fallback>
+          <p:sp>
+            <p:nvSpPr>
+              <p:cNvPr id="7" name="ZoneTexte 6"/>
+              <p:cNvSpPr txBox="1">
+                <a:spLocks noRot="1" noChangeAspect="1" noMove="1" noResize="1" noEditPoints="1" noAdjustHandles="1" noChangeArrowheads="1" noChangeShapeType="1" noTextEdit="1"/>
+              </p:cNvSpPr>
+              <p:nvPr/>
+            </p:nvSpPr>
+            <p:spPr>
+              <a:xfrm>
+                <a:off x="539618" y="4201034"/>
+                <a:ext cx="5467481" cy="2164054"/>
+              </a:xfrm>
+              <a:prstGeom prst="rect">
+                <a:avLst/>
+              </a:prstGeom>
+              <a:blipFill rotWithShape="1">
+                <a:blip r:embed="rId3"/>
+                <a:stretch>
+                  <a:fillRect l="-446"/>
+                </a:stretch>
+              </a:blipFill>
+            </p:spPr>
+            <p:txBody>
+              <a:bodyPr/>
+              <a:lstStyle/>
+              <a:p>
+                <a:r>
+                  <a:rPr lang="en-US">
+                    <a:noFill/>
+                  </a:rPr>
+                  <a:t> </a:t>
+                </a:r>
+              </a:p>
+            </p:txBody>
+          </p:sp>
+        </mc:Fallback>
+      </mc:AlternateContent>
+      <p:sp>
+        <p:nvSpPr>
+          <p:cNvPr id="8" name="ZoneTexte 7"/>
+          <p:cNvSpPr txBox="1"/>
+          <p:nvPr/>
+        </p:nvSpPr>
+        <p:spPr>
+          <a:xfrm>
+            <a:off x="5505319" y="2387312"/>
+            <a:ext cx="3054815" cy="584775"/>
+          </a:xfrm>
+          <a:prstGeom prst="rect">
+            <a:avLst/>
+          </a:prstGeom>
+          <a:noFill/>
+        </p:spPr>
+        <p:txBody>
+          <a:bodyPr wrap="square" rtlCol="0">
+            <a:spAutoFit/>
+          </a:bodyPr>
+          <a:lstStyle/>
+          <a:p>
+            <a:pPr algn="ctr"/>
+            <a:r>
+              <a:rPr lang="en-US" sz="1600" dirty="0" smtClean="0">
+                <a:solidFill>
+                  <a:srgbClr val="4D4F53"/>
+                </a:solidFill>
+              </a:rPr>
+              <a:t>For each variable add </a:t>
+            </a:r>
+            <a:r>
+              <a:rPr lang="en-US" sz="1600" b="1" dirty="0" smtClean="0">
+                <a:solidFill>
+                  <a:srgbClr val="4D4F53"/>
+                </a:solidFill>
+              </a:rPr>
+              <a:t>one Category </a:t>
+            </a:r>
+            <a:r>
+              <a:rPr lang="en-US" sz="1600" dirty="0" smtClean="0">
+                <a:solidFill>
+                  <a:srgbClr val="4D4F53"/>
+                </a:solidFill>
+              </a:rPr>
+              <a:t>indicating NA</a:t>
+            </a:r>
+            <a:endParaRPr lang="en-US" sz="1600" dirty="0" smtClean="0">
+              <a:solidFill>
+                <a:srgbClr val="4D4F53"/>
+              </a:solidFill>
+            </a:endParaRPr>
+          </a:p>
+        </p:txBody>
+      </p:sp>
+    </p:spTree>
+    <p:extLst>
+      <p:ext uri="{BB962C8B-B14F-4D97-AF65-F5344CB8AC3E}">
+        <p14:creationId xmlns:p14="http://schemas.microsoft.com/office/powerpoint/2010/main" val="2265259499"/>
+      </p:ext>
+    </p:extLst>
+  </p:cSld>
+  <p:clrMapOvr>
+    <a:masterClrMapping/>
+  </p:clrMapOvr>
+  <p:timing>
+    <p:tnLst>
+      <p:par>
+        <p:cTn id="1" dur="indefinite" restart="never" nodeType="tmRoot"/>
+      </p:par>
+    </p:tnLst>
+  </p:timing>
+</p:sld>
+</file>
+
+<file path=ppt/slides/slide8.xml><?xml version="1.0" encoding="utf-8"?>
+<p:sld xmlns:a="http://schemas.openxmlformats.org/drawingml/2006/main" xmlns:r="http://schemas.openxmlformats.org/officeDocument/2006/relationships" xmlns:p="http://schemas.openxmlformats.org/presentationml/2006/main">
+  <p:cSld>
+    <p:spTree>
+      <p:nvGrpSpPr>
+        <p:cNvPr id="1" name=""/>
+        <p:cNvGrpSpPr/>
+        <p:nvPr/>
+      </p:nvGrpSpPr>
+      <p:grpSpPr>
+        <a:xfrm>
+          <a:off x="0" y="0"/>
+          <a:ext cx="0" cy="0"/>
+          <a:chOff x="0" y="0"/>
+          <a:chExt cx="0" cy="0"/>
+        </a:xfrm>
+      </p:grpSpPr>
+      <p:pic>
+        <p:nvPicPr>
+          <p:cNvPr id="5" name="Espace réservé du contenu 3"/>
+          <p:cNvPicPr>
+            <a:picLocks noChangeAspect="1"/>
+          </p:cNvPicPr>
+          <p:nvPr/>
+        </p:nvPicPr>
+        <p:blipFill>
+          <a:blip r:embed="rId2">
+            <a:extLst>
+              <a:ext uri="{28A0092B-C50C-407E-A947-70E740481C1C}">
+                <a14:useLocalDpi xmlns:a14="http://schemas.microsoft.com/office/drawing/2010/main" val="0"/>
+              </a:ext>
+            </a:extLst>
+          </a:blip>
+          <a:stretch>
+            <a:fillRect/>
+          </a:stretch>
+        </p:blipFill>
+        <p:spPr>
+          <a:xfrm>
+            <a:off x="1115616" y="905452"/>
+            <a:ext cx="7724676" cy="5793507"/>
+          </a:xfrm>
+          <a:prstGeom prst="rect">
+            <a:avLst/>
+          </a:prstGeom>
+        </p:spPr>
+      </p:pic>
+      <p:sp>
+        <p:nvSpPr>
+          <p:cNvPr id="2" name="Espace réservé du texte 1"/>
+          <p:cNvSpPr>
+            <a:spLocks noGrp="1"/>
+          </p:cNvSpPr>
+          <p:nvPr>
+            <p:ph type="body" sz="quarter" idx="10"/>
+          </p:nvPr>
+        </p:nvSpPr>
+        <p:spPr/>
+        <p:txBody>
+          <a:bodyPr/>
+          <a:lstStyle/>
+          <a:p>
+            <a:r>
+              <a:rPr lang="en-US" dirty="0" smtClean="0"/>
+              <a:t>Feature Selection</a:t>
+            </a:r>
+            <a:endParaRPr lang="en-US" dirty="0"/>
+          </a:p>
+        </p:txBody>
+      </p:sp>
+      <p:sp>
+        <p:nvSpPr>
+          <p:cNvPr id="3" name="Titre 2"/>
+          <p:cNvSpPr>
+            <a:spLocks noGrp="1"/>
+          </p:cNvSpPr>
+          <p:nvPr>
+            <p:ph type="title"/>
+          </p:nvPr>
+        </p:nvSpPr>
+        <p:spPr/>
+        <p:txBody>
+          <a:bodyPr/>
+          <a:lstStyle/>
+          <a:p>
+            <a:r>
+              <a:rPr lang="en-US" dirty="0" smtClean="0"/>
+              <a:t>Pre-Processing</a:t>
+            </a:r>
+            <a:endParaRPr lang="en-US" dirty="0"/>
+          </a:p>
+        </p:txBody>
+      </p:sp>
+    </p:spTree>
+    <p:extLst>
+      <p:ext uri="{BB962C8B-B14F-4D97-AF65-F5344CB8AC3E}">
+        <p14:creationId xmlns:p14="http://schemas.microsoft.com/office/powerpoint/2010/main" val="3499202443"/>
+      </p:ext>
+    </p:extLst>
+  </p:cSld>
+  <p:clrMapOvr>
+    <a:masterClrMapping/>
+  </p:clrMapOvr>
+  <p:timing>
+    <p:tnLst>
+      <p:par>
+        <p:cTn id="1" dur="indefinite" restart="never" nodeType="tmRoot"/>
+      </p:par>
+    </p:tnLst>
+  </p:timing>
+</p:sld>
+</file>
+
+<file path=ppt/slides/slide9.xml><?xml version="1.0" encoding="utf-8"?>
+<p:sld xmlns:a="http://schemas.openxmlformats.org/drawingml/2006/main" xmlns:r="http://schemas.openxmlformats.org/officeDocument/2006/relationships" xmlns:p="http://schemas.openxmlformats.org/presentationml/2006/main">
+  <p:cSld>
+    <p:spTree>
+      <p:nvGrpSpPr>
+        <p:cNvPr id="1" name=""/>
+        <p:cNvGrpSpPr/>
+        <p:nvPr/>
+      </p:nvGrpSpPr>
+      <p:grpSpPr>
+        <a:xfrm>
+          <a:off x="0" y="0"/>
+          <a:ext cx="0" cy="0"/>
+          <a:chOff x="0" y="0"/>
+          <a:chExt cx="0" cy="0"/>
+        </a:xfrm>
+      </p:grpSpPr>
+      <p:sp>
+        <p:nvSpPr>
+          <p:cNvPr id="2" name="Espace réservé du texte 1"/>
+          <p:cNvSpPr>
+            <a:spLocks noGrp="1"/>
+          </p:cNvSpPr>
+          <p:nvPr>
+            <p:ph type="body" sz="quarter" idx="10"/>
+          </p:nvPr>
+        </p:nvSpPr>
+        <p:spPr/>
+        <p:txBody>
+          <a:bodyPr/>
+          <a:lstStyle/>
+          <a:p>
+            <a:r>
+              <a:rPr lang="fr-CH" dirty="0" err="1" smtClean="0"/>
+              <a:t>Feature</a:t>
+            </a:r>
+            <a:r>
+              <a:rPr lang="fr-CH" dirty="0" smtClean="0"/>
+              <a:t> </a:t>
+            </a:r>
+            <a:r>
+              <a:rPr lang="fr-CH" dirty="0" err="1" smtClean="0"/>
+              <a:t>Selection</a:t>
+            </a:r>
+            <a:endParaRPr lang="fr-CH" dirty="0"/>
+          </a:p>
+        </p:txBody>
+      </p:sp>
+      <p:sp>
+        <p:nvSpPr>
+          <p:cNvPr id="3" name="Titre 2"/>
+          <p:cNvSpPr>
+            <a:spLocks noGrp="1"/>
+          </p:cNvSpPr>
+          <p:nvPr>
+            <p:ph type="title"/>
+          </p:nvPr>
+        </p:nvSpPr>
+        <p:spPr/>
+        <p:txBody>
+          <a:bodyPr/>
+          <a:lstStyle/>
+          <a:p>
+            <a:r>
+              <a:rPr lang="fr-CH" dirty="0" err="1" smtClean="0"/>
+              <a:t>Pre-Processing</a:t>
+            </a:r>
+            <a:endParaRPr lang="fr-CH" dirty="0"/>
+          </a:p>
+        </p:txBody>
+      </p:sp>
+      <p:pic>
+        <p:nvPicPr>
+          <p:cNvPr id="9217" name="Picture 1" descr="C:\Users\Louis\Documents\GitHub\PMItest\image\MI_ftest.jpg"/>
+          <p:cNvPicPr>
+            <a:picLocks noChangeAspect="1" noChangeArrowheads="1"/>
+          </p:cNvPicPr>
+          <p:nvPr/>
+        </p:nvPicPr>
+        <p:blipFill>
+          <a:blip r:embed="rId2">
+            <a:extLst>
+              <a:ext uri="{28A0092B-C50C-407E-A947-70E740481C1C}">
+                <a14:useLocalDpi xmlns:a14="http://schemas.microsoft.com/office/drawing/2010/main" val="0"/>
+              </a:ext>
+            </a:extLst>
+          </a:blip>
+          <a:srcRect/>
+          <a:stretch>
+            <a:fillRect/>
+          </a:stretch>
+        </p:blipFill>
+        <p:spPr bwMode="auto">
+          <a:xfrm>
+            <a:off x="3556000" y="2312988"/>
+            <a:ext cx="6210300" cy="4140200"/>
+          </a:xfrm>
+          <a:prstGeom prst="rect">
+            <a:avLst/>
+          </a:prstGeom>
+          <a:noFill/>
+          <a:extLst>
+            <a:ext uri="{909E8E84-426E-40DD-AFC4-6F175D3DCCD1}">
+              <a14:hiddenFill xmlns:a14="http://schemas.microsoft.com/office/drawing/2010/main">
+                <a:solidFill>
+                  <a:srgbClr val="FFFFFF"/>
+                </a:solidFill>
+              </a14:hiddenFill>
+            </a:ext>
+          </a:extLst>
+        </p:spPr>
+      </p:pic>
       <p:sp>
         <p:nvSpPr>
           <p:cNvPr id="5" name="Espace réservé du contenu 2"/>
@@ -6177,95 +10344,195 @@
             </a:lvl9pPr>
           </a:lstStyle>
           <a:p>
-            <a:r>
-              <a:rPr lang="fr-CH" dirty="0" err="1"/>
-              <a:t>Categories</a:t>
-            </a:r>
-            <a:r>
-              <a:rPr lang="fr-CH" dirty="0"/>
-              <a:t>: nominal or ordinal</a:t>
-            </a:r>
-          </a:p>
-          <a:p>
-            <a:r>
-              <a:rPr lang="fr-FR" dirty="0" err="1"/>
-              <a:t>Missing</a:t>
-            </a:r>
-            <a:r>
-              <a:rPr lang="fr-FR" dirty="0"/>
+            <a:pPr marL="463550" lvl="1" indent="-285750"/>
+            <a:r>
+              <a:rPr lang="fr-CH" dirty="0" err="1" smtClean="0"/>
+              <a:t>Zero</a:t>
+            </a:r>
+            <a:r>
+              <a:rPr lang="fr-CH" dirty="0" smtClean="0"/>
+              <a:t> variance </a:t>
+            </a:r>
+            <a:r>
+              <a:rPr lang="fr-CH" dirty="0" err="1" smtClean="0"/>
+              <a:t>features</a:t>
+            </a:r>
+            <a:r>
+              <a:rPr lang="fr-CH" dirty="0" smtClean="0"/>
+              <a:t>, </a:t>
+            </a:r>
+            <a:r>
+              <a:rPr lang="fr-CH" dirty="0" err="1" smtClean="0"/>
+              <a:t>e.g</a:t>
+            </a:r>
+            <a:r>
+              <a:rPr lang="fr-CH" dirty="0" smtClean="0"/>
+              <a:t>.  LATESTPERIODINDEX, ISREPLACEMENT</a:t>
+            </a:r>
+          </a:p>
+          <a:p>
+            <a:pPr marL="463550" lvl="1" indent="-285750"/>
+            <a:r>
+              <a:rPr lang="fr-CH" dirty="0" err="1" smtClean="0"/>
+              <a:t>Highly</a:t>
+            </a:r>
+            <a:r>
+              <a:rPr lang="fr-CH" dirty="0" smtClean="0"/>
               <a:t> </a:t>
             </a:r>
             <a:r>
-              <a:rPr lang="fr-FR" dirty="0" smtClean="0"/>
-              <a:t>values</a:t>
-            </a:r>
-            <a:endParaRPr lang="fr-CH" dirty="0" smtClean="0"/>
-          </a:p>
-          <a:p>
-            <a:endParaRPr lang="fr-CH" dirty="0"/>
-          </a:p>
-        </p:txBody>
-      </p:sp>
-    </p:spTree>
-    <p:extLst>
-      <p:ext uri="{BB962C8B-B14F-4D97-AF65-F5344CB8AC3E}">
-        <p14:creationId xmlns:p14="http://schemas.microsoft.com/office/powerpoint/2010/main" val="2404023712"/>
-      </p:ext>
-    </p:extLst>
-  </p:cSld>
-  <p:clrMapOvr>
-    <a:masterClrMapping/>
-  </p:clrMapOvr>
-  <p:timing>
-    <p:tnLst>
-      <p:par>
-        <p:cTn id="1" dur="indefinite" restart="never" nodeType="tmRoot"/>
-      </p:par>
-    </p:tnLst>
-  </p:timing>
-</p:sld>
-</file>
-
-<file path=ppt/slides/slide5.xml><?xml version="1.0" encoding="utf-8"?>
-<p:sld xmlns:a="http://schemas.openxmlformats.org/drawingml/2006/main" xmlns:r="http://schemas.openxmlformats.org/officeDocument/2006/relationships" xmlns:p="http://schemas.openxmlformats.org/presentationml/2006/main">
-  <p:cSld>
-    <p:spTree>
-      <p:nvGrpSpPr>
-        <p:cNvPr id="1" name=""/>
-        <p:cNvGrpSpPr/>
-        <p:nvPr/>
-      </p:nvGrpSpPr>
-      <p:grpSpPr>
-        <a:xfrm>
-          <a:off x="0" y="0"/>
-          <a:ext cx="0" cy="0"/>
-          <a:chOff x="0" y="0"/>
-          <a:chExt cx="0" cy="0"/>
-        </a:xfrm>
-      </p:grpSpPr>
-      <p:sp>
-        <p:nvSpPr>
-          <p:cNvPr id="2" name="Espace réservé du texte 1"/>
-          <p:cNvSpPr>
-            <a:spLocks noGrp="1"/>
-          </p:cNvSpPr>
-          <p:nvPr>
-            <p:ph type="body" sz="quarter" idx="10"/>
-          </p:nvPr>
-        </p:nvSpPr>
-        <p:spPr>
-          <a:xfrm>
-            <a:off x="349119" y="44056"/>
-            <a:ext cx="9206044" cy="339969"/>
-          </a:xfrm>
-        </p:spPr>
-        <p:txBody>
-          <a:bodyPr/>
-          <a:lstStyle/>
-          <a:p>
+              <a:rPr lang="fr-CH" dirty="0" err="1" smtClean="0"/>
+              <a:t>correlated</a:t>
+            </a:r>
             <a:r>
               <a:rPr lang="fr-CH" dirty="0" smtClean="0"/>
-              <a:t>Data Exploration</a:t>
+              <a:t> </a:t>
+            </a:r>
+            <a:r>
+              <a:rPr lang="fr-CH" dirty="0" err="1" smtClean="0"/>
+              <a:t>features</a:t>
+            </a:r>
+            <a:r>
+              <a:rPr lang="fr-CH" dirty="0" smtClean="0"/>
+              <a:t> (</a:t>
+            </a:r>
+            <a:r>
+              <a:rPr lang="fr-CH" dirty="0" err="1" smtClean="0"/>
+              <a:t>sub</a:t>
+            </a:r>
+            <a:r>
+              <a:rPr lang="fr-CH" dirty="0" smtClean="0"/>
+              <a:t> </a:t>
+            </a:r>
+            <a:r>
+              <a:rPr lang="fr-CH" dirty="0" err="1" smtClean="0"/>
+              <a:t>families</a:t>
+            </a:r>
+            <a:r>
+              <a:rPr lang="fr-CH" dirty="0" smtClean="0"/>
+              <a:t>/group/line, BRM  = MARKETTEDBRAND): </a:t>
+            </a:r>
+            <a:r>
+              <a:rPr lang="fr-CH" dirty="0" err="1" smtClean="0"/>
+              <a:t>Transform</a:t>
+            </a:r>
+            <a:r>
+              <a:rPr lang="fr-CH" dirty="0" smtClean="0"/>
+              <a:t> </a:t>
+            </a:r>
+            <a:r>
+              <a:rPr lang="fr-CH" dirty="0" err="1" smtClean="0"/>
+              <a:t>column</a:t>
+            </a:r>
+            <a:r>
+              <a:rPr lang="fr-CH" dirty="0" smtClean="0"/>
+              <a:t> to 0/1 (1 if </a:t>
+            </a:r>
+            <a:r>
+              <a:rPr lang="fr-CH" dirty="0" err="1" smtClean="0"/>
+              <a:t>differs</a:t>
+            </a:r>
+            <a:r>
+              <a:rPr lang="fr-CH" dirty="0" smtClean="0"/>
+              <a:t>)</a:t>
+            </a:r>
+          </a:p>
+          <a:p>
+            <a:pPr marL="463550" lvl="1" indent="-285750"/>
+            <a:r>
+              <a:rPr lang="fr-CH" dirty="0" err="1" smtClean="0"/>
+              <a:t>Univariate</a:t>
+            </a:r>
+            <a:r>
+              <a:rPr lang="fr-CH" dirty="0" smtClean="0"/>
+              <a:t> </a:t>
+            </a:r>
+            <a:r>
+              <a:rPr lang="fr-CH" dirty="0" err="1" smtClean="0"/>
+              <a:t>analysis</a:t>
+            </a:r>
+            <a:r>
+              <a:rPr lang="fr-CH" dirty="0" smtClean="0"/>
+              <a:t> </a:t>
+            </a:r>
+            <a:r>
+              <a:rPr lang="fr-CH" dirty="0" err="1" smtClean="0"/>
+              <a:t>Anova</a:t>
+            </a:r>
+            <a:r>
+              <a:rPr lang="fr-CH" dirty="0" smtClean="0"/>
+              <a:t>: </a:t>
+            </a:r>
+            <a:r>
+              <a:rPr lang="fr-CH" dirty="0" err="1" smtClean="0"/>
+              <a:t>Better</a:t>
+            </a:r>
+            <a:r>
+              <a:rPr lang="fr-CH" dirty="0" smtClean="0"/>
+              <a:t> </a:t>
+            </a:r>
+            <a:r>
+              <a:rPr lang="fr-CH" dirty="0" err="1" smtClean="0"/>
+              <a:t>representation</a:t>
+            </a:r>
+            <a:r>
+              <a:rPr lang="fr-CH" dirty="0" smtClean="0"/>
+              <a:t> </a:t>
+            </a:r>
+            <a:r>
+              <a:rPr lang="fr-CH" dirty="0" err="1" smtClean="0"/>
+              <a:t>with</a:t>
+            </a:r>
+            <a:r>
+              <a:rPr lang="fr-CH" dirty="0" smtClean="0"/>
+              <a:t> </a:t>
+            </a:r>
+            <a:r>
+              <a:rPr lang="fr-CH" b="1" dirty="0" err="1" smtClean="0"/>
+              <a:t>median</a:t>
+            </a:r>
+            <a:r>
+              <a:rPr lang="fr-CH" dirty="0" smtClean="0"/>
+              <a:t> (</a:t>
+            </a:r>
+            <a:r>
+              <a:rPr lang="fr-CH" dirty="0" err="1" smtClean="0"/>
+              <a:t>than</a:t>
+            </a:r>
+            <a:r>
+              <a:rPr lang="fr-CH" dirty="0" smtClean="0"/>
+              <a:t> </a:t>
+            </a:r>
+            <a:r>
+              <a:rPr lang="fr-CH" dirty="0" err="1" smtClean="0"/>
+              <a:t>mean</a:t>
+            </a:r>
+            <a:r>
+              <a:rPr lang="fr-CH" dirty="0" smtClean="0"/>
+              <a:t>) – </a:t>
+            </a:r>
+            <a:r>
+              <a:rPr lang="fr-CH" dirty="0" err="1" smtClean="0"/>
+              <a:t>Kruskal</a:t>
+            </a:r>
+            <a:r>
+              <a:rPr lang="fr-CH" dirty="0" smtClean="0"/>
+              <a:t> Wallis Test</a:t>
+            </a:r>
+          </a:p>
+          <a:p>
+            <a:pPr marL="463550" lvl="1" indent="-285750"/>
+            <a:r>
+              <a:rPr lang="fr-CH" dirty="0" smtClean="0"/>
+              <a:t>ANOVA </a:t>
+            </a:r>
+            <a:r>
+              <a:rPr lang="fr-CH" dirty="0" err="1" smtClean="0"/>
+              <a:t>with</a:t>
+            </a:r>
+            <a:r>
+              <a:rPr lang="fr-CH" dirty="0" smtClean="0"/>
+              <a:t> Quantile Transformation</a:t>
             </a:r>
             <a:endParaRPr lang="fr-CH" dirty="0"/>
           </a:p>
@@ -6273,21 +10540,21 @@
       </p:sp>
       <p:graphicFrame>
         <p:nvGraphicFramePr>
-          <p:cNvPr id="5" name="Espace réservé du contenu 5"/>
+          <p:cNvPr id="6" name="Tableau 5"/>
           <p:cNvGraphicFramePr>
-            <a:graphicFrameLocks/>
+            <a:graphicFrameLocks noGrp="1"/>
           </p:cNvGraphicFramePr>
           <p:nvPr>
             <p:extLst>
               <p:ext uri="{D42A27DB-BD31-4B8C-83A1-F6EECF244321}">
-                <p14:modId xmlns:p14="http://schemas.microsoft.com/office/powerpoint/2010/main" val="3636383088"/>
+                <p14:modId xmlns:p14="http://schemas.microsoft.com/office/powerpoint/2010/main" val="1582500285"/>
               </p:ext>
             </p:extLst>
           </p:nvPr>
         </p:nvGraphicFramePr>
         <p:xfrm>
-          <a:off x="349119" y="426358"/>
-          <a:ext cx="9065816" cy="6101080"/>
+          <a:off x="57151" y="3153832"/>
+          <a:ext cx="4044948" cy="2743200"/>
         </p:xfrm>
         <a:graphic>
           <a:graphicData uri="http://schemas.openxmlformats.org/drawingml/2006/table">
@@ -6296,10 +10563,9 @@
                 <a:tableStyleId>{5C22544A-7EE6-4342-B048-85BDC9FD1C3A}</a:tableStyleId>
               </a:tblPr>
               <a:tblGrid>
-                <a:gridCol w="2266454"/>
-                <a:gridCol w="2266454"/>
-                <a:gridCol w="2266454"/>
-                <a:gridCol w="2266454"/>
+                <a:gridCol w="1348316"/>
+                <a:gridCol w="1348316"/>
+                <a:gridCol w="1348316"/>
               </a:tblGrid>
               <a:tr h="370840">
                 <a:tc>
@@ -6308,122 +10574,76 @@
                     <a:lstStyle/>
                     <a:p>
                       <a:r>
-                        <a:rPr lang="fr-CH" dirty="0" err="1" smtClean="0"/>
+                        <a:rPr lang="en-US" dirty="0" smtClean="0"/>
                         <a:t>Feature</a:t>
                       </a:r>
-                      <a:endParaRPr lang="fr-CH" dirty="0"/>
-                    </a:p>
-                  </a:txBody>
-                  <a:tcPr/>
-                </a:tc>
-                <a:tc>
-                  <a:txBody>
-                    <a:bodyPr/>
-                    <a:lstStyle/>
-                    <a:p>
-                      <a:r>
-                        <a:rPr lang="fr-CH" dirty="0" err="1" smtClean="0"/>
-                        <a:t>Assumption</a:t>
-                      </a:r>
-                      <a:endParaRPr lang="fr-CH" dirty="0"/>
-                    </a:p>
-                  </a:txBody>
-                  <a:tcPr/>
-                </a:tc>
-                <a:tc>
-                  <a:txBody>
-                    <a:bodyPr/>
-                    <a:lstStyle/>
-                    <a:p>
-                      <a:r>
-                        <a:rPr lang="fr-CH" dirty="0" err="1" smtClean="0"/>
-                        <a:t>Example</a:t>
-                      </a:r>
-                      <a:endParaRPr lang="fr-CH" dirty="0"/>
-                    </a:p>
-                  </a:txBody>
-                  <a:tcPr/>
-                </a:tc>
-                <a:tc>
-                  <a:txBody>
-                    <a:bodyPr/>
-                    <a:lstStyle/>
-                    <a:p>
-                      <a:r>
-                        <a:rPr lang="fr-CH" dirty="0" smtClean="0"/>
-                        <a:t>Note</a:t>
-                      </a:r>
-                      <a:endParaRPr lang="fr-CH" dirty="0"/>
+                      <a:endParaRPr lang="en-US" dirty="0"/>
+                    </a:p>
+                  </a:txBody>
+                  <a:tcPr/>
+                </a:tc>
+                <a:tc>
+                  <a:txBody>
+                    <a:bodyPr/>
+                    <a:lstStyle/>
+                    <a:p>
+                      <a:r>
+                        <a:rPr lang="en-US" dirty="0" smtClean="0"/>
+                        <a:t>KW statistic</a:t>
+                      </a:r>
+                      <a:endParaRPr lang="en-US" dirty="0"/>
+                    </a:p>
+                  </a:txBody>
+                  <a:tcPr/>
+                </a:tc>
+                <a:tc>
+                  <a:txBody>
+                    <a:bodyPr/>
+                    <a:lstStyle/>
+                    <a:p>
+                      <a:r>
+                        <a:rPr lang="en-US" dirty="0" err="1" smtClean="0"/>
+                        <a:t>pvalue</a:t>
+                      </a:r>
+                      <a:endParaRPr lang="en-US" dirty="0"/>
                     </a:p>
                   </a:txBody>
                   <a:tcPr/>
                 </a:tc>
               </a:tr>
               <a:tr h="370840">
-                <a:tc>
-                  <a:txBody>
-                    <a:bodyPr/>
-                    <a:lstStyle/>
-                    <a:p>
-                      <a:r>
-                        <a:rPr lang="fr-CH" dirty="0" smtClean="0"/>
-                        <a:t>REGION</a:t>
-                      </a:r>
-                      <a:endParaRPr lang="fr-CH" dirty="0"/>
-                    </a:p>
-                  </a:txBody>
-                  <a:tcPr/>
-                </a:tc>
-                <a:tc>
-                  <a:txBody>
-                    <a:bodyPr/>
-                    <a:lstStyle/>
-                    <a:p>
-                      <a:r>
-                        <a:rPr lang="fr-CH" dirty="0" smtClean="0"/>
-                        <a:t>4 Continents</a:t>
-                      </a:r>
-                      <a:endParaRPr lang="fr-CH" dirty="0"/>
-                    </a:p>
-                  </a:txBody>
-                  <a:tcPr/>
-                </a:tc>
-                <a:tc>
-                  <a:txBody>
-                    <a:bodyPr/>
-                    <a:lstStyle/>
-                    <a:p>
-                      <a:r>
-                        <a:rPr lang="fr-CH" dirty="0" err="1" smtClean="0"/>
-                        <a:t>la&amp;c</a:t>
-                      </a:r>
-                      <a:r>
-                        <a:rPr lang="fr-CH" dirty="0" smtClean="0"/>
-                        <a:t>, eu, </a:t>
-                      </a:r>
-                      <a:r>
-                        <a:rPr lang="fr-CH" dirty="0" err="1" smtClean="0"/>
-                        <a:t>eema</a:t>
-                      </a:r>
-                      <a:r>
-                        <a:rPr lang="fr-CH" dirty="0" smtClean="0"/>
-                        <a:t>, </a:t>
-                      </a:r>
-                      <a:r>
-                        <a:rPr lang="fr-CH" dirty="0" err="1" smtClean="0"/>
-                        <a:t>asia</a:t>
-                      </a:r>
-                      <a:endParaRPr lang="fr-CH" dirty="0"/>
-                    </a:p>
-                  </a:txBody>
-                  <a:tcPr/>
-                </a:tc>
-                <a:tc>
-                  <a:txBody>
-                    <a:bodyPr/>
-                    <a:lstStyle/>
-                    <a:p>
-                      <a:endParaRPr lang="fr-CH" dirty="0"/>
+                <a:tc gridSpan="3">
+                  <a:txBody>
+                    <a:bodyPr/>
+                    <a:lstStyle/>
+                    <a:p>
+                      <a:r>
+                        <a:rPr lang="en-US" sz="1400" dirty="0" smtClean="0"/>
+                        <a:t>Before encoding</a:t>
+                      </a:r>
+                      <a:endParaRPr lang="en-US" sz="1400" dirty="0"/>
+                    </a:p>
+                  </a:txBody>
+                  <a:tcPr>
+                    <a:noFill/>
+                  </a:tcPr>
+                </a:tc>
+                <a:tc hMerge="1">
+                  <a:txBody>
+                    <a:bodyPr/>
+                    <a:lstStyle/>
+                    <a:p>
+                      <a:endParaRPr lang="en-US" dirty="0"/>
+                    </a:p>
+                  </a:txBody>
+                  <a:tcPr/>
+                </a:tc>
+                <a:tc hMerge="1">
+                  <a:txBody>
+                    <a:bodyPr/>
+                    <a:lstStyle/>
+                    <a:p>
+                      <a:endParaRPr lang="en-US" dirty="0"/>
                     </a:p>
                   </a:txBody>
                   <a:tcPr/>
@@ -6436,64 +10656,38 @@
                     <a:lstStyle/>
                     <a:p>
                       <a:r>
-                        <a:rPr lang="fr-CH" dirty="0" smtClean="0"/>
-                        <a:t>MARKET</a:t>
-                      </a:r>
-                      <a:endParaRPr lang="fr-CH" dirty="0"/>
-                    </a:p>
-                  </a:txBody>
-                  <a:tcPr/>
-                </a:tc>
-                <a:tc>
-                  <a:txBody>
-                    <a:bodyPr/>
-                    <a:lstStyle/>
-                    <a:p>
-                      <a:r>
-                        <a:rPr lang="fr-CH" dirty="0" err="1" smtClean="0"/>
-                        <a:t>Geo</a:t>
-                      </a:r>
-                      <a:r>
-                        <a:rPr lang="fr-CH" dirty="0" smtClean="0"/>
-                        <a:t>,</a:t>
-                      </a:r>
-                      <a:r>
-                        <a:rPr lang="fr-CH" baseline="0" dirty="0" smtClean="0"/>
-                        <a:t> </a:t>
-                      </a:r>
-                      <a:r>
-                        <a:rPr lang="fr-CH" baseline="0" dirty="0" err="1" smtClean="0"/>
-                        <a:t>laws</a:t>
-                      </a:r>
-                      <a:endParaRPr lang="fr-CH" dirty="0"/>
-                    </a:p>
-                  </a:txBody>
-                  <a:tcPr/>
-                </a:tc>
-                <a:tc>
-                  <a:txBody>
-                    <a:bodyPr/>
-                    <a:lstStyle/>
-                    <a:p>
-                      <a:r>
-                        <a:rPr lang="fr-CH" dirty="0" err="1" smtClean="0"/>
-                        <a:t>Swiss</a:t>
-                      </a:r>
-                      <a:r>
-                        <a:rPr lang="fr-CH" dirty="0" smtClean="0"/>
-                        <a:t> Canton</a:t>
-                      </a:r>
-                      <a:endParaRPr lang="fr-CH" dirty="0"/>
-                    </a:p>
-                  </a:txBody>
-                  <a:tcPr/>
-                </a:tc>
-                <a:tc>
-                  <a:txBody>
-                    <a:bodyPr/>
-                    <a:lstStyle/>
-                    <a:p>
-                      <a:endParaRPr lang="fr-CH" dirty="0"/>
+                        <a:rPr lang="en-US" sz="1400" dirty="0" smtClean="0"/>
+                        <a:t>NPLMONTH</a:t>
+                      </a:r>
+                      <a:endParaRPr lang="en-US" sz="1400" dirty="0"/>
+                    </a:p>
+                  </a:txBody>
+                  <a:tcPr/>
+                </a:tc>
+                <a:tc>
+                  <a:txBody>
+                    <a:bodyPr/>
+                    <a:lstStyle/>
+                    <a:p>
+                      <a:r>
+                        <a:rPr lang="en-US" sz="1400" dirty="0" smtClean="0"/>
+                        <a:t>0.72</a:t>
+                      </a:r>
+                      <a:endParaRPr lang="en-US" sz="1400" dirty="0"/>
+                    </a:p>
+                  </a:txBody>
+                  <a:tcPr/>
+                </a:tc>
+                <a:tc>
+                  <a:txBody>
+                    <a:bodyPr/>
+                    <a:lstStyle/>
+                    <a:p>
+                      <a:r>
+                        <a:rPr lang="en-US" sz="1400" dirty="0" smtClean="0"/>
+                        <a:t>39,69%</a:t>
+                      </a:r>
+                      <a:endParaRPr lang="en-US" sz="1400" dirty="0"/>
                     </a:p>
                   </a:txBody>
                   <a:tcPr/>
@@ -6506,228 +10700,76 @@
                     <a:lstStyle/>
                     <a:p>
                       <a:r>
-                        <a:rPr lang="fr-CH" dirty="0" smtClean="0"/>
-                        <a:t>BRM,</a:t>
-                      </a:r>
-                      <a:r>
-                        <a:rPr lang="fr-CH" baseline="0" dirty="0" smtClean="0"/>
-                        <a:t> BRANDEDMARKET, BRANDONMARKET</a:t>
-                      </a:r>
-                      <a:endParaRPr lang="fr-CH" dirty="0"/>
-                    </a:p>
-                  </a:txBody>
-                  <a:tcPr/>
-                </a:tc>
-                <a:tc>
-                  <a:txBody>
-                    <a:bodyPr/>
-                    <a:lstStyle/>
-                    <a:p>
-                      <a:r>
-                        <a:rPr lang="fr-CH" dirty="0" smtClean="0"/>
-                        <a:t>Set</a:t>
-                      </a:r>
-                      <a:r>
-                        <a:rPr lang="fr-CH" baseline="0" dirty="0" smtClean="0"/>
-                        <a:t> of </a:t>
-                      </a:r>
-                      <a:r>
-                        <a:rPr lang="fr-CH" baseline="0" dirty="0" err="1" smtClean="0"/>
-                        <a:t>attributes</a:t>
-                      </a:r>
-                      <a:r>
-                        <a:rPr lang="fr-CH" baseline="0" dirty="0" smtClean="0"/>
-                        <a:t> </a:t>
-                      </a:r>
-                      <a:r>
-                        <a:rPr lang="fr-CH" baseline="0" dirty="0" err="1" smtClean="0"/>
-                        <a:t>defining</a:t>
-                      </a:r>
-                      <a:r>
-                        <a:rPr lang="fr-CH" baseline="0" dirty="0" smtClean="0"/>
-                        <a:t>  the </a:t>
-                      </a:r>
-                      <a:r>
-                        <a:rPr lang="fr-CH" baseline="0" dirty="0" err="1" smtClean="0"/>
-                        <a:t>product</a:t>
-                      </a:r>
-                      <a:endParaRPr lang="fr-CH" dirty="0"/>
-                    </a:p>
-                  </a:txBody>
-                  <a:tcPr/>
-                </a:tc>
-                <a:tc>
-                  <a:txBody>
-                    <a:bodyPr/>
-                    <a:lstStyle/>
-                    <a:p>
-                      <a:r>
-                        <a:rPr lang="fr-CH" dirty="0" smtClean="0"/>
-                        <a:t>Cigarettes,</a:t>
-                      </a:r>
-                      <a:r>
-                        <a:rPr lang="fr-CH" baseline="0" dirty="0" smtClean="0"/>
-                        <a:t> Marlboro, </a:t>
-                      </a:r>
-                      <a:r>
-                        <a:rPr lang="fr-CH" baseline="0" dirty="0" err="1" smtClean="0"/>
-                        <a:t>flavor</a:t>
-                      </a:r>
-                      <a:r>
-                        <a:rPr lang="fr-CH" baseline="0" dirty="0" smtClean="0"/>
-                        <a:t>, Menthol, </a:t>
-                      </a:r>
-                      <a:r>
-                        <a:rPr lang="fr-CH" baseline="0" dirty="0" err="1" smtClean="0"/>
-                        <a:t>Length</a:t>
-                      </a:r>
-                      <a:endParaRPr lang="fr-CH" baseline="0" dirty="0" smtClean="0"/>
-                    </a:p>
-                  </a:txBody>
-                  <a:tcPr/>
-                </a:tc>
-                <a:tc>
-                  <a:txBody>
-                    <a:bodyPr/>
-                    <a:lstStyle/>
-                    <a:p>
-                      <a:r>
-                        <a:rPr lang="fr-CH" dirty="0" err="1" smtClean="0"/>
-                        <a:t>Highly</a:t>
-                      </a:r>
-                      <a:r>
-                        <a:rPr lang="fr-CH" dirty="0" smtClean="0"/>
-                        <a:t> </a:t>
-                      </a:r>
-                      <a:r>
-                        <a:rPr lang="fr-CH" dirty="0" err="1" smtClean="0"/>
-                        <a:t>correlated</a:t>
-                      </a:r>
-                      <a:endParaRPr lang="fr-CH" dirty="0"/>
+                        <a:rPr lang="en-US" sz="1400" dirty="0" smtClean="0"/>
+                        <a:t>TIPCOLOR</a:t>
+                      </a:r>
+                      <a:endParaRPr lang="en-US" sz="1400" dirty="0"/>
+                    </a:p>
+                  </a:txBody>
+                  <a:tcPr/>
+                </a:tc>
+                <a:tc>
+                  <a:txBody>
+                    <a:bodyPr/>
+                    <a:lstStyle/>
+                    <a:p>
+                      <a:r>
+                        <a:rPr lang="en-US" sz="1400" dirty="0" smtClean="0"/>
+                        <a:t>3,42</a:t>
+                      </a:r>
+                      <a:endParaRPr lang="en-US" sz="1400" dirty="0"/>
+                    </a:p>
+                  </a:txBody>
+                  <a:tcPr/>
+                </a:tc>
+                <a:tc>
+                  <a:txBody>
+                    <a:bodyPr/>
+                    <a:lstStyle/>
+                    <a:p>
+                      <a:r>
+                        <a:rPr lang="en-US" sz="1400" dirty="0" smtClean="0"/>
+                        <a:t>6,45%</a:t>
+                      </a:r>
+                      <a:endParaRPr lang="en-US" sz="1400" dirty="0"/>
                     </a:p>
                   </a:txBody>
                   <a:tcPr/>
                 </a:tc>
               </a:tr>
               <a:tr h="370840">
-                <a:tc>
-                  <a:txBody>
-                    <a:bodyPr/>
-                    <a:lstStyle/>
-                    <a:p>
-                      <a:r>
-                        <a:rPr lang="fr-CH" dirty="0" smtClean="0"/>
-                        <a:t>BLDIMAGE</a:t>
-                      </a:r>
-                      <a:endParaRPr lang="fr-CH" dirty="0"/>
-                    </a:p>
-                  </a:txBody>
-                  <a:tcPr/>
-                </a:tc>
-                <a:tc>
-                  <a:txBody>
-                    <a:bodyPr/>
-                    <a:lstStyle/>
-                    <a:p>
-                      <a:r>
-                        <a:rPr lang="fr-CH" dirty="0" err="1" smtClean="0"/>
-                        <a:t>Blend</a:t>
-                      </a:r>
-                      <a:r>
-                        <a:rPr lang="fr-CH" dirty="0" smtClean="0"/>
-                        <a:t> Image</a:t>
-                      </a:r>
-                      <a:endParaRPr lang="fr-CH" dirty="0"/>
-                    </a:p>
-                  </a:txBody>
-                  <a:tcPr/>
-                </a:tc>
-                <a:tc>
-                  <a:txBody>
-                    <a:bodyPr/>
-                    <a:lstStyle/>
-                    <a:p>
-                      <a:endParaRPr lang="fr-CH"/>
-                    </a:p>
-                  </a:txBody>
-                  <a:tcPr/>
-                </a:tc>
-                <a:tc>
-                  <a:txBody>
-                    <a:bodyPr/>
-                    <a:lstStyle/>
-                    <a:p>
-                      <a:endParaRPr lang="fr-CH"/>
-                    </a:p>
-                  </a:txBody>
-                  <a:tcPr/>
-                </a:tc>
-              </a:tr>
-              <a:tr h="284232">
-                <a:tc>
-                  <a:txBody>
-                    <a:bodyPr/>
-                    <a:lstStyle/>
-                    <a:p>
-                      <a:r>
-                        <a:rPr lang="fr-CH" dirty="0" smtClean="0"/>
-                        <a:t>BRANDDIFFERENT.</a:t>
-                      </a:r>
-                      <a:endParaRPr lang="fr-CH" dirty="0"/>
-                    </a:p>
-                  </a:txBody>
-                  <a:tcPr/>
-                </a:tc>
-                <a:tc>
-                  <a:txBody>
-                    <a:bodyPr/>
-                    <a:lstStyle/>
-                    <a:p>
-                      <a:endParaRPr lang="fr-CH" dirty="0"/>
-                    </a:p>
-                  </a:txBody>
-                  <a:tcPr/>
-                </a:tc>
-                <a:tc>
-                  <a:txBody>
-                    <a:bodyPr/>
-                    <a:lstStyle/>
-                    <a:p>
-                      <a:r>
-                        <a:rPr lang="fr-CH" dirty="0" smtClean="0"/>
-                        <a:t>Blondes,</a:t>
-                      </a:r>
-                      <a:r>
-                        <a:rPr lang="fr-CH" baseline="0" dirty="0" smtClean="0"/>
-                        <a:t> </a:t>
-                      </a:r>
-                      <a:r>
-                        <a:rPr lang="fr-CH" baseline="0" dirty="0" err="1" smtClean="0"/>
-                        <a:t>Red</a:t>
-                      </a:r>
-                      <a:r>
-                        <a:rPr lang="fr-CH" baseline="0" dirty="0" smtClean="0"/>
-                        <a:t>, </a:t>
-                      </a:r>
-                      <a:r>
-                        <a:rPr lang="fr-CH" baseline="0" dirty="0" err="1" smtClean="0"/>
-                        <a:t>Flavor</a:t>
-                      </a:r>
-                      <a:r>
-                        <a:rPr lang="fr-CH" baseline="0" dirty="0" smtClean="0"/>
-                        <a:t>+</a:t>
-                      </a:r>
-                      <a:endParaRPr lang="fr-CH" dirty="0"/>
-                    </a:p>
-                  </a:txBody>
-                  <a:tcPr/>
-                </a:tc>
-                <a:tc>
-                  <a:txBody>
-                    <a:bodyPr/>
-                    <a:lstStyle/>
-                    <a:p>
-                      <a:endParaRPr lang="fr-CH"/>
+                <a:tc gridSpan="3">
+                  <a:txBody>
+                    <a:bodyPr/>
+                    <a:lstStyle/>
+                    <a:p>
+                      <a:r>
+                        <a:rPr lang="en-US" sz="1400" dirty="0" smtClean="0"/>
+                        <a:t>After encoding</a:t>
+                      </a:r>
+                      <a:endParaRPr lang="en-US" sz="1400" dirty="0"/>
+                    </a:p>
+                  </a:txBody>
+                  <a:tcPr>
+                    <a:noFill/>
+                  </a:tcPr>
+                </a:tc>
+                <a:tc hMerge="1">
+                  <a:txBody>
+                    <a:bodyPr/>
+                    <a:lstStyle/>
+                    <a:p>
+                      <a:endParaRPr lang="en-US" dirty="0"/>
+                    </a:p>
+                  </a:txBody>
+                  <a:tcPr/>
+                </a:tc>
+                <a:tc hMerge="1">
+                  <a:txBody>
+                    <a:bodyPr/>
+                    <a:lstStyle/>
+                    <a:p>
+                      <a:endParaRPr lang="en-US" dirty="0"/>
                     </a:p>
                   </a:txBody>
                   <a:tcPr/>
@@ -6740,60 +10782,38 @@
                     <a:lstStyle/>
                     <a:p>
                       <a:r>
-                        <a:rPr lang="fr-CH" dirty="0" smtClean="0"/>
-                        <a:t>BRANDFAMILY (SUB..)</a:t>
-                      </a:r>
-                      <a:endParaRPr lang="fr-CH" dirty="0"/>
-                    </a:p>
-                  </a:txBody>
-                  <a:tcPr/>
-                </a:tc>
-                <a:tc>
-                  <a:txBody>
-                    <a:bodyPr/>
-                    <a:lstStyle/>
-                    <a:p>
-                      <a:endParaRPr lang="fr-CH" dirty="0"/>
-                    </a:p>
-                  </a:txBody>
-                  <a:tcPr/>
-                </a:tc>
-                <a:tc>
-                  <a:txBody>
-                    <a:bodyPr/>
-                    <a:lstStyle/>
-                    <a:p>
-                      <a:r>
-                        <a:rPr lang="fr-CH" dirty="0" smtClean="0"/>
-                        <a:t>Marlboro</a:t>
-                      </a:r>
-                      <a:r>
-                        <a:rPr lang="fr-CH" baseline="0" dirty="0" smtClean="0"/>
-                        <a:t> (Gold etc…)</a:t>
-                      </a:r>
-                      <a:endParaRPr lang="fr-CH" dirty="0"/>
-                    </a:p>
-                  </a:txBody>
-                  <a:tcPr/>
-                </a:tc>
-                <a:tc>
-                  <a:txBody>
-                    <a:bodyPr/>
-                    <a:lstStyle/>
-                    <a:p>
-                      <a:r>
-                        <a:rPr lang="fr-CH" dirty="0" err="1" smtClean="0"/>
-                        <a:t>Highly</a:t>
-                      </a:r>
-                      <a:r>
-                        <a:rPr lang="fr-CH" dirty="0" smtClean="0"/>
-                        <a:t> </a:t>
-                      </a:r>
-                      <a:r>
-                        <a:rPr lang="fr-CH" dirty="0" err="1" smtClean="0"/>
-                        <a:t>correlated</a:t>
-                      </a:r>
-                      <a:endParaRPr lang="fr-CH" dirty="0"/>
+                        <a:rPr lang="en-US" sz="1400" dirty="0" smtClean="0"/>
+                        <a:t>BRANDSUBFAMILYGROUP</a:t>
+                      </a:r>
+                      <a:endParaRPr lang="en-US" sz="1400" dirty="0"/>
+                    </a:p>
+                  </a:txBody>
+                  <a:tcPr/>
+                </a:tc>
+                <a:tc>
+                  <a:txBody>
+                    <a:bodyPr/>
+                    <a:lstStyle/>
+                    <a:p>
+                      <a:r>
+                        <a:rPr lang="en-US" sz="1400" dirty="0" smtClean="0"/>
+                        <a:t>0,95</a:t>
+                      </a:r>
+                      <a:endParaRPr lang="en-US" sz="1400" dirty="0"/>
+                    </a:p>
+                  </a:txBody>
+                  <a:tcPr/>
+                </a:tc>
+                <a:tc>
+                  <a:txBody>
+                    <a:bodyPr/>
+                    <a:lstStyle/>
+                    <a:p>
+                      <a:r>
+                        <a:rPr lang="en-US" sz="1400" dirty="0" smtClean="0"/>
+                        <a:t>32,99%</a:t>
+                      </a:r>
+                      <a:endParaRPr lang="en-US" sz="1400" dirty="0"/>
                     </a:p>
                   </a:txBody>
                   <a:tcPr/>
@@ -6806,462 +10826,38 @@
                     <a:lstStyle/>
                     <a:p>
                       <a:r>
-                        <a:rPr lang="fr-CH" dirty="0" smtClean="0"/>
-                        <a:t>CHARINDICATOR</a:t>
-                      </a:r>
-                      <a:endParaRPr lang="fr-CH" dirty="0"/>
-                    </a:p>
-                  </a:txBody>
-                  <a:tcPr/>
-                </a:tc>
-                <a:tc>
-                  <a:txBody>
-                    <a:bodyPr/>
-                    <a:lstStyle/>
-                    <a:p>
-                      <a:r>
-                        <a:rPr lang="fr-CH" dirty="0" err="1" smtClean="0"/>
-                        <a:t>Charcoal</a:t>
-                      </a:r>
-                      <a:r>
-                        <a:rPr lang="fr-CH" dirty="0" smtClean="0"/>
-                        <a:t> </a:t>
-                      </a:r>
-                      <a:r>
-                        <a:rPr lang="fr-CH" dirty="0" err="1" smtClean="0"/>
-                        <a:t>Indicator</a:t>
-                      </a:r>
-                      <a:endParaRPr lang="fr-CH" dirty="0"/>
-                    </a:p>
-                  </a:txBody>
-                  <a:tcPr/>
-                </a:tc>
-                <a:tc>
-                  <a:txBody>
-                    <a:bodyPr/>
-                    <a:lstStyle/>
-                    <a:p>
-                      <a:endParaRPr lang="fr-CH" dirty="0"/>
-                    </a:p>
-                  </a:txBody>
-                  <a:tcPr/>
-                </a:tc>
-                <a:tc>
-                  <a:txBody>
-                    <a:bodyPr/>
-                    <a:lstStyle/>
-                    <a:p>
-                      <a:endParaRPr lang="fr-CH"/>
-                    </a:p>
-                  </a:txBody>
-                  <a:tcPr/>
-                </a:tc>
-              </a:tr>
-              <a:tr h="370840">
-                <a:tc>
-                  <a:txBody>
-                    <a:bodyPr/>
-                    <a:lstStyle/>
-                    <a:p>
-                      <a:r>
-                        <a:rPr lang="fr-CH" dirty="0" smtClean="0"/>
-                        <a:t>BRMID</a:t>
-                      </a:r>
-                      <a:endParaRPr lang="fr-CH" dirty="0"/>
-                    </a:p>
-                  </a:txBody>
-                  <a:tcPr/>
-                </a:tc>
-                <a:tc>
-                  <a:txBody>
-                    <a:bodyPr/>
-                    <a:lstStyle/>
-                    <a:p>
-                      <a:r>
-                        <a:rPr lang="fr-CH" dirty="0" smtClean="0"/>
-                        <a:t>ID</a:t>
-                      </a:r>
-                      <a:endParaRPr lang="fr-CH" dirty="0"/>
-                    </a:p>
-                  </a:txBody>
-                  <a:tcPr/>
-                </a:tc>
-                <a:tc>
-                  <a:txBody>
-                    <a:bodyPr/>
-                    <a:lstStyle/>
-                    <a:p>
-                      <a:endParaRPr lang="fr-CH" dirty="0"/>
-                    </a:p>
-                  </a:txBody>
-                  <a:tcPr/>
-                </a:tc>
-                <a:tc>
-                  <a:txBody>
-                    <a:bodyPr/>
-                    <a:lstStyle/>
-                    <a:p>
-                      <a:r>
-                        <a:rPr lang="fr-CH" dirty="0" smtClean="0"/>
-                        <a:t>2 clusters</a:t>
-                      </a:r>
-                      <a:endParaRPr lang="fr-CH" dirty="0"/>
-                    </a:p>
-                  </a:txBody>
-                  <a:tcPr/>
-                </a:tc>
-              </a:tr>
-              <a:tr h="370840">
-                <a:tc>
-                  <a:txBody>
-                    <a:bodyPr/>
-                    <a:lstStyle/>
-                    <a:p>
-                      <a:r>
-                        <a:rPr lang="fr-CH" dirty="0" smtClean="0"/>
-                        <a:t>RTYPE</a:t>
-                      </a:r>
-                      <a:endParaRPr lang="fr-CH" dirty="0"/>
-                    </a:p>
-                  </a:txBody>
-                  <a:tcPr/>
-                </a:tc>
-                <a:tc>
-                  <a:txBody>
-                    <a:bodyPr/>
-                    <a:lstStyle/>
-                    <a:p>
-                      <a:r>
-                        <a:rPr lang="fr-CH" dirty="0" err="1" smtClean="0"/>
-                        <a:t>Filter</a:t>
-                      </a:r>
-                      <a:r>
-                        <a:rPr lang="fr-CH" dirty="0" smtClean="0"/>
-                        <a:t> type?</a:t>
-                      </a:r>
-                      <a:endParaRPr lang="fr-CH" dirty="0"/>
-                    </a:p>
-                  </a:txBody>
-                  <a:tcPr/>
-                </a:tc>
-                <a:tc>
-                  <a:txBody>
-                    <a:bodyPr/>
-                    <a:lstStyle/>
-                    <a:p>
-                      <a:endParaRPr lang="fr-CH" dirty="0"/>
-                    </a:p>
-                  </a:txBody>
-                  <a:tcPr/>
-                </a:tc>
-                <a:tc>
-                  <a:txBody>
-                    <a:bodyPr/>
-                    <a:lstStyle/>
-                    <a:p>
-                      <a:r>
-                        <a:rPr lang="fr-CH" dirty="0" err="1" smtClean="0"/>
-                        <a:t>Many</a:t>
-                      </a:r>
-                      <a:r>
-                        <a:rPr lang="fr-CH" dirty="0" smtClean="0"/>
-                        <a:t> NA</a:t>
-                      </a:r>
-                      <a:endParaRPr lang="fr-CH" dirty="0"/>
-                    </a:p>
-                  </a:txBody>
-                  <a:tcPr/>
-                </a:tc>
-              </a:tr>
-              <a:tr h="370840">
-                <a:tc>
-                  <a:txBody>
-                    <a:bodyPr/>
-                    <a:lstStyle/>
-                    <a:p>
-                      <a:r>
-                        <a:rPr lang="fr-CH" dirty="0" smtClean="0"/>
-                        <a:t>INTERNATIONALINDIC</a:t>
-                      </a:r>
-                      <a:endParaRPr lang="fr-CH" dirty="0"/>
-                    </a:p>
-                  </a:txBody>
-                  <a:tcPr/>
-                </a:tc>
-                <a:tc>
-                  <a:txBody>
-                    <a:bodyPr/>
-                    <a:lstStyle/>
-                    <a:p>
-                      <a:r>
-                        <a:rPr lang="fr-CH" dirty="0" err="1" smtClean="0"/>
-                        <a:t>Indicator</a:t>
-                      </a:r>
-                      <a:r>
-                        <a:rPr lang="fr-CH" dirty="0" smtClean="0"/>
-                        <a:t> in English?</a:t>
-                      </a:r>
-                      <a:endParaRPr lang="fr-CH" dirty="0"/>
-                    </a:p>
-                  </a:txBody>
-                  <a:tcPr/>
-                </a:tc>
-                <a:tc>
-                  <a:txBody>
-                    <a:bodyPr/>
-                    <a:lstStyle/>
-                    <a:p>
-                      <a:endParaRPr lang="fr-CH"/>
-                    </a:p>
-                  </a:txBody>
-                  <a:tcPr/>
-                </a:tc>
-                <a:tc>
-                  <a:txBody>
-                    <a:bodyPr/>
-                    <a:lstStyle/>
-                    <a:p>
-                      <a:endParaRPr lang="fr-CH"/>
-                    </a:p>
-                  </a:txBody>
-                  <a:tcPr/>
-                </a:tc>
-              </a:tr>
-              <a:tr h="370840">
-                <a:tc>
-                  <a:txBody>
-                    <a:bodyPr/>
-                    <a:lstStyle/>
-                    <a:p>
-                      <a:r>
-                        <a:rPr lang="fr-CH" dirty="0" smtClean="0"/>
-                        <a:t>ITEMSHAPE</a:t>
-                      </a:r>
-                      <a:endParaRPr lang="fr-CH" dirty="0"/>
-                    </a:p>
-                  </a:txBody>
-                  <a:tcPr/>
-                </a:tc>
-                <a:tc>
-                  <a:txBody>
-                    <a:bodyPr/>
-                    <a:lstStyle/>
-                    <a:p>
-                      <a:r>
-                        <a:rPr lang="fr-CH" dirty="0" smtClean="0"/>
-                        <a:t>Product Shape</a:t>
-                      </a:r>
-                      <a:endParaRPr lang="fr-CH" dirty="0"/>
-                    </a:p>
-                  </a:txBody>
-                  <a:tcPr/>
-                </a:tc>
-                <a:tc>
-                  <a:txBody>
-                    <a:bodyPr/>
-                    <a:lstStyle/>
-                    <a:p>
-                      <a:r>
-                        <a:rPr lang="fr-CH" dirty="0" err="1" smtClean="0"/>
-                        <a:t>Rigid</a:t>
-                      </a:r>
-                      <a:r>
-                        <a:rPr lang="fr-CH" dirty="0" smtClean="0"/>
-                        <a:t> (for </a:t>
-                      </a:r>
-                      <a:r>
-                        <a:rPr lang="fr-CH" dirty="0" err="1" smtClean="0"/>
-                        <a:t>packets</a:t>
-                      </a:r>
-                      <a:r>
-                        <a:rPr lang="fr-CH" dirty="0" smtClean="0"/>
-                        <a:t>)</a:t>
-                      </a:r>
-                      <a:endParaRPr lang="fr-CH" dirty="0"/>
-                    </a:p>
-                  </a:txBody>
-                  <a:tcPr/>
-                </a:tc>
-                <a:tc>
-                  <a:txBody>
-                    <a:bodyPr/>
-                    <a:lstStyle/>
-                    <a:p>
-                      <a:endParaRPr lang="fr-CH" dirty="0"/>
-                    </a:p>
-                  </a:txBody>
-                  <a:tcPr/>
-                </a:tc>
-              </a:tr>
-              <a:tr h="370840">
-                <a:tc>
-                  <a:txBody>
-                    <a:bodyPr/>
-                    <a:lstStyle/>
-                    <a:p>
-                      <a:r>
-                        <a:rPr lang="fr-CH" dirty="0" smtClean="0"/>
-                        <a:t>ITEMSCODE</a:t>
-                      </a:r>
-                      <a:endParaRPr lang="fr-CH" dirty="0"/>
-                    </a:p>
-                  </a:txBody>
-                  <a:tcPr/>
-                </a:tc>
-                <a:tc>
-                  <a:txBody>
-                    <a:bodyPr/>
-                    <a:lstStyle/>
-                    <a:p>
-                      <a:r>
-                        <a:rPr lang="fr-CH" dirty="0" err="1" smtClean="0"/>
-                        <a:t>Number</a:t>
-                      </a:r>
-                      <a:r>
-                        <a:rPr lang="fr-CH" dirty="0" smtClean="0"/>
-                        <a:t> of cigarettes</a:t>
-                      </a:r>
-                      <a:endParaRPr lang="fr-CH" dirty="0"/>
-                    </a:p>
-                  </a:txBody>
-                  <a:tcPr/>
-                </a:tc>
-                <a:tc>
-                  <a:txBody>
-                    <a:bodyPr/>
-                    <a:lstStyle/>
-                    <a:p>
-                      <a:r>
-                        <a:rPr lang="fr-CH" dirty="0" smtClean="0"/>
-                        <a:t>20</a:t>
-                      </a:r>
-                      <a:endParaRPr lang="fr-CH" dirty="0"/>
-                    </a:p>
-                  </a:txBody>
-                  <a:tcPr/>
-                </a:tc>
-                <a:tc>
-                  <a:txBody>
-                    <a:bodyPr/>
-                    <a:lstStyle/>
-                    <a:p>
-                      <a:endParaRPr lang="fr-CH" dirty="0"/>
-                    </a:p>
-                  </a:txBody>
-                  <a:tcPr/>
-                </a:tc>
-              </a:tr>
-              <a:tr h="370840">
-                <a:tc>
-                  <a:txBody>
-                    <a:bodyPr/>
-                    <a:lstStyle/>
-                    <a:p>
-                      <a:r>
-                        <a:rPr lang="fr-CH" dirty="0" smtClean="0"/>
-                        <a:t>LEN</a:t>
-                      </a:r>
-                      <a:endParaRPr lang="fr-CH" dirty="0"/>
-                    </a:p>
-                  </a:txBody>
-                  <a:tcPr/>
-                </a:tc>
-                <a:tc>
-                  <a:txBody>
-                    <a:bodyPr/>
-                    <a:lstStyle/>
-                    <a:p>
-                      <a:r>
-                        <a:rPr lang="fr-CH" dirty="0" err="1" smtClean="0"/>
-                        <a:t>Length</a:t>
-                      </a:r>
-                      <a:r>
-                        <a:rPr lang="fr-CH" dirty="0" smtClean="0"/>
-                        <a:t> of cigarettes</a:t>
-                      </a:r>
-                      <a:endParaRPr lang="fr-CH" dirty="0"/>
-                    </a:p>
-                  </a:txBody>
-                  <a:tcPr/>
-                </a:tc>
-                <a:tc>
-                  <a:txBody>
-                    <a:bodyPr/>
-                    <a:lstStyle/>
-                    <a:p>
-                      <a:r>
-                        <a:rPr lang="fr-CH" dirty="0" smtClean="0"/>
-                        <a:t>85</a:t>
-                      </a:r>
-                      <a:endParaRPr lang="fr-CH" dirty="0"/>
-                    </a:p>
-                  </a:txBody>
-                  <a:tcPr/>
-                </a:tc>
-                <a:tc>
-                  <a:txBody>
-                    <a:bodyPr/>
-                    <a:lstStyle/>
-                    <a:p>
-                      <a:endParaRPr lang="fr-CH" dirty="0"/>
-                    </a:p>
-                  </a:txBody>
-                  <a:tcPr/>
-                </a:tc>
-              </a:tr>
-              <a:tr h="370840">
-                <a:tc>
-                  <a:txBody>
-                    <a:bodyPr/>
-                    <a:lstStyle/>
-                    <a:p>
-                      <a:r>
-                        <a:rPr lang="fr-CH" dirty="0" smtClean="0"/>
-                        <a:t>LENCATEGORY</a:t>
-                      </a:r>
-                      <a:endParaRPr lang="fr-CH" dirty="0"/>
-                    </a:p>
-                  </a:txBody>
-                  <a:tcPr/>
-                </a:tc>
-                <a:tc>
-                  <a:txBody>
-                    <a:bodyPr/>
-                    <a:lstStyle/>
-                    <a:p>
-                      <a:r>
-                        <a:rPr lang="fr-CH" dirty="0" err="1" smtClean="0"/>
-                        <a:t>Length</a:t>
-                      </a:r>
-                      <a:r>
-                        <a:rPr lang="fr-CH" dirty="0" smtClean="0"/>
-                        <a:t> size</a:t>
-                      </a:r>
-                      <a:endParaRPr lang="fr-CH" dirty="0"/>
-                    </a:p>
-                  </a:txBody>
-                  <a:tcPr/>
-                </a:tc>
-                <a:tc>
-                  <a:txBody>
-                    <a:bodyPr/>
-                    <a:lstStyle/>
-                    <a:p>
-                      <a:r>
-                        <a:rPr lang="fr-CH" dirty="0" smtClean="0"/>
-                        <a:t>King Size, 100s</a:t>
-                      </a:r>
-                      <a:endParaRPr lang="fr-CH" dirty="0"/>
-                    </a:p>
-                  </a:txBody>
-                  <a:tcPr/>
-                </a:tc>
-                <a:tc>
-                  <a:txBody>
-                    <a:bodyPr/>
-                    <a:lstStyle/>
-                    <a:p>
-                      <a:endParaRPr lang="fr-CH" dirty="0"/>
+                        <a:rPr lang="en-US" sz="1400" dirty="0" smtClean="0"/>
+                        <a:t>PCKT28</a:t>
+                      </a:r>
+                      <a:endParaRPr lang="en-US" sz="1400" dirty="0"/>
+                    </a:p>
+                  </a:txBody>
+                  <a:tcPr/>
+                </a:tc>
+                <a:tc>
+                  <a:txBody>
+                    <a:bodyPr/>
+                    <a:lstStyle/>
+                    <a:p>
+                      <a:r>
+                        <a:rPr lang="en-US" sz="1400" dirty="0" smtClean="0"/>
+                        <a:t>0,74</a:t>
+                      </a:r>
+                      <a:endParaRPr lang="en-US" sz="1400" dirty="0"/>
+                    </a:p>
+                  </a:txBody>
+                  <a:tcPr/>
+                </a:tc>
+                <a:tc>
+                  <a:txBody>
+                    <a:bodyPr/>
+                    <a:lstStyle/>
+                    <a:p>
+                      <a:r>
+                        <a:rPr lang="en-US" sz="1400" dirty="0" smtClean="0"/>
+                        <a:t>39,12%</a:t>
+                      </a:r>
+                      <a:endParaRPr lang="en-US" sz="1400" dirty="0"/>
                     </a:p>
                   </a:txBody>
                   <a:tcPr/>
@@ -7274,1511 +10870,7 @@
     </p:spTree>
     <p:extLst>
       <p:ext uri="{BB962C8B-B14F-4D97-AF65-F5344CB8AC3E}">
-        <p14:creationId xmlns:p14="http://schemas.microsoft.com/office/powerpoint/2010/main" val="936671069"/>
-      </p:ext>
-    </p:extLst>
-  </p:cSld>
-  <p:clrMapOvr>
-    <a:masterClrMapping/>
-  </p:clrMapOvr>
-  <p:timing>
-    <p:tnLst>
-      <p:par>
-        <p:cTn id="1" dur="indefinite" restart="never" nodeType="tmRoot"/>
-      </p:par>
-    </p:tnLst>
-  </p:timing>
-</p:sld>
-</file>
-
-<file path=ppt/slides/slide6.xml><?xml version="1.0" encoding="utf-8"?>
-<p:sld xmlns:a="http://schemas.openxmlformats.org/drawingml/2006/main" xmlns:r="http://schemas.openxmlformats.org/officeDocument/2006/relationships" xmlns:p="http://schemas.openxmlformats.org/presentationml/2006/main">
-  <p:cSld>
-    <p:spTree>
-      <p:nvGrpSpPr>
-        <p:cNvPr id="1" name=""/>
-        <p:cNvGrpSpPr/>
-        <p:nvPr/>
-      </p:nvGrpSpPr>
-      <p:grpSpPr>
-        <a:xfrm>
-          <a:off x="0" y="0"/>
-          <a:ext cx="0" cy="0"/>
-          <a:chOff x="0" y="0"/>
-          <a:chExt cx="0" cy="0"/>
-        </a:xfrm>
-      </p:grpSpPr>
-      <p:sp>
-        <p:nvSpPr>
-          <p:cNvPr id="2" name="Espace réservé du texte 1"/>
-          <p:cNvSpPr>
-            <a:spLocks noGrp="1"/>
-          </p:cNvSpPr>
-          <p:nvPr>
-            <p:ph type="body" sz="quarter" idx="10"/>
-          </p:nvPr>
-        </p:nvSpPr>
-        <p:spPr>
-          <a:xfrm>
-            <a:off x="349119" y="44056"/>
-            <a:ext cx="9206044" cy="339969"/>
-          </a:xfrm>
-        </p:spPr>
-        <p:txBody>
-          <a:bodyPr/>
-          <a:lstStyle/>
-          <a:p>
-            <a:r>
-              <a:rPr lang="fr-CH" dirty="0" smtClean="0"/>
-              <a:t>Data Exploration</a:t>
-            </a:r>
-            <a:endParaRPr lang="fr-CH" dirty="0"/>
-          </a:p>
-        </p:txBody>
-      </p:sp>
-      <p:graphicFrame>
-        <p:nvGraphicFramePr>
-          <p:cNvPr id="5" name="Espace réservé du contenu 5"/>
-          <p:cNvGraphicFramePr>
-            <a:graphicFrameLocks/>
-          </p:cNvGraphicFramePr>
-          <p:nvPr>
-            <p:extLst>
-              <p:ext uri="{D42A27DB-BD31-4B8C-83A1-F6EECF244321}">
-                <p14:modId xmlns:p14="http://schemas.microsoft.com/office/powerpoint/2010/main" val="400492244"/>
-              </p:ext>
-            </p:extLst>
-          </p:nvPr>
-        </p:nvGraphicFramePr>
-        <p:xfrm>
-          <a:off x="349119" y="426358"/>
-          <a:ext cx="9065816" cy="5186680"/>
-        </p:xfrm>
-        <a:graphic>
-          <a:graphicData uri="http://schemas.openxmlformats.org/drawingml/2006/table">
-            <a:tbl>
-              <a:tblPr firstRow="1" bandRow="1">
-                <a:tableStyleId>{5C22544A-7EE6-4342-B048-85BDC9FD1C3A}</a:tableStyleId>
-              </a:tblPr>
-              <a:tblGrid>
-                <a:gridCol w="2266454"/>
-                <a:gridCol w="2266454"/>
-                <a:gridCol w="2266454"/>
-                <a:gridCol w="2266454"/>
-              </a:tblGrid>
-              <a:tr h="370840">
-                <a:tc>
-                  <a:txBody>
-                    <a:bodyPr/>
-                    <a:lstStyle/>
-                    <a:p>
-                      <a:r>
-                        <a:rPr lang="fr-CH" dirty="0" err="1" smtClean="0"/>
-                        <a:t>Feature</a:t>
-                      </a:r>
-                      <a:endParaRPr lang="fr-CH" dirty="0"/>
-                    </a:p>
-                  </a:txBody>
-                  <a:tcPr/>
-                </a:tc>
-                <a:tc>
-                  <a:txBody>
-                    <a:bodyPr/>
-                    <a:lstStyle/>
-                    <a:p>
-                      <a:r>
-                        <a:rPr lang="fr-CH" dirty="0" err="1" smtClean="0"/>
-                        <a:t>Assumption</a:t>
-                      </a:r>
-                      <a:endParaRPr lang="fr-CH" dirty="0"/>
-                    </a:p>
-                  </a:txBody>
-                  <a:tcPr/>
-                </a:tc>
-                <a:tc>
-                  <a:txBody>
-                    <a:bodyPr/>
-                    <a:lstStyle/>
-                    <a:p>
-                      <a:r>
-                        <a:rPr lang="fr-CH" dirty="0" err="1" smtClean="0"/>
-                        <a:t>Example</a:t>
-                      </a:r>
-                      <a:endParaRPr lang="fr-CH" dirty="0"/>
-                    </a:p>
-                  </a:txBody>
-                  <a:tcPr/>
-                </a:tc>
-                <a:tc>
-                  <a:txBody>
-                    <a:bodyPr/>
-                    <a:lstStyle/>
-                    <a:p>
-                      <a:r>
-                        <a:rPr lang="fr-CH" dirty="0" smtClean="0"/>
-                        <a:t>Note</a:t>
-                      </a:r>
-                      <a:endParaRPr lang="fr-CH" dirty="0"/>
-                    </a:p>
-                  </a:txBody>
-                  <a:tcPr/>
-                </a:tc>
-              </a:tr>
-              <a:tr h="370840">
-                <a:tc>
-                  <a:txBody>
-                    <a:bodyPr/>
-                    <a:lstStyle/>
-                    <a:p>
-                      <a:r>
-                        <a:rPr lang="fr-CH" dirty="0" smtClean="0"/>
-                        <a:t>PRICECLASS,</a:t>
-                      </a:r>
-                      <a:r>
-                        <a:rPr lang="fr-CH" baseline="0" dirty="0" smtClean="0"/>
-                        <a:t> ON</a:t>
-                      </a:r>
-                      <a:endParaRPr lang="fr-CH" dirty="0"/>
-                    </a:p>
-                  </a:txBody>
-                  <a:tcPr/>
-                </a:tc>
-                <a:tc>
-                  <a:txBody>
-                    <a:bodyPr/>
-                    <a:lstStyle/>
-                    <a:p>
-                      <a:r>
-                        <a:rPr lang="fr-CH" dirty="0" smtClean="0"/>
-                        <a:t>Price</a:t>
-                      </a:r>
-                      <a:r>
-                        <a:rPr lang="fr-CH" baseline="0" dirty="0" smtClean="0"/>
-                        <a:t> range, </a:t>
-                      </a:r>
-                      <a:r>
-                        <a:rPr lang="fr-CH" baseline="0" dirty="0" err="1" smtClean="0"/>
-                        <a:t>currency</a:t>
-                      </a:r>
-                      <a:r>
-                        <a:rPr lang="fr-CH" baseline="0" dirty="0" smtClean="0"/>
-                        <a:t>?</a:t>
-                      </a:r>
-                      <a:endParaRPr lang="fr-CH" dirty="0"/>
-                    </a:p>
-                  </a:txBody>
-                  <a:tcPr/>
-                </a:tc>
-                <a:tc>
-                  <a:txBody>
-                    <a:bodyPr/>
-                    <a:lstStyle/>
-                    <a:p>
-                      <a:endParaRPr lang="fr-CH" dirty="0"/>
-                    </a:p>
-                  </a:txBody>
-                  <a:tcPr/>
-                </a:tc>
-                <a:tc>
-                  <a:txBody>
-                    <a:bodyPr/>
-                    <a:lstStyle/>
-                    <a:p>
-                      <a:endParaRPr lang="fr-CH" dirty="0"/>
-                    </a:p>
-                  </a:txBody>
-                  <a:tcPr/>
-                </a:tc>
-              </a:tr>
-              <a:tr h="370840">
-                <a:tc>
-                  <a:txBody>
-                    <a:bodyPr/>
-                    <a:lstStyle/>
-                    <a:p>
-                      <a:r>
-                        <a:rPr lang="fr-CH" dirty="0" smtClean="0"/>
-                        <a:t>LOCALCLASS</a:t>
-                      </a:r>
-                      <a:endParaRPr lang="fr-CH" dirty="0"/>
-                    </a:p>
-                  </a:txBody>
-                  <a:tcPr/>
-                </a:tc>
-                <a:tc>
-                  <a:txBody>
-                    <a:bodyPr/>
-                    <a:lstStyle/>
-                    <a:p>
-                      <a:r>
-                        <a:rPr lang="fr-CH" dirty="0" smtClean="0"/>
-                        <a:t>Local </a:t>
-                      </a:r>
-                      <a:r>
-                        <a:rPr lang="fr-CH" dirty="0" err="1" smtClean="0"/>
-                        <a:t>price</a:t>
-                      </a:r>
-                      <a:r>
-                        <a:rPr lang="fr-CH" dirty="0" smtClean="0"/>
-                        <a:t> class?</a:t>
-                      </a:r>
-                      <a:endParaRPr lang="fr-CH" dirty="0"/>
-                    </a:p>
-                  </a:txBody>
-                  <a:tcPr/>
-                </a:tc>
-                <a:tc>
-                  <a:txBody>
-                    <a:bodyPr/>
-                    <a:lstStyle/>
-                    <a:p>
-                      <a:endParaRPr lang="fr-CH"/>
-                    </a:p>
-                  </a:txBody>
-                  <a:tcPr/>
-                </a:tc>
-                <a:tc>
-                  <a:txBody>
-                    <a:bodyPr/>
-                    <a:lstStyle/>
-                    <a:p>
-                      <a:endParaRPr lang="fr-CH" dirty="0"/>
-                    </a:p>
-                  </a:txBody>
-                  <a:tcPr/>
-                </a:tc>
-              </a:tr>
-              <a:tr h="370840">
-                <a:tc>
-                  <a:txBody>
-                    <a:bodyPr/>
-                    <a:lstStyle/>
-                    <a:p>
-                      <a:r>
-                        <a:rPr lang="fr-CH" dirty="0" smtClean="0"/>
-                        <a:t>MINDICATOR</a:t>
-                      </a:r>
-                      <a:endParaRPr lang="fr-CH" dirty="0"/>
-                    </a:p>
-                  </a:txBody>
-                  <a:tcPr/>
-                </a:tc>
-                <a:tc>
-                  <a:txBody>
-                    <a:bodyPr/>
-                    <a:lstStyle/>
-                    <a:p>
-                      <a:r>
-                        <a:rPr lang="fr-CH" dirty="0" smtClean="0"/>
-                        <a:t>Menthol</a:t>
-                      </a:r>
-                      <a:r>
-                        <a:rPr lang="fr-CH" baseline="0" dirty="0" smtClean="0"/>
-                        <a:t> </a:t>
-                      </a:r>
-                      <a:r>
-                        <a:rPr lang="fr-CH" baseline="0" dirty="0" err="1" smtClean="0"/>
-                        <a:t>Indicator</a:t>
-                      </a:r>
-                      <a:endParaRPr lang="fr-CH" dirty="0"/>
-                    </a:p>
-                  </a:txBody>
-                  <a:tcPr/>
-                </a:tc>
-                <a:tc>
-                  <a:txBody>
-                    <a:bodyPr/>
-                    <a:lstStyle/>
-                    <a:p>
-                      <a:r>
-                        <a:rPr lang="fr-CH" dirty="0" smtClean="0"/>
-                        <a:t>Y/N</a:t>
-                      </a:r>
-                      <a:endParaRPr lang="fr-CH" dirty="0"/>
-                    </a:p>
-                  </a:txBody>
-                  <a:tcPr/>
-                </a:tc>
-                <a:tc>
-                  <a:txBody>
-                    <a:bodyPr/>
-                    <a:lstStyle/>
-                    <a:p>
-                      <a:endParaRPr lang="fr-CH" dirty="0"/>
-                    </a:p>
-                  </a:txBody>
-                  <a:tcPr/>
-                </a:tc>
-              </a:tr>
-              <a:tr h="370840">
-                <a:tc>
-                  <a:txBody>
-                    <a:bodyPr/>
-                    <a:lstStyle/>
-                    <a:p>
-                      <a:r>
-                        <a:rPr lang="fr-CH" dirty="0" smtClean="0"/>
-                        <a:t>NCON</a:t>
-                      </a:r>
-                      <a:endParaRPr lang="fr-CH" dirty="0"/>
-                    </a:p>
-                  </a:txBody>
-                  <a:tcPr/>
-                </a:tc>
-                <a:tc>
-                  <a:txBody>
-                    <a:bodyPr/>
-                    <a:lstStyle/>
-                    <a:p>
-                      <a:r>
-                        <a:rPr lang="fr-CH" dirty="0" smtClean="0"/>
-                        <a:t>Nicotine Content</a:t>
-                      </a:r>
-                      <a:endParaRPr lang="fr-CH" dirty="0"/>
-                    </a:p>
-                  </a:txBody>
-                  <a:tcPr/>
-                </a:tc>
-                <a:tc>
-                  <a:txBody>
-                    <a:bodyPr/>
-                    <a:lstStyle/>
-                    <a:p>
-                      <a:r>
-                        <a:rPr lang="fr-CH" dirty="0" smtClean="0"/>
-                        <a:t>0,6</a:t>
-                      </a:r>
-                      <a:endParaRPr lang="fr-CH" dirty="0"/>
-                    </a:p>
-                  </a:txBody>
-                  <a:tcPr/>
-                </a:tc>
-                <a:tc>
-                  <a:txBody>
-                    <a:bodyPr/>
-                    <a:lstStyle/>
-                    <a:p>
-                      <a:endParaRPr lang="fr-CH"/>
-                    </a:p>
-                  </a:txBody>
-                  <a:tcPr/>
-                </a:tc>
-              </a:tr>
-              <a:tr h="284232">
-                <a:tc>
-                  <a:txBody>
-                    <a:bodyPr/>
-                    <a:lstStyle/>
-                    <a:p>
-                      <a:r>
-                        <a:rPr lang="fr-CH" dirty="0" smtClean="0"/>
-                        <a:t>NPLLAUNCHDATE</a:t>
-                      </a:r>
-                      <a:endParaRPr lang="fr-CH" dirty="0"/>
-                    </a:p>
-                  </a:txBody>
-                  <a:tcPr/>
-                </a:tc>
-                <a:tc>
-                  <a:txBody>
-                    <a:bodyPr/>
-                    <a:lstStyle/>
-                    <a:p>
-                      <a:r>
-                        <a:rPr lang="fr-CH" dirty="0" smtClean="0"/>
-                        <a:t>New</a:t>
-                      </a:r>
-                      <a:r>
-                        <a:rPr lang="fr-CH" baseline="0" dirty="0" smtClean="0"/>
-                        <a:t> Product </a:t>
-                      </a:r>
-                      <a:r>
-                        <a:rPr lang="fr-CH" baseline="0" dirty="0" err="1" smtClean="0"/>
-                        <a:t>Launch</a:t>
-                      </a:r>
-                      <a:endParaRPr lang="fr-CH" dirty="0"/>
-                    </a:p>
-                  </a:txBody>
-                  <a:tcPr/>
-                </a:tc>
-                <a:tc>
-                  <a:txBody>
-                    <a:bodyPr/>
-                    <a:lstStyle/>
-                    <a:p>
-                      <a:r>
-                        <a:rPr lang="fr-CH" dirty="0" smtClean="0"/>
-                        <a:t>Jan 2008</a:t>
-                      </a:r>
-                      <a:endParaRPr lang="fr-CH" dirty="0"/>
-                    </a:p>
-                  </a:txBody>
-                  <a:tcPr/>
-                </a:tc>
-                <a:tc>
-                  <a:txBody>
-                    <a:bodyPr/>
-                    <a:lstStyle/>
-                    <a:p>
-                      <a:endParaRPr lang="fr-CH" dirty="0"/>
-                    </a:p>
-                  </a:txBody>
-                  <a:tcPr/>
-                </a:tc>
-              </a:tr>
-              <a:tr h="370840">
-                <a:tc>
-                  <a:txBody>
-                    <a:bodyPr/>
-                    <a:lstStyle/>
-                    <a:p>
-                      <a:r>
-                        <a:rPr lang="fr-CH" dirty="0" smtClean="0"/>
-                        <a:t>NPLLAUNCHYEAR</a:t>
-                      </a:r>
-                      <a:endParaRPr lang="fr-CH" dirty="0"/>
-                    </a:p>
-                  </a:txBody>
-                  <a:tcPr/>
-                </a:tc>
-                <a:tc>
-                  <a:txBody>
-                    <a:bodyPr/>
-                    <a:lstStyle/>
-                    <a:p>
-                      <a:endParaRPr lang="fr-CH"/>
-                    </a:p>
-                  </a:txBody>
-                  <a:tcPr/>
-                </a:tc>
-                <a:tc>
-                  <a:txBody>
-                    <a:bodyPr/>
-                    <a:lstStyle/>
-                    <a:p>
-                      <a:r>
-                        <a:rPr lang="fr-CH" dirty="0" smtClean="0"/>
-                        <a:t>2008</a:t>
-                      </a:r>
-                      <a:endParaRPr lang="fr-CH" dirty="0"/>
-                    </a:p>
-                  </a:txBody>
-                  <a:tcPr/>
-                </a:tc>
-                <a:tc>
-                  <a:txBody>
-                    <a:bodyPr/>
-                    <a:lstStyle/>
-                    <a:p>
-                      <a:endParaRPr lang="fr-CH" dirty="0"/>
-                    </a:p>
-                  </a:txBody>
-                  <a:tcPr/>
-                </a:tc>
-              </a:tr>
-              <a:tr h="370840">
-                <a:tc>
-                  <a:txBody>
-                    <a:bodyPr/>
-                    <a:lstStyle/>
-                    <a:p>
-                      <a:r>
-                        <a:rPr lang="fr-CH" dirty="0" smtClean="0"/>
-                        <a:t>PCKT</a:t>
-                      </a:r>
-                      <a:endParaRPr lang="fr-CH" dirty="0"/>
-                    </a:p>
-                  </a:txBody>
-                  <a:tcPr/>
-                </a:tc>
-                <a:tc>
-                  <a:txBody>
-                    <a:bodyPr/>
-                    <a:lstStyle/>
-                    <a:p>
-                      <a:r>
-                        <a:rPr lang="fr-CH" dirty="0" err="1" smtClean="0"/>
-                        <a:t>Packet</a:t>
-                      </a:r>
-                      <a:r>
-                        <a:rPr lang="fr-CH" dirty="0" smtClean="0"/>
-                        <a:t> Type?</a:t>
-                      </a:r>
-                      <a:endParaRPr lang="fr-CH" dirty="0"/>
-                    </a:p>
-                  </a:txBody>
-                  <a:tcPr/>
-                </a:tc>
-                <a:tc>
-                  <a:txBody>
-                    <a:bodyPr/>
-                    <a:lstStyle/>
-                    <a:p>
-                      <a:endParaRPr lang="fr-CH" dirty="0"/>
-                    </a:p>
-                  </a:txBody>
-                  <a:tcPr/>
-                </a:tc>
-                <a:tc>
-                  <a:txBody>
-                    <a:bodyPr/>
-                    <a:lstStyle/>
-                    <a:p>
-                      <a:endParaRPr lang="fr-CH"/>
-                    </a:p>
-                  </a:txBody>
-                  <a:tcPr/>
-                </a:tc>
-              </a:tr>
-              <a:tr h="370840">
-                <a:tc>
-                  <a:txBody>
-                    <a:bodyPr/>
-                    <a:lstStyle/>
-                    <a:p>
-                      <a:r>
-                        <a:rPr lang="fr-CH" dirty="0" smtClean="0"/>
-                        <a:t>TCLASS</a:t>
-                      </a:r>
-                      <a:endParaRPr lang="fr-CH" dirty="0"/>
-                    </a:p>
-                  </a:txBody>
-                  <a:tcPr/>
-                </a:tc>
-                <a:tc>
-                  <a:txBody>
-                    <a:bodyPr/>
-                    <a:lstStyle/>
-                    <a:p>
-                      <a:r>
-                        <a:rPr lang="fr-CH" dirty="0" err="1" smtClean="0"/>
-                        <a:t>Trademark</a:t>
-                      </a:r>
-                      <a:r>
-                        <a:rPr lang="fr-CH" dirty="0" smtClean="0"/>
-                        <a:t>?</a:t>
-                      </a:r>
-                      <a:endParaRPr lang="fr-CH" dirty="0"/>
-                    </a:p>
-                  </a:txBody>
-                  <a:tcPr/>
-                </a:tc>
-                <a:tc>
-                  <a:txBody>
-                    <a:bodyPr/>
-                    <a:lstStyle/>
-                    <a:p>
-                      <a:endParaRPr lang="fr-CH"/>
-                    </a:p>
-                  </a:txBody>
-                  <a:tcPr/>
-                </a:tc>
-                <a:tc>
-                  <a:txBody>
-                    <a:bodyPr/>
-                    <a:lstStyle/>
-                    <a:p>
-                      <a:endParaRPr lang="fr-CH" dirty="0"/>
-                    </a:p>
-                  </a:txBody>
-                  <a:tcPr/>
-                </a:tc>
-              </a:tr>
-              <a:tr h="370840">
-                <a:tc>
-                  <a:txBody>
-                    <a:bodyPr/>
-                    <a:lstStyle/>
-                    <a:p>
-                      <a:r>
-                        <a:rPr lang="fr-CH" dirty="0" smtClean="0"/>
-                        <a:t>RETAILPACKPRICE</a:t>
-                      </a:r>
-                      <a:endParaRPr lang="fr-CH" dirty="0"/>
-                    </a:p>
-                  </a:txBody>
-                  <a:tcPr/>
-                </a:tc>
-                <a:tc>
-                  <a:txBody>
-                    <a:bodyPr/>
-                    <a:lstStyle/>
-                    <a:p>
-                      <a:r>
-                        <a:rPr lang="fr-CH" dirty="0" smtClean="0"/>
-                        <a:t>Local</a:t>
-                      </a:r>
-                      <a:r>
-                        <a:rPr lang="fr-CH" baseline="0" dirty="0" smtClean="0"/>
-                        <a:t> </a:t>
-                      </a:r>
-                      <a:r>
-                        <a:rPr lang="fr-CH" baseline="0" dirty="0" err="1" smtClean="0"/>
-                        <a:t>price</a:t>
-                      </a:r>
-                      <a:endParaRPr lang="fr-CH" dirty="0"/>
-                    </a:p>
-                  </a:txBody>
-                  <a:tcPr/>
-                </a:tc>
-                <a:tc>
-                  <a:txBody>
-                    <a:bodyPr/>
-                    <a:lstStyle/>
-                    <a:p>
-                      <a:endParaRPr lang="fr-CH"/>
-                    </a:p>
-                  </a:txBody>
-                  <a:tcPr/>
-                </a:tc>
-                <a:tc>
-                  <a:txBody>
-                    <a:bodyPr/>
-                    <a:lstStyle/>
-                    <a:p>
-                      <a:r>
-                        <a:rPr lang="fr-CH" dirty="0" err="1" smtClean="0"/>
-                        <a:t>Unstandardized</a:t>
-                      </a:r>
-                      <a:endParaRPr lang="fr-CH" dirty="0"/>
-                    </a:p>
-                  </a:txBody>
-                  <a:tcPr/>
-                </a:tc>
-              </a:tr>
-              <a:tr h="370840">
-                <a:tc>
-                  <a:txBody>
-                    <a:bodyPr/>
-                    <a:lstStyle/>
-                    <a:p>
-                      <a:r>
-                        <a:rPr lang="fr-CH" dirty="0" smtClean="0"/>
-                        <a:t>TRCONTE</a:t>
-                      </a:r>
-                      <a:endParaRPr lang="fr-CH" dirty="0"/>
-                    </a:p>
-                  </a:txBody>
-                  <a:tcPr/>
-                </a:tc>
-                <a:tc>
-                  <a:txBody>
-                    <a:bodyPr/>
-                    <a:lstStyle/>
-                    <a:p>
-                      <a:r>
-                        <a:rPr lang="fr-CH" dirty="0" smtClean="0"/>
-                        <a:t>Content?</a:t>
-                      </a:r>
-                      <a:endParaRPr lang="fr-CH" dirty="0"/>
-                    </a:p>
-                  </a:txBody>
-                  <a:tcPr/>
-                </a:tc>
-                <a:tc>
-                  <a:txBody>
-                    <a:bodyPr/>
-                    <a:lstStyle/>
-                    <a:p>
-                      <a:endParaRPr lang="fr-CH"/>
-                    </a:p>
-                  </a:txBody>
-                  <a:tcPr/>
-                </a:tc>
-                <a:tc>
-                  <a:txBody>
-                    <a:bodyPr/>
-                    <a:lstStyle/>
-                    <a:p>
-                      <a:endParaRPr lang="fr-CH"/>
-                    </a:p>
-                  </a:txBody>
-                  <a:tcPr/>
-                </a:tc>
-              </a:tr>
-              <a:tr h="370840">
-                <a:tc>
-                  <a:txBody>
-                    <a:bodyPr/>
-                    <a:lstStyle/>
-                    <a:p>
-                      <a:r>
-                        <a:rPr lang="fr-CH" dirty="0" smtClean="0"/>
-                        <a:t>THICATEGORY</a:t>
-                      </a:r>
-                      <a:endParaRPr lang="fr-CH" dirty="0"/>
-                    </a:p>
-                  </a:txBody>
-                  <a:tcPr/>
-                </a:tc>
-                <a:tc>
-                  <a:txBody>
-                    <a:bodyPr/>
-                    <a:lstStyle/>
-                    <a:p>
-                      <a:r>
-                        <a:rPr lang="fr-CH" dirty="0" err="1" smtClean="0"/>
-                        <a:t>Thickness</a:t>
-                      </a:r>
-                      <a:endParaRPr lang="fr-CH" dirty="0"/>
-                    </a:p>
-                  </a:txBody>
-                  <a:tcPr/>
-                </a:tc>
-                <a:tc>
-                  <a:txBody>
-                    <a:bodyPr/>
-                    <a:lstStyle/>
-                    <a:p>
-                      <a:r>
-                        <a:rPr lang="fr-CH" dirty="0" smtClean="0"/>
-                        <a:t>Regular</a:t>
-                      </a:r>
-                      <a:endParaRPr lang="fr-CH" dirty="0"/>
-                    </a:p>
-                  </a:txBody>
-                  <a:tcPr/>
-                </a:tc>
-                <a:tc>
-                  <a:txBody>
-                    <a:bodyPr/>
-                    <a:lstStyle/>
-                    <a:p>
-                      <a:endParaRPr lang="fr-CH" dirty="0"/>
-                    </a:p>
-                  </a:txBody>
-                  <a:tcPr/>
-                </a:tc>
-              </a:tr>
-              <a:tr h="370840">
-                <a:tc>
-                  <a:txBody>
-                    <a:bodyPr/>
-                    <a:lstStyle/>
-                    <a:p>
-                      <a:r>
-                        <a:rPr lang="fr-CH" dirty="0" smtClean="0"/>
-                        <a:t>TIPCOLOR</a:t>
-                      </a:r>
-                      <a:endParaRPr lang="fr-CH" dirty="0"/>
-                    </a:p>
-                  </a:txBody>
-                  <a:tcPr/>
-                </a:tc>
-                <a:tc>
-                  <a:txBody>
-                    <a:bodyPr/>
-                    <a:lstStyle/>
-                    <a:p>
-                      <a:r>
-                        <a:rPr lang="fr-CH" dirty="0" err="1" smtClean="0"/>
-                        <a:t>Color</a:t>
-                      </a:r>
-                      <a:r>
-                        <a:rPr lang="fr-CH" dirty="0" smtClean="0"/>
-                        <a:t> (</a:t>
-                      </a:r>
-                      <a:r>
-                        <a:rPr lang="fr-CH" dirty="0" err="1" smtClean="0"/>
-                        <a:t>butt</a:t>
-                      </a:r>
-                      <a:r>
-                        <a:rPr lang="fr-CH" dirty="0" smtClean="0"/>
-                        <a:t>)?</a:t>
-                      </a:r>
-                      <a:endParaRPr lang="fr-CH" dirty="0"/>
-                    </a:p>
-                  </a:txBody>
-                  <a:tcPr/>
-                </a:tc>
-                <a:tc>
-                  <a:txBody>
-                    <a:bodyPr/>
-                    <a:lstStyle/>
-                    <a:p>
-                      <a:endParaRPr lang="fr-CH"/>
-                    </a:p>
-                  </a:txBody>
-                  <a:tcPr/>
-                </a:tc>
-                <a:tc>
-                  <a:txBody>
-                    <a:bodyPr/>
-                    <a:lstStyle/>
-                    <a:p>
-                      <a:endParaRPr lang="fr-CH" dirty="0"/>
-                    </a:p>
-                  </a:txBody>
-                  <a:tcPr/>
-                </a:tc>
-              </a:tr>
-              <a:tr h="370840">
-                <a:tc>
-                  <a:txBody>
-                    <a:bodyPr/>
-                    <a:lstStyle/>
-                    <a:p>
-                      <a:r>
-                        <a:rPr lang="fr-CH" dirty="0" smtClean="0"/>
-                        <a:t>TRACKINGSTATUS</a:t>
-                      </a:r>
-                      <a:endParaRPr lang="fr-CH" dirty="0"/>
-                    </a:p>
-                  </a:txBody>
-                  <a:tcPr/>
-                </a:tc>
-                <a:tc>
-                  <a:txBody>
-                    <a:bodyPr/>
-                    <a:lstStyle/>
-                    <a:p>
-                      <a:endParaRPr lang="fr-CH"/>
-                    </a:p>
-                  </a:txBody>
-                  <a:tcPr/>
-                </a:tc>
-                <a:tc>
-                  <a:txBody>
-                    <a:bodyPr/>
-                    <a:lstStyle/>
-                    <a:p>
-                      <a:endParaRPr lang="fr-CH"/>
-                    </a:p>
-                  </a:txBody>
-                  <a:tcPr/>
-                </a:tc>
-                <a:tc>
-                  <a:txBody>
-                    <a:bodyPr/>
-                    <a:lstStyle/>
-                    <a:p>
-                      <a:endParaRPr lang="fr-CH" dirty="0"/>
-                    </a:p>
-                  </a:txBody>
-                  <a:tcPr/>
-                </a:tc>
-              </a:tr>
-            </a:tbl>
-          </a:graphicData>
-        </a:graphic>
-      </p:graphicFrame>
-    </p:spTree>
-    <p:extLst>
-      <p:ext uri="{BB962C8B-B14F-4D97-AF65-F5344CB8AC3E}">
-        <p14:creationId xmlns:p14="http://schemas.microsoft.com/office/powerpoint/2010/main" val="4099842307"/>
-      </p:ext>
-    </p:extLst>
-  </p:cSld>
-  <p:clrMapOvr>
-    <a:masterClrMapping/>
-  </p:clrMapOvr>
-  <p:timing>
-    <p:tnLst>
-      <p:par>
-        <p:cTn id="1" dur="indefinite" restart="never" nodeType="tmRoot"/>
-      </p:par>
-    </p:tnLst>
-  </p:timing>
-</p:sld>
-</file>
-
-<file path=ppt/slides/slide7.xml><?xml version="1.0" encoding="utf-8"?>
-<p:sld xmlns:a="http://schemas.openxmlformats.org/drawingml/2006/main" xmlns:r="http://schemas.openxmlformats.org/officeDocument/2006/relationships" xmlns:p="http://schemas.openxmlformats.org/presentationml/2006/main">
-  <p:cSld>
-    <p:spTree>
-      <p:nvGrpSpPr>
-        <p:cNvPr id="1" name=""/>
-        <p:cNvGrpSpPr/>
-        <p:nvPr/>
-      </p:nvGrpSpPr>
-      <p:grpSpPr>
-        <a:xfrm>
-          <a:off x="0" y="0"/>
-          <a:ext cx="0" cy="0"/>
-          <a:chOff x="0" y="0"/>
-          <a:chExt cx="0" cy="0"/>
-        </a:xfrm>
-      </p:grpSpPr>
-      <p:sp>
-        <p:nvSpPr>
-          <p:cNvPr id="2" name="Espace réservé du texte 1"/>
-          <p:cNvSpPr>
-            <a:spLocks noGrp="1"/>
-          </p:cNvSpPr>
-          <p:nvPr>
-            <p:ph type="body" sz="quarter" idx="10"/>
-          </p:nvPr>
-        </p:nvSpPr>
-        <p:spPr/>
-        <p:txBody>
-          <a:bodyPr/>
-          <a:lstStyle/>
-          <a:p>
-            <a:endParaRPr lang="fr-CH"/>
-          </a:p>
-        </p:txBody>
-      </p:sp>
-      <p:sp>
-        <p:nvSpPr>
-          <p:cNvPr id="3" name="Titre 2"/>
-          <p:cNvSpPr>
-            <a:spLocks noGrp="1"/>
-          </p:cNvSpPr>
-          <p:nvPr>
-            <p:ph type="title"/>
-          </p:nvPr>
-        </p:nvSpPr>
-        <p:spPr/>
-        <p:txBody>
-          <a:bodyPr/>
-          <a:lstStyle/>
-          <a:p>
-            <a:endParaRPr lang="fr-CH"/>
-          </a:p>
-        </p:txBody>
-      </p:sp>
-      <p:sp>
-        <p:nvSpPr>
-          <p:cNvPr id="4" name="Espace réservé du texte 3"/>
-          <p:cNvSpPr>
-            <a:spLocks noGrp="1"/>
-          </p:cNvSpPr>
-          <p:nvPr>
-            <p:ph type="body" sz="quarter" idx="12"/>
-          </p:nvPr>
-        </p:nvSpPr>
-        <p:spPr/>
-        <p:txBody>
-          <a:bodyPr/>
-          <a:lstStyle/>
-          <a:p>
-            <a:endParaRPr lang="fr-CH"/>
-          </a:p>
-        </p:txBody>
-      </p:sp>
-      <p:pic>
-        <p:nvPicPr>
-          <p:cNvPr id="5" name="Espace réservé du contenu 3"/>
-          <p:cNvPicPr>
-            <a:picLocks noChangeAspect="1"/>
-          </p:cNvPicPr>
-          <p:nvPr/>
-        </p:nvPicPr>
-        <p:blipFill>
-          <a:blip r:embed="rId2">
-            <a:extLst>
-              <a:ext uri="{28A0092B-C50C-407E-A947-70E740481C1C}">
-                <a14:useLocalDpi xmlns:a14="http://schemas.microsoft.com/office/drawing/2010/main" val="0"/>
-              </a:ext>
-            </a:extLst>
-          </a:blip>
-          <a:stretch>
-            <a:fillRect/>
-          </a:stretch>
-        </p:blipFill>
-        <p:spPr>
-          <a:xfrm>
-            <a:off x="1691680" y="836712"/>
-            <a:ext cx="5487650" cy="3658433"/>
-          </a:xfrm>
-          <a:prstGeom prst="rect">
-            <a:avLst/>
-          </a:prstGeom>
-        </p:spPr>
-      </p:pic>
-      <p:pic>
-        <p:nvPicPr>
-          <p:cNvPr id="6" name="Image 5"/>
-          <p:cNvPicPr>
-            <a:picLocks noChangeAspect="1"/>
-          </p:cNvPicPr>
-          <p:nvPr/>
-        </p:nvPicPr>
-        <p:blipFill>
-          <a:blip r:embed="rId3">
-            <a:extLst>
-              <a:ext uri="{28A0092B-C50C-407E-A947-70E740481C1C}">
-                <a14:useLocalDpi xmlns:a14="http://schemas.microsoft.com/office/drawing/2010/main" val="0"/>
-              </a:ext>
-            </a:extLst>
-          </a:blip>
-          <a:stretch>
-            <a:fillRect/>
-          </a:stretch>
-        </p:blipFill>
-        <p:spPr>
-          <a:xfrm>
-            <a:off x="5148064" y="2444029"/>
-            <a:ext cx="5487650" cy="3658433"/>
-          </a:xfrm>
-          <a:prstGeom prst="rect">
-            <a:avLst/>
-          </a:prstGeom>
-        </p:spPr>
-      </p:pic>
-      <p:pic>
-        <p:nvPicPr>
-          <p:cNvPr id="7" name="Image 6"/>
-          <p:cNvPicPr>
-            <a:picLocks noChangeAspect="1"/>
-          </p:cNvPicPr>
-          <p:nvPr/>
-        </p:nvPicPr>
-        <p:blipFill>
-          <a:blip r:embed="rId4">
-            <a:extLst>
-              <a:ext uri="{28A0092B-C50C-407E-A947-70E740481C1C}">
-                <a14:useLocalDpi xmlns:a14="http://schemas.microsoft.com/office/drawing/2010/main" val="0"/>
-              </a:ext>
-            </a:extLst>
-          </a:blip>
-          <a:stretch>
-            <a:fillRect/>
-          </a:stretch>
-        </p:blipFill>
-        <p:spPr>
-          <a:xfrm>
-            <a:off x="-16804" y="2276872"/>
-            <a:ext cx="5487650" cy="3658433"/>
-          </a:xfrm>
-          <a:prstGeom prst="rect">
-            <a:avLst/>
-          </a:prstGeom>
-        </p:spPr>
-      </p:pic>
-    </p:spTree>
-    <p:extLst>
-      <p:ext uri="{BB962C8B-B14F-4D97-AF65-F5344CB8AC3E}">
-        <p14:creationId xmlns:p14="http://schemas.microsoft.com/office/powerpoint/2010/main" val="4238793213"/>
-      </p:ext>
-    </p:extLst>
-  </p:cSld>
-  <p:clrMapOvr>
-    <a:masterClrMapping/>
-  </p:clrMapOvr>
-  <p:timing>
-    <p:tnLst>
-      <p:par>
-        <p:cTn id="1" dur="indefinite" restart="never" nodeType="tmRoot"/>
-      </p:par>
-    </p:tnLst>
-  </p:timing>
-</p:sld>
-</file>
-
-<file path=ppt/slides/slide8.xml><?xml version="1.0" encoding="utf-8"?>
-<p:sld xmlns:a="http://schemas.openxmlformats.org/drawingml/2006/main" xmlns:r="http://schemas.openxmlformats.org/officeDocument/2006/relationships" xmlns:p="http://schemas.openxmlformats.org/presentationml/2006/main">
-  <p:cSld>
-    <p:spTree>
-      <p:nvGrpSpPr>
-        <p:cNvPr id="1" name=""/>
-        <p:cNvGrpSpPr/>
-        <p:nvPr/>
-      </p:nvGrpSpPr>
-      <p:grpSpPr>
-        <a:xfrm>
-          <a:off x="0" y="0"/>
-          <a:ext cx="0" cy="0"/>
-          <a:chOff x="0" y="0"/>
-          <a:chExt cx="0" cy="0"/>
-        </a:xfrm>
-      </p:grpSpPr>
-      <p:sp>
-        <p:nvSpPr>
-          <p:cNvPr id="2" name="Espace réservé du texte 1"/>
-          <p:cNvSpPr>
-            <a:spLocks noGrp="1"/>
-          </p:cNvSpPr>
-          <p:nvPr>
-            <p:ph type="body" sz="quarter" idx="10"/>
-          </p:nvPr>
-        </p:nvSpPr>
-        <p:spPr/>
-        <p:txBody>
-          <a:bodyPr/>
-          <a:lstStyle/>
-          <a:p>
-            <a:endParaRPr lang="fr-CH"/>
-          </a:p>
-        </p:txBody>
-      </p:sp>
-      <p:sp>
-        <p:nvSpPr>
-          <p:cNvPr id="3" name="Titre 2"/>
-          <p:cNvSpPr>
-            <a:spLocks noGrp="1"/>
-          </p:cNvSpPr>
-          <p:nvPr>
-            <p:ph type="title"/>
-          </p:nvPr>
-        </p:nvSpPr>
-        <p:spPr/>
-        <p:txBody>
-          <a:bodyPr/>
-          <a:lstStyle/>
-          <a:p>
-            <a:r>
-              <a:rPr lang="fr-CH" dirty="0" err="1" smtClean="0"/>
-              <a:t>Feature</a:t>
-            </a:r>
-            <a:r>
-              <a:rPr lang="fr-CH" dirty="0" smtClean="0"/>
-              <a:t> </a:t>
-            </a:r>
-            <a:r>
-              <a:rPr lang="fr-CH" dirty="0" err="1" smtClean="0"/>
-              <a:t>Selection</a:t>
-            </a:r>
-            <a:endParaRPr lang="fr-CH" dirty="0"/>
-          </a:p>
-        </p:txBody>
-      </p:sp>
-      <p:sp>
-        <p:nvSpPr>
-          <p:cNvPr id="4" name="Espace réservé du texte 3"/>
-          <p:cNvSpPr>
-            <a:spLocks noGrp="1"/>
-          </p:cNvSpPr>
-          <p:nvPr>
-            <p:ph type="body" sz="quarter" idx="12"/>
-          </p:nvPr>
-        </p:nvSpPr>
-        <p:spPr/>
-        <p:txBody>
-          <a:bodyPr/>
-          <a:lstStyle/>
-          <a:p>
-            <a:endParaRPr lang="fr-CH"/>
-          </a:p>
-        </p:txBody>
-      </p:sp>
-      <p:sp>
-        <p:nvSpPr>
-          <p:cNvPr id="5" name="Espace réservé du contenu 2"/>
-          <p:cNvSpPr txBox="1">
-            <a:spLocks/>
-          </p:cNvSpPr>
-          <p:nvPr/>
-        </p:nvSpPr>
-        <p:spPr>
-          <a:xfrm>
-            <a:off x="349119" y="1518364"/>
-            <a:ext cx="9206044" cy="4934824"/>
-          </a:xfrm>
-          <a:prstGeom prst="rect">
-            <a:avLst/>
-          </a:prstGeom>
-        </p:spPr>
-        <p:txBody>
-          <a:bodyPr/>
-          <a:lstStyle>
-            <a:lvl1pPr marL="0" indent="0" algn="l" defTabSz="457200" rtl="0" eaLnBrk="1" latinLnBrk="0" hangingPunct="1">
-              <a:spcBef>
-                <a:spcPts val="1200"/>
-              </a:spcBef>
-              <a:spcAft>
-                <a:spcPts val="300"/>
-              </a:spcAft>
-              <a:buClr>
-                <a:schemeClr val="bg1"/>
-              </a:buClr>
-              <a:buSzPct val="25000"/>
-              <a:buFont typeface="Verdana" pitchFamily="34" charset="0"/>
-              <a:buNone/>
-              <a:defRPr lang="en-GB" sz="1400" b="0" kern="1200" noProof="0" smtClean="0">
-                <a:solidFill>
-                  <a:srgbClr val="4D4F53"/>
-                </a:solidFill>
-                <a:latin typeface="+mn-lt"/>
-                <a:ea typeface="+mn-ea"/>
-                <a:cs typeface="+mn-cs"/>
-              </a:defRPr>
-            </a:lvl1pPr>
-            <a:lvl2pPr marL="177800" indent="-177800" algn="l" defTabSz="457200" rtl="0" eaLnBrk="1" latinLnBrk="0" hangingPunct="1">
-              <a:spcBef>
-                <a:spcPts val="300"/>
-              </a:spcBef>
-              <a:spcAft>
-                <a:spcPts val="300"/>
-              </a:spcAft>
-              <a:buClr>
-                <a:schemeClr val="bg2"/>
-              </a:buClr>
-              <a:buFont typeface="Arial" pitchFamily="34" charset="0"/>
-              <a:buChar char="•"/>
-              <a:defRPr lang="en-GB" sz="1400" kern="1200" noProof="0" smtClean="0">
-                <a:solidFill>
-                  <a:srgbClr val="4D4F53"/>
-                </a:solidFill>
-                <a:latin typeface="+mn-lt"/>
-                <a:ea typeface="+mn-ea"/>
-                <a:cs typeface="+mn-cs"/>
-              </a:defRPr>
-            </a:lvl2pPr>
-            <a:lvl3pPr marL="361950" indent="-180975" algn="l" defTabSz="514350" rtl="0" eaLnBrk="1" latinLnBrk="0" hangingPunct="1">
-              <a:spcBef>
-                <a:spcPts val="300"/>
-              </a:spcBef>
-              <a:spcAft>
-                <a:spcPts val="300"/>
-              </a:spcAft>
-              <a:buClr>
-                <a:schemeClr val="bg2"/>
-              </a:buClr>
-              <a:buFont typeface="Calibri" pitchFamily="34" charset="0"/>
-              <a:buChar char="−"/>
-              <a:defRPr lang="en-GB" sz="1400" kern="1200" noProof="0" smtClean="0">
-                <a:solidFill>
-                  <a:srgbClr val="4D4F53"/>
-                </a:solidFill>
-                <a:latin typeface="+mn-lt"/>
-                <a:ea typeface="+mn-ea"/>
-                <a:cs typeface="+mn-cs"/>
-              </a:defRPr>
-            </a:lvl3pPr>
-            <a:lvl4pPr marL="536575" indent="-161925" algn="l" defTabSz="457200" rtl="0" eaLnBrk="1" latinLnBrk="0" hangingPunct="1">
-              <a:spcBef>
-                <a:spcPts val="300"/>
-              </a:spcBef>
-              <a:spcAft>
-                <a:spcPts val="300"/>
-              </a:spcAft>
-              <a:buClr>
-                <a:schemeClr val="bg2"/>
-              </a:buClr>
-              <a:buFont typeface="Courier New" pitchFamily="49" charset="0"/>
-              <a:buChar char="o"/>
-              <a:tabLst/>
-              <a:defRPr lang="en-GB" sz="1400" kern="1200" noProof="0" smtClean="0">
-                <a:solidFill>
-                  <a:srgbClr val="4D4F53"/>
-                </a:solidFill>
-                <a:latin typeface="+mn-lt"/>
-                <a:ea typeface="+mn-ea"/>
-                <a:cs typeface="+mn-cs"/>
-              </a:defRPr>
-            </a:lvl4pPr>
-            <a:lvl5pPr marL="812800" indent="-165100" algn="l" defTabSz="457200" rtl="0" eaLnBrk="1" latinLnBrk="0" hangingPunct="1">
-              <a:spcBef>
-                <a:spcPts val="0"/>
-              </a:spcBef>
-              <a:buClr>
-                <a:srgbClr val="D52B1E"/>
-              </a:buClr>
-              <a:buFont typeface="Calibri" pitchFamily="34" charset="0"/>
-              <a:buChar char="-"/>
-              <a:tabLst/>
-              <a:defRPr lang="en-GB" sz="1100" kern="1200" noProof="0">
-                <a:solidFill>
-                  <a:srgbClr val="4D4F53"/>
-                </a:solidFill>
-                <a:latin typeface="+mn-lt"/>
-                <a:ea typeface="+mn-ea"/>
-                <a:cs typeface="+mn-cs"/>
-              </a:defRPr>
-            </a:lvl5pPr>
-            <a:lvl6pPr marL="2514600" indent="-228600" algn="l" defTabSz="457200" rtl="0" eaLnBrk="1" latinLnBrk="0" hangingPunct="1">
-              <a:spcBef>
-                <a:spcPct val="20000"/>
-              </a:spcBef>
-              <a:buFont typeface="Arial"/>
-              <a:buChar char="•"/>
-              <a:defRPr sz="2000" kern="1200">
-                <a:solidFill>
-                  <a:schemeClr val="tx1"/>
-                </a:solidFill>
-                <a:latin typeface="+mn-lt"/>
-                <a:ea typeface="+mn-ea"/>
-                <a:cs typeface="+mn-cs"/>
-              </a:defRPr>
-            </a:lvl6pPr>
-            <a:lvl7pPr marL="2971800" indent="-228600" algn="l" defTabSz="457200" rtl="0" eaLnBrk="1" latinLnBrk="0" hangingPunct="1">
-              <a:spcBef>
-                <a:spcPct val="20000"/>
-              </a:spcBef>
-              <a:buFont typeface="Arial"/>
-              <a:buChar char="•"/>
-              <a:defRPr sz="2000" kern="1200">
-                <a:solidFill>
-                  <a:schemeClr val="tx1"/>
-                </a:solidFill>
-                <a:latin typeface="+mn-lt"/>
-                <a:ea typeface="+mn-ea"/>
-                <a:cs typeface="+mn-cs"/>
-              </a:defRPr>
-            </a:lvl7pPr>
-            <a:lvl8pPr marL="3429000" indent="-228600" algn="l" defTabSz="457200" rtl="0" eaLnBrk="1" latinLnBrk="0" hangingPunct="1">
-              <a:spcBef>
-                <a:spcPct val="20000"/>
-              </a:spcBef>
-              <a:buFont typeface="Arial"/>
-              <a:buChar char="•"/>
-              <a:defRPr sz="2000" kern="1200">
-                <a:solidFill>
-                  <a:schemeClr val="tx1"/>
-                </a:solidFill>
-                <a:latin typeface="+mn-lt"/>
-                <a:ea typeface="+mn-ea"/>
-                <a:cs typeface="+mn-cs"/>
-              </a:defRPr>
-            </a:lvl8pPr>
-            <a:lvl9pPr marL="3886200" indent="-228600" algn="l" defTabSz="457200" rtl="0" eaLnBrk="1" latinLnBrk="0" hangingPunct="1">
-              <a:spcBef>
-                <a:spcPct val="20000"/>
-              </a:spcBef>
-              <a:buFont typeface="Arial"/>
-              <a:buChar char="•"/>
-              <a:defRPr sz="2000" kern="1200">
-                <a:solidFill>
-                  <a:schemeClr val="tx1"/>
-                </a:solidFill>
-                <a:latin typeface="+mn-lt"/>
-                <a:ea typeface="+mn-ea"/>
-                <a:cs typeface="+mn-cs"/>
-              </a:defRPr>
-            </a:lvl9pPr>
-          </a:lstStyle>
-          <a:p>
-            <a:pPr marL="285750" indent="-285750">
-              <a:buFont typeface="Arial" panose="020B0604020202020204" pitchFamily="34" charset="0"/>
-              <a:buChar char="•"/>
-            </a:pPr>
-            <a:r>
-              <a:rPr lang="fr-CH" dirty="0" err="1" smtClean="0"/>
-              <a:t>Anova</a:t>
-            </a:r>
-            <a:endParaRPr lang="fr-CH" dirty="0"/>
-          </a:p>
-        </p:txBody>
-      </p:sp>
-    </p:spTree>
-    <p:extLst>
-      <p:ext uri="{BB962C8B-B14F-4D97-AF65-F5344CB8AC3E}">
         <p14:creationId xmlns:p14="http://schemas.microsoft.com/office/powerpoint/2010/main" val="1180311603"/>
-      </p:ext>
-    </p:extLst>
-  </p:cSld>
-  <p:clrMapOvr>
-    <a:masterClrMapping/>
-  </p:clrMapOvr>
-  <p:timing>
-    <p:tnLst>
-      <p:par>
-        <p:cTn id="1" dur="indefinite" restart="never" nodeType="tmRoot"/>
-      </p:par>
-    </p:tnLst>
-  </p:timing>
-</p:sld>
-</file>
-
-<file path=ppt/slides/slide9.xml><?xml version="1.0" encoding="utf-8"?>
-<p:sld xmlns:a="http://schemas.openxmlformats.org/drawingml/2006/main" xmlns:r="http://schemas.openxmlformats.org/officeDocument/2006/relationships" xmlns:p="http://schemas.openxmlformats.org/presentationml/2006/main">
-  <p:cSld>
-    <p:spTree>
-      <p:nvGrpSpPr>
-        <p:cNvPr id="1" name=""/>
-        <p:cNvGrpSpPr/>
-        <p:nvPr/>
-      </p:nvGrpSpPr>
-      <p:grpSpPr>
-        <a:xfrm>
-          <a:off x="0" y="0"/>
-          <a:ext cx="0" cy="0"/>
-          <a:chOff x="0" y="0"/>
-          <a:chExt cx="0" cy="0"/>
-        </a:xfrm>
-      </p:grpSpPr>
-      <p:sp>
-        <p:nvSpPr>
-          <p:cNvPr id="2" name="Espace réservé du texte 1"/>
-          <p:cNvSpPr>
-            <a:spLocks noGrp="1"/>
-          </p:cNvSpPr>
-          <p:nvPr>
-            <p:ph type="body" sz="quarter" idx="10"/>
-          </p:nvPr>
-        </p:nvSpPr>
-        <p:spPr/>
-        <p:txBody>
-          <a:bodyPr/>
-          <a:lstStyle/>
-          <a:p>
-            <a:endParaRPr lang="fr-CH"/>
-          </a:p>
-        </p:txBody>
-      </p:sp>
-      <p:sp>
-        <p:nvSpPr>
-          <p:cNvPr id="3" name="Titre 2"/>
-          <p:cNvSpPr>
-            <a:spLocks noGrp="1"/>
-          </p:cNvSpPr>
-          <p:nvPr>
-            <p:ph type="title"/>
-          </p:nvPr>
-        </p:nvSpPr>
-        <p:spPr/>
-        <p:txBody>
-          <a:bodyPr/>
-          <a:lstStyle/>
-          <a:p>
-            <a:endParaRPr lang="fr-CH"/>
-          </a:p>
-        </p:txBody>
-      </p:sp>
-      <p:sp>
-        <p:nvSpPr>
-          <p:cNvPr id="4" name="Espace réservé du texte 3"/>
-          <p:cNvSpPr>
-            <a:spLocks noGrp="1"/>
-          </p:cNvSpPr>
-          <p:nvPr>
-            <p:ph type="body" sz="quarter" idx="12"/>
-          </p:nvPr>
-        </p:nvSpPr>
-        <p:spPr/>
-        <p:txBody>
-          <a:bodyPr/>
-          <a:lstStyle/>
-          <a:p>
-            <a:endParaRPr lang="fr-CH"/>
-          </a:p>
-        </p:txBody>
-      </p:sp>
-      <p:pic>
-        <p:nvPicPr>
-          <p:cNvPr id="5" name="Espace réservé du contenu 3"/>
-          <p:cNvPicPr>
-            <a:picLocks noChangeAspect="1"/>
-          </p:cNvPicPr>
-          <p:nvPr/>
-        </p:nvPicPr>
-        <p:blipFill>
-          <a:blip r:embed="rId2">
-            <a:extLst>
-              <a:ext uri="{28A0092B-C50C-407E-A947-70E740481C1C}">
-                <a14:useLocalDpi xmlns:a14="http://schemas.microsoft.com/office/drawing/2010/main" val="0"/>
-              </a:ext>
-            </a:extLst>
-          </a:blip>
-          <a:stretch>
-            <a:fillRect/>
-          </a:stretch>
-        </p:blipFill>
-        <p:spPr>
-          <a:xfrm>
-            <a:off x="1115616" y="332656"/>
-            <a:ext cx="7724676" cy="5793507"/>
-          </a:xfrm>
-          <a:prstGeom prst="rect">
-            <a:avLst/>
-          </a:prstGeom>
-        </p:spPr>
-      </p:pic>
-    </p:spTree>
-    <p:extLst>
-      <p:ext uri="{BB962C8B-B14F-4D97-AF65-F5344CB8AC3E}">
-        <p14:creationId xmlns:p14="http://schemas.microsoft.com/office/powerpoint/2010/main" val="3499202443"/>
       </p:ext>
     </p:extLst>
   </p:cSld>
